--- a/Final Project PowerPoint_110218BN.pptx
+++ b/Final Project PowerPoint_110218BN.pptx
@@ -5,20 +5,26 @@
     <p:sldMasterId id="2147483659" r:id="rId1"/>
   </p:sldMasterIdLst>
   <p:notesMasterIdLst>
-    <p:notesMasterId r:id="rId13"/>
+    <p:notesMasterId r:id="rId19"/>
   </p:notesMasterIdLst>
   <p:sldIdLst>
     <p:sldId id="256" r:id="rId2"/>
-    <p:sldId id="257" r:id="rId3"/>
-    <p:sldId id="258" r:id="rId4"/>
-    <p:sldId id="259" r:id="rId5"/>
+    <p:sldId id="267" r:id="rId3"/>
+    <p:sldId id="269" r:id="rId4"/>
+    <p:sldId id="270" r:id="rId5"/>
     <p:sldId id="260" r:id="rId6"/>
-    <p:sldId id="261" r:id="rId7"/>
-    <p:sldId id="262" r:id="rId8"/>
+    <p:sldId id="271" r:id="rId7"/>
+    <p:sldId id="272" r:id="rId8"/>
     <p:sldId id="263" r:id="rId9"/>
     <p:sldId id="264" r:id="rId10"/>
     <p:sldId id="265" r:id="rId11"/>
     <p:sldId id="266" r:id="rId12"/>
+    <p:sldId id="273" r:id="rId13"/>
+    <p:sldId id="268" r:id="rId14"/>
+    <p:sldId id="274" r:id="rId15"/>
+    <p:sldId id="275" r:id="rId16"/>
+    <p:sldId id="276" r:id="rId17"/>
+    <p:sldId id="277" r:id="rId18"/>
   </p:sldIdLst>
   <p:sldSz cx="9144000" cy="5143500" type="screen16x9"/>
   <p:notesSz cx="6858000" cy="9144000"/>
@@ -738,8 +744,8 @@
         </p:nvSpPr>
         <p:spPr>
           <a:xfrm>
-            <a:off x="381300" y="685800"/>
-            <a:ext cx="6096075" cy="3429000"/>
+            <a:off x="381000" y="685800"/>
+            <a:ext cx="6096000" cy="3429000"/>
           </a:xfrm>
           <a:custGeom>
             <a:avLst/>
@@ -818,7 +824,7 @@
   <p:cSld>
     <p:spTree>
       <p:nvGrpSpPr>
-        <p:cNvPr id="1" name="Shape 108"/>
+        <p:cNvPr id="1" name="Shape 116"/>
         <p:cNvGrpSpPr/>
         <p:nvPr/>
       </p:nvGrpSpPr>
@@ -832,7 +838,7 @@
       </p:grpSpPr>
       <p:sp>
         <p:nvSpPr>
-          <p:cNvPr id="109" name="Google Shape;109;g452f712eeb_0_15:notes"/>
+          <p:cNvPr id="117" name="Google Shape;117;g452f712eeb_0_10:notes"/>
           <p:cNvSpPr>
             <a:spLocks noGrp="1" noRot="1" noChangeAspect="1"/>
           </p:cNvSpPr>
@@ -873,7 +879,7 @@
       </p:sp>
       <p:sp>
         <p:nvSpPr>
-          <p:cNvPr id="110" name="Google Shape;110;g452f712eeb_0_15:notes"/>
+          <p:cNvPr id="118" name="Google Shape;118;g452f712eeb_0_10:notes"/>
           <p:cNvSpPr txBox="1">
             <a:spLocks noGrp="1"/>
           </p:cNvSpPr>
@@ -910,6 +916,11 @@
         </p:txBody>
       </p:sp>
     </p:spTree>
+    <p:extLst>
+      <p:ext uri="{BB962C8B-B14F-4D97-AF65-F5344CB8AC3E}">
+        <p14:creationId xmlns:p14="http://schemas.microsoft.com/office/powerpoint/2010/main" val="936037654"/>
+      </p:ext>
+    </p:extLst>
   </p:cSld>
   <p:clrMapOvr>
     <a:masterClrMapping/>
@@ -922,7 +933,7 @@
   <p:cSld>
     <p:spTree>
       <p:nvGrpSpPr>
-        <p:cNvPr id="1" name="Shape 114"/>
+        <p:cNvPr id="1" name="Shape 124"/>
         <p:cNvGrpSpPr/>
         <p:nvPr/>
       </p:nvGrpSpPr>
@@ -936,7 +947,7 @@
       </p:grpSpPr>
       <p:sp>
         <p:nvSpPr>
-          <p:cNvPr id="115" name="Google Shape;115;g454d8e76ed_0_35:notes"/>
+          <p:cNvPr id="125" name="Google Shape;125;g454d8e76ed_0_21:notes"/>
           <p:cNvSpPr>
             <a:spLocks noGrp="1" noRot="1" noChangeAspect="1"/>
           </p:cNvSpPr>
@@ -977,7 +988,7 @@
       </p:sp>
       <p:sp>
         <p:nvSpPr>
-          <p:cNvPr id="116" name="Google Shape;116;g454d8e76ed_0_35:notes"/>
+          <p:cNvPr id="126" name="Google Shape;126;g454d8e76ed_0_21:notes"/>
           <p:cNvSpPr txBox="1">
             <a:spLocks noGrp="1"/>
           </p:cNvSpPr>
@@ -1009,11 +1020,106 @@
               </a:spcAft>
               <a:buNone/>
             </a:pPr>
+            <a:r>
+              <a:rPr lang="en" sz="1200" b="1">
+                <a:solidFill>
+                  <a:srgbClr val="222222"/>
+                </a:solidFill>
+                <a:highlight>
+                  <a:srgbClr val="FFFFFF"/>
+                </a:highlight>
+                <a:latin typeface="Roboto"/>
+                <a:ea typeface="Roboto"/>
+                <a:cs typeface="Roboto"/>
+                <a:sym typeface="Roboto"/>
+              </a:rPr>
+              <a:t>Quasi</a:t>
+            </a:r>
+            <a:r>
+              <a:rPr lang="en" sz="1200">
+                <a:solidFill>
+                  <a:srgbClr val="222222"/>
+                </a:solidFill>
+                <a:highlight>
+                  <a:srgbClr val="FFFFFF"/>
+                </a:highlight>
+                <a:latin typeface="Roboto"/>
+                <a:ea typeface="Roboto"/>
+                <a:cs typeface="Roboto"/>
+                <a:sym typeface="Roboto"/>
+              </a:rPr>
+              <a:t>-experiments are employed when the researcher is interested in </a:t>
+            </a:r>
+            <a:r>
+              <a:rPr lang="en" sz="1200" b="1">
+                <a:solidFill>
+                  <a:srgbClr val="222222"/>
+                </a:solidFill>
+                <a:highlight>
+                  <a:srgbClr val="FFFFFF"/>
+                </a:highlight>
+                <a:latin typeface="Roboto"/>
+                <a:ea typeface="Roboto"/>
+                <a:cs typeface="Roboto"/>
+                <a:sym typeface="Roboto"/>
+              </a:rPr>
+              <a:t>independent variables</a:t>
+            </a:r>
+            <a:r>
+              <a:rPr lang="en" sz="1200">
+                <a:solidFill>
+                  <a:srgbClr val="222222"/>
+                </a:solidFill>
+                <a:highlight>
+                  <a:srgbClr val="FFFFFF"/>
+                </a:highlight>
+                <a:latin typeface="Roboto"/>
+                <a:ea typeface="Roboto"/>
+                <a:cs typeface="Roboto"/>
+                <a:sym typeface="Roboto"/>
+              </a:rPr>
+              <a:t> that cannot be randomly assigned. Usually this happens when the </a:t>
+            </a:r>
+            <a:r>
+              <a:rPr lang="en" sz="1200" b="1">
+                <a:solidFill>
+                  <a:srgbClr val="222222"/>
+                </a:solidFill>
+                <a:highlight>
+                  <a:srgbClr val="FFFFFF"/>
+                </a:highlight>
+                <a:latin typeface="Roboto"/>
+                <a:ea typeface="Roboto"/>
+                <a:cs typeface="Roboto"/>
+                <a:sym typeface="Roboto"/>
+              </a:rPr>
+              <a:t>independent variable</a:t>
+            </a:r>
+            <a:r>
+              <a:rPr lang="en" sz="1200">
+                <a:solidFill>
+                  <a:srgbClr val="222222"/>
+                </a:solidFill>
+                <a:highlight>
+                  <a:srgbClr val="FFFFFF"/>
+                </a:highlight>
+                <a:latin typeface="Roboto"/>
+                <a:ea typeface="Roboto"/>
+                <a:cs typeface="Roboto"/>
+                <a:sym typeface="Roboto"/>
+              </a:rPr>
+              <a:t> in question is something that is an innate characteristic of the participants involved</a:t>
+            </a:r>
             <a:endParaRPr/>
           </a:p>
         </p:txBody>
       </p:sp>
     </p:spTree>
+    <p:extLst>
+      <p:ext uri="{BB962C8B-B14F-4D97-AF65-F5344CB8AC3E}">
+        <p14:creationId xmlns:p14="http://schemas.microsoft.com/office/powerpoint/2010/main" val="4181574311"/>
+      </p:ext>
+    </p:extLst>
   </p:cSld>
   <p:clrMapOvr>
     <a:masterClrMapping/>
@@ -1021,12 +1127,12 @@
 </p:notes>
 </file>
 
-<file path=ppt/notesSlides/notesSlide2.xml><?xml version="1.0" encoding="utf-8"?>
+<file path=ppt/notesSlides/notesSlide12.xml><?xml version="1.0" encoding="utf-8"?>
 <p:notes xmlns:a="http://schemas.openxmlformats.org/drawingml/2006/main" xmlns:r="http://schemas.openxmlformats.org/officeDocument/2006/relationships" xmlns:p="http://schemas.openxmlformats.org/presentationml/2006/main" showMasterSp="0" showMasterPhAnim="0">
   <p:cSld>
     <p:spTree>
       <p:nvGrpSpPr>
-        <p:cNvPr id="1" name="Shape 57"/>
+        <p:cNvPr id="1" name="Shape 131"/>
         <p:cNvGrpSpPr/>
         <p:nvPr/>
       </p:nvGrpSpPr>
@@ -1040,7 +1146,7 @@
       </p:grpSpPr>
       <p:sp>
         <p:nvSpPr>
-          <p:cNvPr id="58" name="Google Shape;58;g452f712eeb_0_0:notes"/>
+          <p:cNvPr id="132" name="Google Shape;132;g4968a944f3_0_14:notes"/>
           <p:cNvSpPr>
             <a:spLocks noGrp="1" noRot="1" noChangeAspect="1"/>
           </p:cNvSpPr>
@@ -1081,7 +1187,7 @@
       </p:sp>
       <p:sp>
         <p:nvSpPr>
-          <p:cNvPr id="59" name="Google Shape;59;g452f712eeb_0_0:notes"/>
+          <p:cNvPr id="133" name="Google Shape;133;g4968a944f3_0_14:notes"/>
           <p:cNvSpPr txBox="1">
             <a:spLocks noGrp="1"/>
           </p:cNvSpPr>
@@ -1113,43 +1219,16 @@
               </a:spcAft>
               <a:buNone/>
             </a:pPr>
-            <a:r>
-              <a:rPr lang="en"/>
-              <a:t>Insert diagram to show relevant works that list significant findings, methods, etc. </a:t>
-            </a:r>
             <a:endParaRPr/>
-          </a:p>
-          <a:p>
-            <a:pPr marL="0" lvl="0" indent="0" algn="l" rtl="0">
-              <a:lnSpc>
-                <a:spcPct val="115000"/>
-              </a:lnSpc>
-              <a:spcBef>
-                <a:spcPts val="0"/>
-              </a:spcBef>
-              <a:spcAft>
-                <a:spcPts val="0"/>
-              </a:spcAft>
-              <a:buClr>
-                <a:schemeClr val="dk1"/>
-              </a:buClr>
-              <a:buSzPts val="1100"/>
-              <a:buFont typeface="Arial"/>
-              <a:buNone/>
-            </a:pPr>
-            <a:r>
-              <a:rPr lang="en" sz="1000">
-                <a:solidFill>
-                  <a:schemeClr val="dk1"/>
-                </a:solidFill>
-              </a:rPr>
-              <a:t>However, current human-robot teams are seeking advancements in future robotic teammates that may be capable of acting and gathering information and helping build situation awareness (SA) in environments that may be too difficult or too dangerous for human operators. Previous research has looked into reliability in relationship to the human operators’ perception of reliable and unreliable diagnostic aiding automation (robots) in various environments. </a:t>
-            </a:r>
-            <a:endParaRPr sz="1000"/>
           </a:p>
         </p:txBody>
       </p:sp>
     </p:spTree>
+    <p:extLst>
+      <p:ext uri="{BB962C8B-B14F-4D97-AF65-F5344CB8AC3E}">
+        <p14:creationId xmlns:p14="http://schemas.microsoft.com/office/powerpoint/2010/main" val="3422195054"/>
+      </p:ext>
+    </p:extLst>
   </p:cSld>
   <p:clrMapOvr>
     <a:masterClrMapping/>
@@ -1157,12 +1236,12 @@
 </p:notes>
 </file>
 
-<file path=ppt/notesSlides/notesSlide3.xml><?xml version="1.0" encoding="utf-8"?>
+<file path=ppt/notesSlides/notesSlide13.xml><?xml version="1.0" encoding="utf-8"?>
 <p:notes xmlns:a="http://schemas.openxmlformats.org/drawingml/2006/main" xmlns:r="http://schemas.openxmlformats.org/officeDocument/2006/relationships" xmlns:p="http://schemas.openxmlformats.org/presentationml/2006/main" showMasterSp="0" showMasterPhAnim="0">
   <p:cSld>
     <p:spTree>
       <p:nvGrpSpPr>
-        <p:cNvPr id="1" name="Shape 63"/>
+        <p:cNvPr id="1" name="Shape 137"/>
         <p:cNvGrpSpPr/>
         <p:nvPr/>
       </p:nvGrpSpPr>
@@ -1176,7 +1255,7 @@
       </p:grpSpPr>
       <p:sp>
         <p:nvSpPr>
-          <p:cNvPr id="64" name="Google Shape;64;g454d8e76ed_0_27:notes"/>
+          <p:cNvPr id="138" name="Google Shape;138;g4872dc505d_0_33:notes"/>
           <p:cNvSpPr>
             <a:spLocks noGrp="1" noRot="1" noChangeAspect="1"/>
           </p:cNvSpPr>
@@ -1217,7 +1296,7 @@
       </p:sp>
       <p:sp>
         <p:nvSpPr>
-          <p:cNvPr id="65" name="Google Shape;65;g454d8e76ed_0_27:notes"/>
+          <p:cNvPr id="139" name="Google Shape;139;g4872dc505d_0_33:notes"/>
           <p:cNvSpPr txBox="1">
             <a:spLocks noGrp="1"/>
           </p:cNvSpPr>
@@ -1254,6 +1333,11 @@
         </p:txBody>
       </p:sp>
     </p:spTree>
+    <p:extLst>
+      <p:ext uri="{BB962C8B-B14F-4D97-AF65-F5344CB8AC3E}">
+        <p14:creationId xmlns:p14="http://schemas.microsoft.com/office/powerpoint/2010/main" val="3022399480"/>
+      </p:ext>
+    </p:extLst>
   </p:cSld>
   <p:clrMapOvr>
     <a:masterClrMapping/>
@@ -1261,12 +1345,12 @@
 </p:notes>
 </file>
 
-<file path=ppt/notesSlides/notesSlide4.xml><?xml version="1.0" encoding="utf-8"?>
+<file path=ppt/notesSlides/notesSlide14.xml><?xml version="1.0" encoding="utf-8"?>
 <p:notes xmlns:a="http://schemas.openxmlformats.org/drawingml/2006/main" xmlns:r="http://schemas.openxmlformats.org/officeDocument/2006/relationships" xmlns:p="http://schemas.openxmlformats.org/presentationml/2006/main" showMasterSp="0" showMasterPhAnim="0">
   <p:cSld>
     <p:spTree>
       <p:nvGrpSpPr>
-        <p:cNvPr id="1" name="Shape 69"/>
+        <p:cNvPr id="1" name="Shape 143"/>
         <p:cNvGrpSpPr/>
         <p:nvPr/>
       </p:nvGrpSpPr>
@@ -1280,7 +1364,7 @@
       </p:grpSpPr>
       <p:sp>
         <p:nvSpPr>
-          <p:cNvPr id="70" name="Google Shape;70;g454d8e76ed_0_46:notes"/>
+          <p:cNvPr id="144" name="Google Shape;144;g452f712eeb_0_15:notes"/>
           <p:cNvSpPr>
             <a:spLocks noGrp="1" noRot="1" noChangeAspect="1"/>
           </p:cNvSpPr>
@@ -1321,7 +1405,7 @@
       </p:sp>
       <p:sp>
         <p:nvSpPr>
-          <p:cNvPr id="71" name="Google Shape;71;g454d8e76ed_0_46:notes"/>
+          <p:cNvPr id="145" name="Google Shape;145;g452f712eeb_0_15:notes"/>
           <p:cNvSpPr txBox="1">
             <a:spLocks noGrp="1"/>
           </p:cNvSpPr>
@@ -1353,11 +1437,20 @@
               </a:spcAft>
               <a:buNone/>
             </a:pPr>
+            <a:r>
+              <a:rPr lang="en"/>
+              <a:t>Blake</a:t>
+            </a:r>
             <a:endParaRPr/>
           </a:p>
         </p:txBody>
       </p:sp>
     </p:spTree>
+    <p:extLst>
+      <p:ext uri="{BB962C8B-B14F-4D97-AF65-F5344CB8AC3E}">
+        <p14:creationId xmlns:p14="http://schemas.microsoft.com/office/powerpoint/2010/main" val="3626169744"/>
+      </p:ext>
+    </p:extLst>
   </p:cSld>
   <p:clrMapOvr>
     <a:masterClrMapping/>
@@ -1365,12 +1458,12 @@
 </p:notes>
 </file>
 
-<file path=ppt/notesSlides/notesSlide5.xml><?xml version="1.0" encoding="utf-8"?>
+<file path=ppt/notesSlides/notesSlide15.xml><?xml version="1.0" encoding="utf-8"?>
 <p:notes xmlns:a="http://schemas.openxmlformats.org/drawingml/2006/main" xmlns:r="http://schemas.openxmlformats.org/officeDocument/2006/relationships" xmlns:p="http://schemas.openxmlformats.org/presentationml/2006/main" showMasterSp="0" showMasterPhAnim="0">
   <p:cSld>
     <p:spTree>
       <p:nvGrpSpPr>
-        <p:cNvPr id="1" name="Shape 76"/>
+        <p:cNvPr id="1" name="Shape 149"/>
         <p:cNvGrpSpPr/>
         <p:nvPr/>
       </p:nvGrpSpPr>
@@ -1384,7 +1477,7 @@
       </p:grpSpPr>
       <p:sp>
         <p:nvSpPr>
-          <p:cNvPr id="77" name="Google Shape;77;g454d8e76ed_0_15:notes"/>
+          <p:cNvPr id="150" name="Google Shape;150;g4872dc505d_0_38:notes"/>
           <p:cNvSpPr>
             <a:spLocks noGrp="1" noRot="1" noChangeAspect="1"/>
           </p:cNvSpPr>
@@ -1425,7 +1518,7 @@
       </p:sp>
       <p:sp>
         <p:nvSpPr>
-          <p:cNvPr id="78" name="Google Shape;78;g454d8e76ed_0_15:notes"/>
+          <p:cNvPr id="151" name="Google Shape;151;g4872dc505d_0_38:notes"/>
           <p:cNvSpPr txBox="1">
             <a:spLocks noGrp="1"/>
           </p:cNvSpPr>
@@ -1457,11 +1550,20 @@
               </a:spcAft>
               <a:buNone/>
             </a:pPr>
+            <a:r>
+              <a:rPr lang="en"/>
+              <a:t>Na’Kiya </a:t>
+            </a:r>
             <a:endParaRPr/>
           </a:p>
         </p:txBody>
       </p:sp>
     </p:spTree>
+    <p:extLst>
+      <p:ext uri="{BB962C8B-B14F-4D97-AF65-F5344CB8AC3E}">
+        <p14:creationId xmlns:p14="http://schemas.microsoft.com/office/powerpoint/2010/main" val="1577363602"/>
+      </p:ext>
+    </p:extLst>
   </p:cSld>
   <p:clrMapOvr>
     <a:masterClrMapping/>
@@ -1469,12 +1571,12 @@
 </p:notes>
 </file>
 
-<file path=ppt/notesSlides/notesSlide6.xml><?xml version="1.0" encoding="utf-8"?>
+<file path=ppt/notesSlides/notesSlide16.xml><?xml version="1.0" encoding="utf-8"?>
 <p:notes xmlns:a="http://schemas.openxmlformats.org/drawingml/2006/main" xmlns:r="http://schemas.openxmlformats.org/officeDocument/2006/relationships" xmlns:p="http://schemas.openxmlformats.org/presentationml/2006/main" showMasterSp="0" showMasterPhAnim="0">
   <p:cSld>
     <p:spTree>
       <p:nvGrpSpPr>
-        <p:cNvPr id="1" name="Shape 82"/>
+        <p:cNvPr id="1" name="Shape 155"/>
         <p:cNvGrpSpPr/>
         <p:nvPr/>
       </p:nvGrpSpPr>
@@ -1488,7 +1590,7 @@
       </p:grpSpPr>
       <p:sp>
         <p:nvSpPr>
-          <p:cNvPr id="83" name="Google Shape;83;g452f712eeb_0_5:notes"/>
+          <p:cNvPr id="156" name="Google Shape;156;g454d8e76ed_0_35:notes"/>
           <p:cNvSpPr>
             <a:spLocks noGrp="1" noRot="1" noChangeAspect="1"/>
           </p:cNvSpPr>
@@ -1529,7 +1631,7 @@
       </p:sp>
       <p:sp>
         <p:nvSpPr>
-          <p:cNvPr id="84" name="Google Shape;84;g452f712eeb_0_5:notes"/>
+          <p:cNvPr id="157" name="Google Shape;157;g454d8e76ed_0_35:notes"/>
           <p:cNvSpPr txBox="1">
             <a:spLocks noGrp="1"/>
           </p:cNvSpPr>
@@ -1566,6 +1668,11 @@
         </p:txBody>
       </p:sp>
     </p:spTree>
+    <p:extLst>
+      <p:ext uri="{BB962C8B-B14F-4D97-AF65-F5344CB8AC3E}">
+        <p14:creationId xmlns:p14="http://schemas.microsoft.com/office/powerpoint/2010/main" val="3740958045"/>
+      </p:ext>
+    </p:extLst>
   </p:cSld>
   <p:clrMapOvr>
     <a:masterClrMapping/>
@@ -1573,12 +1680,12 @@
 </p:notes>
 </file>
 
-<file path=ppt/notesSlides/notesSlide7.xml><?xml version="1.0" encoding="utf-8"?>
+<file path=ppt/notesSlides/notesSlide2.xml><?xml version="1.0" encoding="utf-8"?>
 <p:notes xmlns:a="http://schemas.openxmlformats.org/drawingml/2006/main" xmlns:r="http://schemas.openxmlformats.org/officeDocument/2006/relationships" xmlns:p="http://schemas.openxmlformats.org/presentationml/2006/main" showMasterSp="0" showMasterPhAnim="0">
   <p:cSld>
     <p:spTree>
       <p:nvGrpSpPr>
-        <p:cNvPr id="1" name="Shape 88"/>
+        <p:cNvPr id="1" name="Shape 65"/>
         <p:cNvGrpSpPr/>
         <p:nvPr/>
       </p:nvGrpSpPr>
@@ -1592,7 +1699,552 @@
       </p:grpSpPr>
       <p:sp>
         <p:nvSpPr>
-          <p:cNvPr id="89" name="Google Shape;89;g454d8e76ed_0_5:notes"/>
+          <p:cNvPr id="66" name="Google Shape;66;g48752a5f58_0_7:notes"/>
+          <p:cNvSpPr>
+            <a:spLocks noGrp="1" noRot="1" noChangeAspect="1"/>
+          </p:cNvSpPr>
+          <p:nvPr>
+            <p:ph type="sldImg" idx="2"/>
+          </p:nvPr>
+        </p:nvSpPr>
+        <p:spPr>
+          <a:xfrm>
+            <a:off x="381000" y="685800"/>
+            <a:ext cx="6096000" cy="3429000"/>
+          </a:xfrm>
+          <a:custGeom>
+            <a:avLst/>
+            <a:gdLst/>
+            <a:ahLst/>
+            <a:cxnLst/>
+            <a:rect l="l" t="t" r="r" b="b"/>
+            <a:pathLst>
+              <a:path w="120000" h="120000" extrusionOk="0">
+                <a:moveTo>
+                  <a:pt x="0" y="0"/>
+                </a:moveTo>
+                <a:lnTo>
+                  <a:pt x="120000" y="0"/>
+                </a:lnTo>
+                <a:lnTo>
+                  <a:pt x="120000" y="120000"/>
+                </a:lnTo>
+                <a:lnTo>
+                  <a:pt x="0" y="120000"/>
+                </a:lnTo>
+                <a:close/>
+              </a:path>
+            </a:pathLst>
+          </a:custGeom>
+        </p:spPr>
+      </p:sp>
+      <p:sp>
+        <p:nvSpPr>
+          <p:cNvPr id="67" name="Google Shape;67;g48752a5f58_0_7:notes"/>
+          <p:cNvSpPr txBox="1">
+            <a:spLocks noGrp="1"/>
+          </p:cNvSpPr>
+          <p:nvPr>
+            <p:ph type="body" idx="1"/>
+          </p:nvPr>
+        </p:nvSpPr>
+        <p:spPr>
+          <a:xfrm>
+            <a:off x="685800" y="4343400"/>
+            <a:ext cx="5486400" cy="4114800"/>
+          </a:xfrm>
+          <a:prstGeom prst="rect">
+            <a:avLst/>
+          </a:prstGeom>
+        </p:spPr>
+        <p:txBody>
+          <a:bodyPr spcFirstLastPara="1" wrap="square" lIns="91425" tIns="91425" rIns="91425" bIns="91425" anchor="t" anchorCtr="0">
+            <a:noAutofit/>
+          </a:bodyPr>
+          <a:lstStyle/>
+          <a:p>
+            <a:pPr marL="0" lvl="0" indent="0" algn="l" rtl="0">
+              <a:spcBef>
+                <a:spcPts val="0"/>
+              </a:spcBef>
+              <a:spcAft>
+                <a:spcPts val="0"/>
+              </a:spcAft>
+              <a:buNone/>
+            </a:pPr>
+            <a:endParaRPr/>
+          </a:p>
+        </p:txBody>
+      </p:sp>
+    </p:spTree>
+    <p:extLst>
+      <p:ext uri="{BB962C8B-B14F-4D97-AF65-F5344CB8AC3E}">
+        <p14:creationId xmlns:p14="http://schemas.microsoft.com/office/powerpoint/2010/main" val="4141730850"/>
+      </p:ext>
+    </p:extLst>
+  </p:cSld>
+  <p:clrMapOvr>
+    <a:masterClrMapping/>
+  </p:clrMapOvr>
+</p:notes>
+</file>
+
+<file path=ppt/notesSlides/notesSlide3.xml><?xml version="1.0" encoding="utf-8"?>
+<p:notes xmlns:a="http://schemas.openxmlformats.org/drawingml/2006/main" xmlns:r="http://schemas.openxmlformats.org/officeDocument/2006/relationships" xmlns:p="http://schemas.openxmlformats.org/presentationml/2006/main" showMasterSp="0" showMasterPhAnim="0">
+  <p:cSld>
+    <p:spTree>
+      <p:nvGrpSpPr>
+        <p:cNvPr id="1" name="Shape 73"/>
+        <p:cNvGrpSpPr/>
+        <p:nvPr/>
+      </p:nvGrpSpPr>
+      <p:grpSpPr>
+        <a:xfrm>
+          <a:off x="0" y="0"/>
+          <a:ext cx="0" cy="0"/>
+          <a:chOff x="0" y="0"/>
+          <a:chExt cx="0" cy="0"/>
+        </a:xfrm>
+      </p:grpSpPr>
+      <p:sp>
+        <p:nvSpPr>
+          <p:cNvPr id="74" name="Google Shape;74;g48752a5f58_0_15:notes"/>
+          <p:cNvSpPr>
+            <a:spLocks noGrp="1" noRot="1" noChangeAspect="1"/>
+          </p:cNvSpPr>
+          <p:nvPr>
+            <p:ph type="sldImg" idx="2"/>
+          </p:nvPr>
+        </p:nvSpPr>
+        <p:spPr>
+          <a:xfrm>
+            <a:off x="381000" y="685800"/>
+            <a:ext cx="6096000" cy="3429000"/>
+          </a:xfrm>
+          <a:custGeom>
+            <a:avLst/>
+            <a:gdLst/>
+            <a:ahLst/>
+            <a:cxnLst/>
+            <a:rect l="l" t="t" r="r" b="b"/>
+            <a:pathLst>
+              <a:path w="120000" h="120000" extrusionOk="0">
+                <a:moveTo>
+                  <a:pt x="0" y="0"/>
+                </a:moveTo>
+                <a:lnTo>
+                  <a:pt x="120000" y="0"/>
+                </a:lnTo>
+                <a:lnTo>
+                  <a:pt x="120000" y="120000"/>
+                </a:lnTo>
+                <a:lnTo>
+                  <a:pt x="0" y="120000"/>
+                </a:lnTo>
+                <a:close/>
+              </a:path>
+            </a:pathLst>
+          </a:custGeom>
+        </p:spPr>
+      </p:sp>
+      <p:sp>
+        <p:nvSpPr>
+          <p:cNvPr id="75" name="Google Shape;75;g48752a5f58_0_15:notes"/>
+          <p:cNvSpPr txBox="1">
+            <a:spLocks noGrp="1"/>
+          </p:cNvSpPr>
+          <p:nvPr>
+            <p:ph type="body" idx="1"/>
+          </p:nvPr>
+        </p:nvSpPr>
+        <p:spPr>
+          <a:xfrm>
+            <a:off x="685800" y="4343400"/>
+            <a:ext cx="5486400" cy="4114800"/>
+          </a:xfrm>
+          <a:prstGeom prst="rect">
+            <a:avLst/>
+          </a:prstGeom>
+        </p:spPr>
+        <p:txBody>
+          <a:bodyPr spcFirstLastPara="1" wrap="square" lIns="91425" tIns="91425" rIns="91425" bIns="91425" anchor="t" anchorCtr="0">
+            <a:noAutofit/>
+          </a:bodyPr>
+          <a:lstStyle/>
+          <a:p>
+            <a:pPr marL="0" lvl="0" indent="0" algn="l" rtl="0">
+              <a:spcBef>
+                <a:spcPts val="0"/>
+              </a:spcBef>
+              <a:spcAft>
+                <a:spcPts val="0"/>
+              </a:spcAft>
+              <a:buNone/>
+            </a:pPr>
+            <a:endParaRPr/>
+          </a:p>
+        </p:txBody>
+      </p:sp>
+    </p:spTree>
+    <p:extLst>
+      <p:ext uri="{BB962C8B-B14F-4D97-AF65-F5344CB8AC3E}">
+        <p14:creationId xmlns:p14="http://schemas.microsoft.com/office/powerpoint/2010/main" val="3200003383"/>
+      </p:ext>
+    </p:extLst>
+  </p:cSld>
+  <p:clrMapOvr>
+    <a:masterClrMapping/>
+  </p:clrMapOvr>
+</p:notes>
+</file>
+
+<file path=ppt/notesSlides/notesSlide4.xml><?xml version="1.0" encoding="utf-8"?>
+<p:notes xmlns:a="http://schemas.openxmlformats.org/drawingml/2006/main" xmlns:r="http://schemas.openxmlformats.org/officeDocument/2006/relationships" xmlns:p="http://schemas.openxmlformats.org/presentationml/2006/main" showMasterSp="0" showMasterPhAnim="0">
+  <p:cSld>
+    <p:spTree>
+      <p:nvGrpSpPr>
+        <p:cNvPr id="1" name="Shape 79"/>
+        <p:cNvGrpSpPr/>
+        <p:nvPr/>
+      </p:nvGrpSpPr>
+      <p:grpSpPr>
+        <a:xfrm>
+          <a:off x="0" y="0"/>
+          <a:ext cx="0" cy="0"/>
+          <a:chOff x="0" y="0"/>
+          <a:chExt cx="0" cy="0"/>
+        </a:xfrm>
+      </p:grpSpPr>
+      <p:sp>
+        <p:nvSpPr>
+          <p:cNvPr id="80" name="Google Shape;80;g48752a5f58_0_25:notes"/>
+          <p:cNvSpPr>
+            <a:spLocks noGrp="1" noRot="1" noChangeAspect="1"/>
+          </p:cNvSpPr>
+          <p:nvPr>
+            <p:ph type="sldImg" idx="2"/>
+          </p:nvPr>
+        </p:nvSpPr>
+        <p:spPr>
+          <a:xfrm>
+            <a:off x="381000" y="685800"/>
+            <a:ext cx="6096000" cy="3429000"/>
+          </a:xfrm>
+          <a:custGeom>
+            <a:avLst/>
+            <a:gdLst/>
+            <a:ahLst/>
+            <a:cxnLst/>
+            <a:rect l="l" t="t" r="r" b="b"/>
+            <a:pathLst>
+              <a:path w="120000" h="120000" extrusionOk="0">
+                <a:moveTo>
+                  <a:pt x="0" y="0"/>
+                </a:moveTo>
+                <a:lnTo>
+                  <a:pt x="120000" y="0"/>
+                </a:lnTo>
+                <a:lnTo>
+                  <a:pt x="120000" y="120000"/>
+                </a:lnTo>
+                <a:lnTo>
+                  <a:pt x="0" y="120000"/>
+                </a:lnTo>
+                <a:close/>
+              </a:path>
+            </a:pathLst>
+          </a:custGeom>
+        </p:spPr>
+      </p:sp>
+      <p:sp>
+        <p:nvSpPr>
+          <p:cNvPr id="81" name="Google Shape;81;g48752a5f58_0_25:notes"/>
+          <p:cNvSpPr txBox="1">
+            <a:spLocks noGrp="1"/>
+          </p:cNvSpPr>
+          <p:nvPr>
+            <p:ph type="body" idx="1"/>
+          </p:nvPr>
+        </p:nvSpPr>
+        <p:spPr>
+          <a:xfrm>
+            <a:off x="685800" y="4343400"/>
+            <a:ext cx="5486400" cy="4114800"/>
+          </a:xfrm>
+          <a:prstGeom prst="rect">
+            <a:avLst/>
+          </a:prstGeom>
+        </p:spPr>
+        <p:txBody>
+          <a:bodyPr spcFirstLastPara="1" wrap="square" lIns="91425" tIns="91425" rIns="91425" bIns="91425" anchor="t" anchorCtr="0">
+            <a:noAutofit/>
+          </a:bodyPr>
+          <a:lstStyle/>
+          <a:p>
+            <a:pPr marL="0" lvl="0" indent="0" algn="l" rtl="0">
+              <a:spcBef>
+                <a:spcPts val="0"/>
+              </a:spcBef>
+              <a:spcAft>
+                <a:spcPts val="0"/>
+              </a:spcAft>
+              <a:buNone/>
+            </a:pPr>
+            <a:endParaRPr/>
+          </a:p>
+        </p:txBody>
+      </p:sp>
+    </p:spTree>
+    <p:extLst>
+      <p:ext uri="{BB962C8B-B14F-4D97-AF65-F5344CB8AC3E}">
+        <p14:creationId xmlns:p14="http://schemas.microsoft.com/office/powerpoint/2010/main" val="226369138"/>
+      </p:ext>
+    </p:extLst>
+  </p:cSld>
+  <p:clrMapOvr>
+    <a:masterClrMapping/>
+  </p:clrMapOvr>
+</p:notes>
+</file>
+
+<file path=ppt/notesSlides/notesSlide5.xml><?xml version="1.0" encoding="utf-8"?>
+<p:notes xmlns:a="http://schemas.openxmlformats.org/drawingml/2006/main" xmlns:r="http://schemas.openxmlformats.org/officeDocument/2006/relationships" xmlns:p="http://schemas.openxmlformats.org/presentationml/2006/main" showMasterSp="0" showMasterPhAnim="0">
+  <p:cSld>
+    <p:spTree>
+      <p:nvGrpSpPr>
+        <p:cNvPr id="1" name="Shape 85"/>
+        <p:cNvGrpSpPr/>
+        <p:nvPr/>
+      </p:nvGrpSpPr>
+      <p:grpSpPr>
+        <a:xfrm>
+          <a:off x="0" y="0"/>
+          <a:ext cx="0" cy="0"/>
+          <a:chOff x="0" y="0"/>
+          <a:chExt cx="0" cy="0"/>
+        </a:xfrm>
+      </p:grpSpPr>
+      <p:sp>
+        <p:nvSpPr>
+          <p:cNvPr id="86" name="Google Shape;86;g48752a5f58_0_30:notes"/>
+          <p:cNvSpPr>
+            <a:spLocks noGrp="1" noRot="1" noChangeAspect="1"/>
+          </p:cNvSpPr>
+          <p:nvPr>
+            <p:ph type="sldImg" idx="2"/>
+          </p:nvPr>
+        </p:nvSpPr>
+        <p:spPr>
+          <a:xfrm>
+            <a:off x="381000" y="685800"/>
+            <a:ext cx="6096000" cy="3429000"/>
+          </a:xfrm>
+          <a:custGeom>
+            <a:avLst/>
+            <a:gdLst/>
+            <a:ahLst/>
+            <a:cxnLst/>
+            <a:rect l="l" t="t" r="r" b="b"/>
+            <a:pathLst>
+              <a:path w="120000" h="120000" extrusionOk="0">
+                <a:moveTo>
+                  <a:pt x="0" y="0"/>
+                </a:moveTo>
+                <a:lnTo>
+                  <a:pt x="120000" y="0"/>
+                </a:lnTo>
+                <a:lnTo>
+                  <a:pt x="120000" y="120000"/>
+                </a:lnTo>
+                <a:lnTo>
+                  <a:pt x="0" y="120000"/>
+                </a:lnTo>
+                <a:close/>
+              </a:path>
+            </a:pathLst>
+          </a:custGeom>
+        </p:spPr>
+      </p:sp>
+      <p:sp>
+        <p:nvSpPr>
+          <p:cNvPr id="87" name="Google Shape;87;g48752a5f58_0_30:notes"/>
+          <p:cNvSpPr txBox="1">
+            <a:spLocks noGrp="1"/>
+          </p:cNvSpPr>
+          <p:nvPr>
+            <p:ph type="body" idx="1"/>
+          </p:nvPr>
+        </p:nvSpPr>
+        <p:spPr>
+          <a:xfrm>
+            <a:off x="685800" y="4343400"/>
+            <a:ext cx="5486400" cy="4114800"/>
+          </a:xfrm>
+          <a:prstGeom prst="rect">
+            <a:avLst/>
+          </a:prstGeom>
+        </p:spPr>
+        <p:txBody>
+          <a:bodyPr spcFirstLastPara="1" wrap="square" lIns="91425" tIns="91425" rIns="91425" bIns="91425" anchor="t" anchorCtr="0">
+            <a:noAutofit/>
+          </a:bodyPr>
+          <a:lstStyle/>
+          <a:p>
+            <a:pPr marL="0" lvl="0" indent="0" algn="l" rtl="0">
+              <a:spcBef>
+                <a:spcPts val="0"/>
+              </a:spcBef>
+              <a:spcAft>
+                <a:spcPts val="0"/>
+              </a:spcAft>
+              <a:buNone/>
+            </a:pPr>
+            <a:endParaRPr/>
+          </a:p>
+        </p:txBody>
+      </p:sp>
+    </p:spTree>
+    <p:extLst>
+      <p:ext uri="{BB962C8B-B14F-4D97-AF65-F5344CB8AC3E}">
+        <p14:creationId xmlns:p14="http://schemas.microsoft.com/office/powerpoint/2010/main" val="3048458898"/>
+      </p:ext>
+    </p:extLst>
+  </p:cSld>
+  <p:clrMapOvr>
+    <a:masterClrMapping/>
+  </p:clrMapOvr>
+</p:notes>
+</file>
+
+<file path=ppt/notesSlides/notesSlide6.xml><?xml version="1.0" encoding="utf-8"?>
+<p:notes xmlns:a="http://schemas.openxmlformats.org/drawingml/2006/main" xmlns:r="http://schemas.openxmlformats.org/officeDocument/2006/relationships" xmlns:p="http://schemas.openxmlformats.org/presentationml/2006/main" showMasterSp="0" showMasterPhAnim="0">
+  <p:cSld>
+    <p:spTree>
+      <p:nvGrpSpPr>
+        <p:cNvPr id="1" name="Shape 92"/>
+        <p:cNvGrpSpPr/>
+        <p:nvPr/>
+      </p:nvGrpSpPr>
+      <p:grpSpPr>
+        <a:xfrm>
+          <a:off x="0" y="0"/>
+          <a:ext cx="0" cy="0"/>
+          <a:chOff x="0" y="0"/>
+          <a:chExt cx="0" cy="0"/>
+        </a:xfrm>
+      </p:grpSpPr>
+      <p:sp>
+        <p:nvSpPr>
+          <p:cNvPr id="93" name="Google Shape;93;g454d8e76ed_0_15:notes"/>
+          <p:cNvSpPr>
+            <a:spLocks noGrp="1" noRot="1" noChangeAspect="1"/>
+          </p:cNvSpPr>
+          <p:nvPr>
+            <p:ph type="sldImg" idx="2"/>
+          </p:nvPr>
+        </p:nvSpPr>
+        <p:spPr>
+          <a:xfrm>
+            <a:off x="381000" y="685800"/>
+            <a:ext cx="6096000" cy="3429000"/>
+          </a:xfrm>
+          <a:custGeom>
+            <a:avLst/>
+            <a:gdLst/>
+            <a:ahLst/>
+            <a:cxnLst/>
+            <a:rect l="l" t="t" r="r" b="b"/>
+            <a:pathLst>
+              <a:path w="120000" h="120000" extrusionOk="0">
+                <a:moveTo>
+                  <a:pt x="0" y="0"/>
+                </a:moveTo>
+                <a:lnTo>
+                  <a:pt x="120000" y="0"/>
+                </a:lnTo>
+                <a:lnTo>
+                  <a:pt x="120000" y="120000"/>
+                </a:lnTo>
+                <a:lnTo>
+                  <a:pt x="0" y="120000"/>
+                </a:lnTo>
+                <a:close/>
+              </a:path>
+            </a:pathLst>
+          </a:custGeom>
+        </p:spPr>
+      </p:sp>
+      <p:sp>
+        <p:nvSpPr>
+          <p:cNvPr id="94" name="Google Shape;94;g454d8e76ed_0_15:notes"/>
+          <p:cNvSpPr txBox="1">
+            <a:spLocks noGrp="1"/>
+          </p:cNvSpPr>
+          <p:nvPr>
+            <p:ph type="body" idx="1"/>
+          </p:nvPr>
+        </p:nvSpPr>
+        <p:spPr>
+          <a:xfrm>
+            <a:off x="685800" y="4343400"/>
+            <a:ext cx="5486400" cy="4114800"/>
+          </a:xfrm>
+          <a:prstGeom prst="rect">
+            <a:avLst/>
+          </a:prstGeom>
+        </p:spPr>
+        <p:txBody>
+          <a:bodyPr spcFirstLastPara="1" wrap="square" lIns="91425" tIns="91425" rIns="91425" bIns="91425" anchor="t" anchorCtr="0">
+            <a:noAutofit/>
+          </a:bodyPr>
+          <a:lstStyle/>
+          <a:p>
+            <a:pPr marL="0" lvl="0" indent="0" algn="l" rtl="0">
+              <a:spcBef>
+                <a:spcPts val="0"/>
+              </a:spcBef>
+              <a:spcAft>
+                <a:spcPts val="0"/>
+              </a:spcAft>
+              <a:buNone/>
+            </a:pPr>
+            <a:endParaRPr/>
+          </a:p>
+        </p:txBody>
+      </p:sp>
+    </p:spTree>
+    <p:extLst>
+      <p:ext uri="{BB962C8B-B14F-4D97-AF65-F5344CB8AC3E}">
+        <p14:creationId xmlns:p14="http://schemas.microsoft.com/office/powerpoint/2010/main" val="3168022222"/>
+      </p:ext>
+    </p:extLst>
+  </p:cSld>
+  <p:clrMapOvr>
+    <a:masterClrMapping/>
+  </p:clrMapOvr>
+</p:notes>
+</file>
+
+<file path=ppt/notesSlides/notesSlide7.xml><?xml version="1.0" encoding="utf-8"?>
+<p:notes xmlns:a="http://schemas.openxmlformats.org/drawingml/2006/main" xmlns:r="http://schemas.openxmlformats.org/officeDocument/2006/relationships" xmlns:p="http://schemas.openxmlformats.org/presentationml/2006/main" showMasterSp="0" showMasterPhAnim="0">
+  <p:cSld>
+    <p:spTree>
+      <p:nvGrpSpPr>
+        <p:cNvPr id="1" name="Shape 99"/>
+        <p:cNvGrpSpPr/>
+        <p:nvPr/>
+      </p:nvGrpSpPr>
+      <p:grpSpPr>
+        <a:xfrm>
+          <a:off x="0" y="0"/>
+          <a:ext cx="0" cy="0"/>
+          <a:chOff x="0" y="0"/>
+          <a:chExt cx="0" cy="0"/>
+        </a:xfrm>
+      </p:grpSpPr>
+      <p:sp>
+        <p:nvSpPr>
+          <p:cNvPr id="100" name="Google Shape;100;g452f712eeb_0_5:notes"/>
           <p:cNvSpPr>
             <a:spLocks noGrp="1" noRot="1" noChangeAspect="1"/>
           </p:cNvSpPr>
@@ -1633,7 +2285,7 @@
       </p:sp>
       <p:sp>
         <p:nvSpPr>
-          <p:cNvPr id="90" name="Google Shape;90;g454d8e76ed_0_5:notes"/>
+          <p:cNvPr id="101" name="Google Shape;101;g452f712eeb_0_5:notes"/>
           <p:cNvSpPr txBox="1">
             <a:spLocks noGrp="1"/>
           </p:cNvSpPr>
@@ -1670,6 +2322,11 @@
         </p:txBody>
       </p:sp>
     </p:spTree>
+    <p:extLst>
+      <p:ext uri="{BB962C8B-B14F-4D97-AF65-F5344CB8AC3E}">
+        <p14:creationId xmlns:p14="http://schemas.microsoft.com/office/powerpoint/2010/main" val="858868867"/>
+      </p:ext>
+    </p:extLst>
   </p:cSld>
   <p:clrMapOvr>
     <a:masterClrMapping/>
@@ -1682,7 +2339,7 @@
   <p:cSld>
     <p:spTree>
       <p:nvGrpSpPr>
-        <p:cNvPr id="1" name="Shape 94"/>
+        <p:cNvPr id="1" name="Shape 105"/>
         <p:cNvGrpSpPr/>
         <p:nvPr/>
       </p:nvGrpSpPr>
@@ -1696,7 +2353,7 @@
       </p:grpSpPr>
       <p:sp>
         <p:nvSpPr>
-          <p:cNvPr id="95" name="Google Shape;95;g452f712eeb_0_10:notes"/>
+          <p:cNvPr id="106" name="Google Shape;106;g454d8e76ed_0_5:notes"/>
           <p:cNvSpPr>
             <a:spLocks noGrp="1" noRot="1" noChangeAspect="1"/>
           </p:cNvSpPr>
@@ -1737,7 +2394,7 @@
       </p:sp>
       <p:sp>
         <p:nvSpPr>
-          <p:cNvPr id="96" name="Google Shape;96;g452f712eeb_0_10:notes"/>
+          <p:cNvPr id="107" name="Google Shape;107;g454d8e76ed_0_5:notes"/>
           <p:cNvSpPr txBox="1">
             <a:spLocks noGrp="1"/>
           </p:cNvSpPr>
@@ -1774,6 +2431,11 @@
         </p:txBody>
       </p:sp>
     </p:spTree>
+    <p:extLst>
+      <p:ext uri="{BB962C8B-B14F-4D97-AF65-F5344CB8AC3E}">
+        <p14:creationId xmlns:p14="http://schemas.microsoft.com/office/powerpoint/2010/main" val="3908611299"/>
+      </p:ext>
+    </p:extLst>
   </p:cSld>
   <p:clrMapOvr>
     <a:masterClrMapping/>
@@ -1786,7 +2448,7 @@
   <p:cSld>
     <p:spTree>
       <p:nvGrpSpPr>
-        <p:cNvPr id="1" name="Shape 101"/>
+        <p:cNvPr id="1" name="Shape 111"/>
         <p:cNvGrpSpPr/>
         <p:nvPr/>
       </p:nvGrpSpPr>
@@ -1800,7 +2462,7 @@
       </p:grpSpPr>
       <p:sp>
         <p:nvSpPr>
-          <p:cNvPr id="102" name="Google Shape;102;g454d8e76ed_0_21:notes"/>
+          <p:cNvPr id="112" name="Google Shape;112;g4872dc505d_0_28:notes"/>
           <p:cNvSpPr>
             <a:spLocks noGrp="1" noRot="1" noChangeAspect="1"/>
           </p:cNvSpPr>
@@ -1841,7 +2503,7 @@
       </p:sp>
       <p:sp>
         <p:nvSpPr>
-          <p:cNvPr id="103" name="Google Shape;103;g454d8e76ed_0_21:notes"/>
+          <p:cNvPr id="113" name="Google Shape;113;g4872dc505d_0_28:notes"/>
           <p:cNvSpPr txBox="1">
             <a:spLocks noGrp="1"/>
           </p:cNvSpPr>
@@ -1878,6 +2540,11 @@
         </p:txBody>
       </p:sp>
     </p:spTree>
+    <p:extLst>
+      <p:ext uri="{BB962C8B-B14F-4D97-AF65-F5344CB8AC3E}">
+        <p14:creationId xmlns:p14="http://schemas.microsoft.com/office/powerpoint/2010/main" val="3319722327"/>
+      </p:ext>
+    </p:extLst>
   </p:cSld>
   <p:clrMapOvr>
     <a:masterClrMapping/>
@@ -6646,7 +7313,7 @@
               <a:buNone/>
             </a:pPr>
             <a:r>
-              <a:rPr lang="en" sz="3600">
+              <a:rPr lang="en" sz="3600" b="1" dirty="0">
                 <a:latin typeface="Times New Roman"/>
                 <a:ea typeface="Times New Roman"/>
                 <a:cs typeface="Times New Roman"/>
@@ -6654,7 +7321,7 @@
               </a:rPr>
               <a:t>Human-Robot Interaction (HRI): Trust in Diagnostic Aiding Automation</a:t>
             </a:r>
-            <a:endParaRPr sz="3600">
+            <a:endParaRPr sz="3600" b="1" dirty="0">
               <a:latin typeface="Times New Roman"/>
               <a:ea typeface="Times New Roman"/>
               <a:cs typeface="Times New Roman"/>
@@ -6808,7 +7475,7 @@
   <p:cSld>
     <p:spTree>
       <p:nvGrpSpPr>
-        <p:cNvPr id="1" name="Shape 111"/>
+        <p:cNvPr id="1" name="Shape 114"/>
         <p:cNvGrpSpPr/>
         <p:nvPr/>
       </p:nvGrpSpPr>
@@ -6822,7 +7489,89 @@
       </p:grpSpPr>
       <p:sp>
         <p:nvSpPr>
-          <p:cNvPr id="112" name="Google Shape;112;p22"/>
+          <p:cNvPr id="115" name="Google Shape;115;p22"/>
+          <p:cNvSpPr txBox="1">
+            <a:spLocks noGrp="1"/>
+          </p:cNvSpPr>
+          <p:nvPr>
+            <p:ph type="title"/>
+          </p:nvPr>
+        </p:nvSpPr>
+        <p:spPr>
+          <a:xfrm>
+            <a:off x="361650" y="1783425"/>
+            <a:ext cx="8520600" cy="1764600"/>
+          </a:xfrm>
+          <a:prstGeom prst="rect">
+            <a:avLst/>
+          </a:prstGeom>
+        </p:spPr>
+        <p:txBody>
+          <a:bodyPr spcFirstLastPara="1" wrap="square" lIns="91425" tIns="91425" rIns="91425" bIns="91425" anchor="t" anchorCtr="0">
+            <a:noAutofit/>
+          </a:bodyPr>
+          <a:lstStyle/>
+          <a:p>
+            <a:pPr marL="0" lvl="0" indent="0" algn="ctr" rtl="0">
+              <a:spcBef>
+                <a:spcPts val="0"/>
+              </a:spcBef>
+              <a:spcAft>
+                <a:spcPts val="0"/>
+              </a:spcAft>
+              <a:buNone/>
+            </a:pPr>
+            <a:r>
+              <a:rPr lang="en" sz="6000" b="1">
+                <a:latin typeface="Times New Roman"/>
+                <a:ea typeface="Times New Roman"/>
+                <a:cs typeface="Times New Roman"/>
+                <a:sym typeface="Times New Roman"/>
+              </a:rPr>
+              <a:t>Methods</a:t>
+            </a:r>
+            <a:endParaRPr sz="6000" b="1">
+              <a:latin typeface="Times New Roman"/>
+              <a:ea typeface="Times New Roman"/>
+              <a:cs typeface="Times New Roman"/>
+              <a:sym typeface="Times New Roman"/>
+            </a:endParaRPr>
+          </a:p>
+        </p:txBody>
+      </p:sp>
+    </p:spTree>
+    <p:extLst>
+      <p:ext uri="{BB962C8B-B14F-4D97-AF65-F5344CB8AC3E}">
+        <p14:creationId xmlns:p14="http://schemas.microsoft.com/office/powerpoint/2010/main" val="449375374"/>
+      </p:ext>
+    </p:extLst>
+  </p:cSld>
+  <p:clrMapOvr>
+    <a:masterClrMapping/>
+  </p:clrMapOvr>
+</p:sld>
+</file>
+
+<file path=ppt/slides/slide11.xml><?xml version="1.0" encoding="utf-8"?>
+<p:sld xmlns:a="http://schemas.openxmlformats.org/drawingml/2006/main" xmlns:r="http://schemas.openxmlformats.org/officeDocument/2006/relationships" xmlns:p="http://schemas.openxmlformats.org/presentationml/2006/main">
+  <p:cSld>
+    <p:spTree>
+      <p:nvGrpSpPr>
+        <p:cNvPr id="1" name="Shape 119"/>
+        <p:cNvGrpSpPr/>
+        <p:nvPr/>
+      </p:nvGrpSpPr>
+      <p:grpSpPr>
+        <a:xfrm>
+          <a:off x="0" y="0"/>
+          <a:ext cx="0" cy="0"/>
+          <a:chOff x="0" y="0"/>
+          <a:chExt cx="0" cy="0"/>
+        </a:xfrm>
+      </p:grpSpPr>
+      <p:sp>
+        <p:nvSpPr>
+          <p:cNvPr id="120" name="Google Shape;120;p23"/>
           <p:cNvSpPr txBox="1">
             <a:spLocks noGrp="1"/>
           </p:cNvSpPr>
@@ -6855,15 +7604,15 @@
               <a:buNone/>
             </a:pPr>
             <a:r>
-              <a:rPr lang="en" sz="3600">
+              <a:rPr lang="en" b="1">
                 <a:latin typeface="Times New Roman"/>
                 <a:ea typeface="Times New Roman"/>
                 <a:cs typeface="Times New Roman"/>
                 <a:sym typeface="Times New Roman"/>
               </a:rPr>
-              <a:t>Plan of Action</a:t>
+              <a:t>Study Design</a:t>
             </a:r>
-            <a:endParaRPr sz="3600">
+            <a:endParaRPr b="1">
               <a:latin typeface="Times New Roman"/>
               <a:ea typeface="Times New Roman"/>
               <a:cs typeface="Times New Roman"/>
@@ -6872,787 +7621,14 @@
           </a:p>
         </p:txBody>
       </p:sp>
-      <p:sp>
-        <p:nvSpPr>
-          <p:cNvPr id="113" name="Google Shape;113;p22"/>
-          <p:cNvSpPr txBox="1">
-            <a:spLocks noGrp="1"/>
-          </p:cNvSpPr>
-          <p:nvPr>
-            <p:ph type="body" idx="1"/>
-          </p:nvPr>
-        </p:nvSpPr>
-        <p:spPr>
-          <a:xfrm>
-            <a:off x="311700" y="1152475"/>
-            <a:ext cx="8520600" cy="3416400"/>
-          </a:xfrm>
-          <a:prstGeom prst="rect">
-            <a:avLst/>
-          </a:prstGeom>
-        </p:spPr>
-        <p:txBody>
-          <a:bodyPr spcFirstLastPara="1" wrap="square" lIns="91425" tIns="91425" rIns="91425" bIns="91425" anchor="t" anchorCtr="0">
-            <a:noAutofit/>
-          </a:bodyPr>
-          <a:lstStyle/>
-          <a:p>
-            <a:pPr marL="457200" lvl="0" indent="-355600" algn="l" rtl="0">
-              <a:spcBef>
-                <a:spcPts val="0"/>
-              </a:spcBef>
-              <a:spcAft>
-                <a:spcPts val="0"/>
-              </a:spcAft>
-              <a:buClr>
-                <a:srgbClr val="000000"/>
-              </a:buClr>
-              <a:buSzPts val="2000"/>
-              <a:buFont typeface="Times New Roman"/>
-              <a:buChar char="●"/>
-            </a:pPr>
-            <a:r>
-              <a:rPr lang="en" sz="2000">
-                <a:solidFill>
-                  <a:srgbClr val="000000"/>
-                </a:solidFill>
-                <a:latin typeface="Times New Roman"/>
-                <a:ea typeface="Times New Roman"/>
-                <a:cs typeface="Times New Roman"/>
-                <a:sym typeface="Times New Roman"/>
-              </a:rPr>
-              <a:t>Determine our definition of novice and experts based on literature review.</a:t>
-            </a:r>
-            <a:endParaRPr sz="2000">
-              <a:solidFill>
-                <a:srgbClr val="000000"/>
-              </a:solidFill>
-              <a:latin typeface="Times New Roman"/>
-              <a:ea typeface="Times New Roman"/>
-              <a:cs typeface="Times New Roman"/>
-              <a:sym typeface="Times New Roman"/>
-            </a:endParaRPr>
-          </a:p>
-          <a:p>
-            <a:pPr marL="457200" lvl="0" indent="-355600" algn="l" rtl="0">
-              <a:spcBef>
-                <a:spcPts val="0"/>
-              </a:spcBef>
-              <a:spcAft>
-                <a:spcPts val="0"/>
-              </a:spcAft>
-              <a:buClr>
-                <a:srgbClr val="000000"/>
-              </a:buClr>
-              <a:buSzPts val="2000"/>
-              <a:buFont typeface="Times New Roman"/>
-              <a:buChar char="●"/>
-            </a:pPr>
-            <a:r>
-              <a:rPr lang="en" sz="2000">
-                <a:solidFill>
-                  <a:srgbClr val="000000"/>
-                </a:solidFill>
-                <a:latin typeface="Times New Roman"/>
-                <a:ea typeface="Times New Roman"/>
-                <a:cs typeface="Times New Roman"/>
-                <a:sym typeface="Times New Roman"/>
-              </a:rPr>
-              <a:t>Develop questionnaire to assess whether levels of expertise find automation reliable or unreliable.</a:t>
-            </a:r>
-            <a:endParaRPr sz="2000">
-              <a:solidFill>
-                <a:srgbClr val="000000"/>
-              </a:solidFill>
-              <a:latin typeface="Times New Roman"/>
-              <a:ea typeface="Times New Roman"/>
-              <a:cs typeface="Times New Roman"/>
-              <a:sym typeface="Times New Roman"/>
-            </a:endParaRPr>
-          </a:p>
-          <a:p>
-            <a:pPr marL="914400" lvl="1" indent="-355600" algn="l" rtl="0">
-              <a:spcBef>
-                <a:spcPts val="0"/>
-              </a:spcBef>
-              <a:spcAft>
-                <a:spcPts val="0"/>
-              </a:spcAft>
-              <a:buClr>
-                <a:srgbClr val="000000"/>
-              </a:buClr>
-              <a:buSzPts val="2000"/>
-              <a:buFont typeface="Times New Roman"/>
-              <a:buChar char="○"/>
-            </a:pPr>
-            <a:r>
-              <a:rPr lang="en" sz="2000">
-                <a:solidFill>
-                  <a:srgbClr val="000000"/>
-                </a:solidFill>
-                <a:latin typeface="Times New Roman"/>
-                <a:ea typeface="Times New Roman"/>
-                <a:cs typeface="Times New Roman"/>
-                <a:sym typeface="Times New Roman"/>
-              </a:rPr>
-              <a:t>Paper form or Qualtrics online survey engine?</a:t>
-            </a:r>
-            <a:endParaRPr sz="2000">
-              <a:solidFill>
-                <a:srgbClr val="000000"/>
-              </a:solidFill>
-              <a:latin typeface="Times New Roman"/>
-              <a:ea typeface="Times New Roman"/>
-              <a:cs typeface="Times New Roman"/>
-              <a:sym typeface="Times New Roman"/>
-            </a:endParaRPr>
-          </a:p>
-          <a:p>
-            <a:pPr marL="457200" lvl="0" indent="-355600" algn="l" rtl="0">
-              <a:spcBef>
-                <a:spcPts val="0"/>
-              </a:spcBef>
-              <a:spcAft>
-                <a:spcPts val="0"/>
-              </a:spcAft>
-              <a:buClr>
-                <a:srgbClr val="000000"/>
-              </a:buClr>
-              <a:buSzPts val="2000"/>
-              <a:buFont typeface="Times New Roman"/>
-              <a:buChar char="●"/>
-            </a:pPr>
-            <a:r>
-              <a:rPr lang="en" sz="2000">
-                <a:solidFill>
-                  <a:srgbClr val="000000"/>
-                </a:solidFill>
-                <a:latin typeface="Times New Roman"/>
-                <a:ea typeface="Times New Roman"/>
-                <a:cs typeface="Times New Roman"/>
-                <a:sym typeface="Times New Roman"/>
-              </a:rPr>
-              <a:t>Determine how to administer questionnaire to participants</a:t>
-            </a:r>
-            <a:endParaRPr sz="2000">
-              <a:solidFill>
-                <a:srgbClr val="000000"/>
-              </a:solidFill>
-              <a:latin typeface="Times New Roman"/>
-              <a:ea typeface="Times New Roman"/>
-              <a:cs typeface="Times New Roman"/>
-              <a:sym typeface="Times New Roman"/>
-            </a:endParaRPr>
-          </a:p>
-          <a:p>
-            <a:pPr marL="457200" lvl="0" indent="-355600" algn="l" rtl="0">
-              <a:spcBef>
-                <a:spcPts val="0"/>
-              </a:spcBef>
-              <a:spcAft>
-                <a:spcPts val="0"/>
-              </a:spcAft>
-              <a:buClr>
-                <a:srgbClr val="000000"/>
-              </a:buClr>
-              <a:buSzPts val="2000"/>
-              <a:buFont typeface="Times New Roman"/>
-              <a:buChar char="●"/>
-            </a:pPr>
-            <a:r>
-              <a:rPr lang="en" sz="2000">
-                <a:solidFill>
-                  <a:srgbClr val="000000"/>
-                </a:solidFill>
-                <a:latin typeface="Times New Roman"/>
-                <a:ea typeface="Times New Roman"/>
-                <a:cs typeface="Times New Roman"/>
-                <a:sym typeface="Times New Roman"/>
-              </a:rPr>
-              <a:t>Analyze data collected from Pilot Study</a:t>
-            </a:r>
-            <a:endParaRPr sz="2000">
-              <a:solidFill>
-                <a:srgbClr val="000000"/>
-              </a:solidFill>
-              <a:latin typeface="Times New Roman"/>
-              <a:ea typeface="Times New Roman"/>
-              <a:cs typeface="Times New Roman"/>
-              <a:sym typeface="Times New Roman"/>
-            </a:endParaRPr>
-          </a:p>
-          <a:p>
-            <a:pPr marL="457200" lvl="0" indent="-355600" algn="l" rtl="0">
-              <a:spcBef>
-                <a:spcPts val="0"/>
-              </a:spcBef>
-              <a:spcAft>
-                <a:spcPts val="0"/>
-              </a:spcAft>
-              <a:buClr>
-                <a:srgbClr val="000000"/>
-              </a:buClr>
-              <a:buSzPts val="2000"/>
-              <a:buFont typeface="Times New Roman"/>
-              <a:buChar char="●"/>
-            </a:pPr>
-            <a:r>
-              <a:rPr lang="en" sz="2000">
-                <a:solidFill>
-                  <a:srgbClr val="000000"/>
-                </a:solidFill>
-                <a:latin typeface="Times New Roman"/>
-                <a:ea typeface="Times New Roman"/>
-                <a:cs typeface="Times New Roman"/>
-                <a:sym typeface="Times New Roman"/>
-              </a:rPr>
-              <a:t>Complete Github readme files</a:t>
-            </a:r>
-            <a:endParaRPr sz="2000">
-              <a:solidFill>
-                <a:srgbClr val="000000"/>
-              </a:solidFill>
-              <a:latin typeface="Times New Roman"/>
-              <a:ea typeface="Times New Roman"/>
-              <a:cs typeface="Times New Roman"/>
-              <a:sym typeface="Times New Roman"/>
-            </a:endParaRPr>
-          </a:p>
-          <a:p>
-            <a:pPr marL="457200" lvl="0" indent="-355600" algn="l" rtl="0">
-              <a:spcBef>
-                <a:spcPts val="0"/>
-              </a:spcBef>
-              <a:spcAft>
-                <a:spcPts val="0"/>
-              </a:spcAft>
-              <a:buClr>
-                <a:srgbClr val="000000"/>
-              </a:buClr>
-              <a:buSzPts val="2000"/>
-              <a:buFont typeface="Times New Roman"/>
-              <a:buChar char="●"/>
-            </a:pPr>
-            <a:r>
-              <a:rPr lang="en" sz="2000">
-                <a:solidFill>
-                  <a:srgbClr val="000000"/>
-                </a:solidFill>
-                <a:latin typeface="Times New Roman"/>
-                <a:ea typeface="Times New Roman"/>
-                <a:cs typeface="Times New Roman"/>
-                <a:sym typeface="Times New Roman"/>
-              </a:rPr>
-              <a:t>Develop draft UCF IRB protocol for our research study</a:t>
-            </a:r>
-            <a:endParaRPr sz="2000">
-              <a:solidFill>
-                <a:srgbClr val="000000"/>
-              </a:solidFill>
-              <a:latin typeface="Times New Roman"/>
-              <a:ea typeface="Times New Roman"/>
-              <a:cs typeface="Times New Roman"/>
-              <a:sym typeface="Times New Roman"/>
-            </a:endParaRPr>
-          </a:p>
-        </p:txBody>
-      </p:sp>
-    </p:spTree>
-  </p:cSld>
-  <p:clrMapOvr>
-    <a:masterClrMapping/>
-  </p:clrMapOvr>
-</p:sld>
-</file>
-
-<file path=ppt/slides/slide11.xml><?xml version="1.0" encoding="utf-8"?>
-<p:sld xmlns:a="http://schemas.openxmlformats.org/drawingml/2006/main" xmlns:r="http://schemas.openxmlformats.org/officeDocument/2006/relationships" xmlns:p="http://schemas.openxmlformats.org/presentationml/2006/main">
-  <p:cSld>
-    <p:spTree>
-      <p:nvGrpSpPr>
-        <p:cNvPr id="1" name="Shape 117"/>
-        <p:cNvGrpSpPr/>
-        <p:nvPr/>
-      </p:nvGrpSpPr>
-      <p:grpSpPr>
-        <a:xfrm>
-          <a:off x="0" y="0"/>
-          <a:ext cx="0" cy="0"/>
-          <a:chOff x="0" y="0"/>
-          <a:chExt cx="0" cy="0"/>
-        </a:xfrm>
-      </p:grpSpPr>
-      <p:sp>
-        <p:nvSpPr>
-          <p:cNvPr id="118" name="Google Shape;118;p23"/>
-          <p:cNvSpPr txBox="1">
-            <a:spLocks noGrp="1"/>
-          </p:cNvSpPr>
-          <p:nvPr>
-            <p:ph type="title"/>
-          </p:nvPr>
-        </p:nvSpPr>
-        <p:spPr>
-          <a:xfrm>
-            <a:off x="311700" y="445025"/>
-            <a:ext cx="8520600" cy="572700"/>
-          </a:xfrm>
-          <a:prstGeom prst="rect">
-            <a:avLst/>
-          </a:prstGeom>
-        </p:spPr>
-        <p:txBody>
-          <a:bodyPr spcFirstLastPara="1" wrap="square" lIns="91425" tIns="91425" rIns="91425" bIns="91425" anchor="t" anchorCtr="0">
-            <a:noAutofit/>
-          </a:bodyPr>
-          <a:lstStyle/>
-          <a:p>
-            <a:pPr marL="0" lvl="0" indent="0" algn="l" rtl="0">
-              <a:spcBef>
-                <a:spcPts val="0"/>
-              </a:spcBef>
-              <a:spcAft>
-                <a:spcPts val="0"/>
-              </a:spcAft>
-              <a:buNone/>
-            </a:pPr>
-            <a:r>
-              <a:rPr lang="en" sz="3600">
-                <a:latin typeface="Times New Roman"/>
-                <a:ea typeface="Times New Roman"/>
-                <a:cs typeface="Times New Roman"/>
-                <a:sym typeface="Times New Roman"/>
-              </a:rPr>
-              <a:t>References </a:t>
-            </a:r>
-            <a:endParaRPr sz="3600">
-              <a:latin typeface="Times New Roman"/>
-              <a:ea typeface="Times New Roman"/>
-              <a:cs typeface="Times New Roman"/>
-              <a:sym typeface="Times New Roman"/>
-            </a:endParaRPr>
-          </a:p>
-        </p:txBody>
-      </p:sp>
-      <p:sp>
-        <p:nvSpPr>
-          <p:cNvPr id="119" name="Google Shape;119;p23"/>
-          <p:cNvSpPr txBox="1">
-            <a:spLocks noGrp="1"/>
-          </p:cNvSpPr>
-          <p:nvPr>
-            <p:ph type="body" idx="1"/>
-          </p:nvPr>
-        </p:nvSpPr>
-        <p:spPr>
-          <a:xfrm>
-            <a:off x="311700" y="1152475"/>
-            <a:ext cx="8520600" cy="3416400"/>
-          </a:xfrm>
-          <a:prstGeom prst="rect">
-            <a:avLst/>
-          </a:prstGeom>
-        </p:spPr>
-        <p:txBody>
-          <a:bodyPr spcFirstLastPara="1" wrap="square" lIns="91425" tIns="91425" rIns="91425" bIns="91425" anchor="t" anchorCtr="0">
-            <a:noAutofit/>
-          </a:bodyPr>
-          <a:lstStyle/>
-          <a:p>
-            <a:pPr marL="457200" lvl="0" indent="-330200" algn="l" rtl="0">
-              <a:spcBef>
-                <a:spcPts val="0"/>
-              </a:spcBef>
-              <a:spcAft>
-                <a:spcPts val="0"/>
-              </a:spcAft>
-              <a:buSzPts val="1600"/>
-              <a:buFont typeface="Times New Roman"/>
-              <a:buChar char="●"/>
-            </a:pPr>
-            <a:r>
-              <a:rPr lang="en" sz="1600">
-                <a:latin typeface="Times New Roman"/>
-                <a:ea typeface="Times New Roman"/>
-                <a:cs typeface="Times New Roman"/>
-                <a:sym typeface="Times New Roman"/>
-              </a:rPr>
-              <a:t>Image References:</a:t>
-            </a:r>
-            <a:endParaRPr sz="1600">
-              <a:latin typeface="Times New Roman"/>
-              <a:ea typeface="Times New Roman"/>
-              <a:cs typeface="Times New Roman"/>
-              <a:sym typeface="Times New Roman"/>
-            </a:endParaRPr>
-          </a:p>
-          <a:p>
-            <a:pPr marL="914400" lvl="1" indent="-330200" algn="l" rtl="0">
-              <a:spcBef>
-                <a:spcPts val="0"/>
-              </a:spcBef>
-              <a:spcAft>
-                <a:spcPts val="0"/>
-              </a:spcAft>
-              <a:buSzPts val="1600"/>
-              <a:buFont typeface="Times New Roman"/>
-              <a:buChar char="○"/>
-            </a:pPr>
-            <a:r>
-              <a:rPr lang="en" sz="1600" u="sng">
-                <a:solidFill>
-                  <a:schemeClr val="hlink"/>
-                </a:solidFill>
-                <a:latin typeface="Times New Roman"/>
-                <a:ea typeface="Times New Roman"/>
-                <a:cs typeface="Times New Roman"/>
-                <a:sym typeface="Times New Roman"/>
-                <a:hlinkClick r:id="rId3"/>
-              </a:rPr>
-              <a:t>http://news.mit.edu/2013/humans-robots-interaction-cross-training-0211</a:t>
-            </a:r>
-            <a:endParaRPr sz="1600">
-              <a:latin typeface="Times New Roman"/>
-              <a:ea typeface="Times New Roman"/>
-              <a:cs typeface="Times New Roman"/>
-              <a:sym typeface="Times New Roman"/>
-            </a:endParaRPr>
-          </a:p>
-          <a:p>
-            <a:pPr marL="914400" lvl="1" indent="-330200" algn="l" rtl="0">
-              <a:spcBef>
-                <a:spcPts val="0"/>
-              </a:spcBef>
-              <a:spcAft>
-                <a:spcPts val="0"/>
-              </a:spcAft>
-              <a:buSzPts val="1600"/>
-              <a:buFont typeface="Times New Roman"/>
-              <a:buChar char="○"/>
-            </a:pPr>
-            <a:r>
-              <a:rPr lang="en" sz="1600" u="sng">
-                <a:solidFill>
-                  <a:schemeClr val="hlink"/>
-                </a:solidFill>
-                <a:latin typeface="Times New Roman"/>
-                <a:ea typeface="Times New Roman"/>
-                <a:cs typeface="Times New Roman"/>
-                <a:sym typeface="Times New Roman"/>
-                <a:hlinkClick r:id="rId4"/>
-              </a:rPr>
-              <a:t>https://github.com/krman009/Octodex-Images-Links</a:t>
-            </a:r>
-            <a:endParaRPr sz="1600">
-              <a:latin typeface="Times New Roman"/>
-              <a:ea typeface="Times New Roman"/>
-              <a:cs typeface="Times New Roman"/>
-              <a:sym typeface="Times New Roman"/>
-            </a:endParaRPr>
-          </a:p>
-          <a:p>
-            <a:pPr marL="914400" lvl="1" indent="-330200" algn="l" rtl="0">
-              <a:spcBef>
-                <a:spcPts val="0"/>
-              </a:spcBef>
-              <a:spcAft>
-                <a:spcPts val="0"/>
-              </a:spcAft>
-              <a:buSzPts val="1600"/>
-              <a:buFont typeface="Times New Roman"/>
-              <a:buChar char="○"/>
-            </a:pPr>
-            <a:r>
-              <a:rPr lang="en" sz="1600" u="sng">
-                <a:solidFill>
-                  <a:schemeClr val="hlink"/>
-                </a:solidFill>
-                <a:latin typeface="Times New Roman"/>
-                <a:ea typeface="Times New Roman"/>
-                <a:cs typeface="Times New Roman"/>
-                <a:sym typeface="Times New Roman"/>
-                <a:hlinkClick r:id="rId5"/>
-              </a:rPr>
-              <a:t>https://www.google.com/search?tbm=isch&amp;q=github+kitty&amp;chips=q:github+kitty,g_1:octocat&amp;usg=AI4_-kQqGakIm54gESFuomELJt-9IyMmgg&amp;sa=X&amp;ved=0ahUKEwilxe_x-azeAhUwh-AKHWtaBAYQ4lYIKygB&amp;biw=1169&amp;bih=647&amp;dpr=2#imgrc=jwqWNATuXr5CbM</a:t>
-            </a:r>
-            <a:r>
-              <a:rPr lang="en" sz="1600">
-                <a:latin typeface="Times New Roman"/>
-                <a:ea typeface="Times New Roman"/>
-                <a:cs typeface="Times New Roman"/>
-                <a:sym typeface="Times New Roman"/>
-              </a:rPr>
-              <a:t>:</a:t>
-            </a:r>
-            <a:endParaRPr sz="1600">
-              <a:latin typeface="Times New Roman"/>
-              <a:ea typeface="Times New Roman"/>
-              <a:cs typeface="Times New Roman"/>
-              <a:sym typeface="Times New Roman"/>
-            </a:endParaRPr>
-          </a:p>
-          <a:p>
-            <a:pPr marL="457200" lvl="0" indent="-330200" algn="l" rtl="0">
-              <a:lnSpc>
-                <a:spcPct val="115000"/>
-              </a:lnSpc>
-              <a:spcBef>
-                <a:spcPts val="0"/>
-              </a:spcBef>
-              <a:spcAft>
-                <a:spcPts val="0"/>
-              </a:spcAft>
-              <a:buSzPts val="1600"/>
-              <a:buFont typeface="Times New Roman"/>
-              <a:buChar char="●"/>
-            </a:pPr>
-            <a:r>
-              <a:rPr lang="en" sz="1600">
-                <a:highlight>
-                  <a:srgbClr val="FFFFFF"/>
-                </a:highlight>
-                <a:latin typeface="Times New Roman"/>
-                <a:ea typeface="Times New Roman"/>
-                <a:cs typeface="Times New Roman"/>
-                <a:sym typeface="Times New Roman"/>
-              </a:rPr>
-              <a:t>Faerevaag, C. L., Nguyen, B. A., Jimenez, C. A., Jentsch, F. (2017). Attitudes toward unreliable diagnostic aiding in dangerous task environments. In </a:t>
-            </a:r>
-            <a:r>
-              <a:rPr lang="en" sz="1600" i="1">
-                <a:highlight>
-                  <a:srgbClr val="FFFFFF"/>
-                </a:highlight>
-                <a:latin typeface="Times New Roman"/>
-                <a:ea typeface="Times New Roman"/>
-                <a:cs typeface="Times New Roman"/>
-                <a:sym typeface="Times New Roman"/>
-              </a:rPr>
-              <a:t>Proceedings of the Annual Meeting of the Human Factors and Ergonomics Society </a:t>
-            </a:r>
-            <a:r>
-              <a:rPr lang="en" sz="1600">
-                <a:highlight>
-                  <a:srgbClr val="FFFFFF"/>
-                </a:highlight>
-                <a:latin typeface="Times New Roman"/>
-                <a:ea typeface="Times New Roman"/>
-                <a:cs typeface="Times New Roman"/>
-                <a:sym typeface="Times New Roman"/>
-              </a:rPr>
-              <a:t>(Vol. 61). Los Angeles, CA: SAGE Publications.</a:t>
-            </a:r>
-            <a:endParaRPr sz="1600">
-              <a:highlight>
-                <a:srgbClr val="FFFFFF"/>
-              </a:highlight>
-              <a:latin typeface="Times New Roman"/>
-              <a:ea typeface="Times New Roman"/>
-              <a:cs typeface="Times New Roman"/>
-              <a:sym typeface="Times New Roman"/>
-            </a:endParaRPr>
-          </a:p>
-          <a:p>
-            <a:pPr marL="457200" lvl="0" indent="0" algn="l" rtl="0">
-              <a:spcBef>
-                <a:spcPts val="0"/>
-              </a:spcBef>
-              <a:spcAft>
-                <a:spcPts val="0"/>
-              </a:spcAft>
-              <a:buNone/>
-            </a:pPr>
-            <a:endParaRPr sz="1600">
-              <a:latin typeface="Times New Roman"/>
-              <a:ea typeface="Times New Roman"/>
-              <a:cs typeface="Times New Roman"/>
-              <a:sym typeface="Times New Roman"/>
-            </a:endParaRPr>
-          </a:p>
-          <a:p>
-            <a:pPr marL="0" lvl="0" indent="0" algn="l" rtl="0">
-              <a:spcBef>
-                <a:spcPts val="1600"/>
-              </a:spcBef>
-              <a:spcAft>
-                <a:spcPts val="1600"/>
-              </a:spcAft>
-              <a:buNone/>
-            </a:pPr>
-            <a:endParaRPr sz="1600"/>
-          </a:p>
-        </p:txBody>
-      </p:sp>
-    </p:spTree>
-  </p:cSld>
-  <p:clrMapOvr>
-    <a:masterClrMapping/>
-  </p:clrMapOvr>
-</p:sld>
-</file>
-
-<file path=ppt/slides/slide2.xml><?xml version="1.0" encoding="utf-8"?>
-<p:sld xmlns:a="http://schemas.openxmlformats.org/drawingml/2006/main" xmlns:r="http://schemas.openxmlformats.org/officeDocument/2006/relationships" xmlns:p="http://schemas.openxmlformats.org/presentationml/2006/main">
-  <p:cSld>
-    <p:spTree>
-      <p:nvGrpSpPr>
-        <p:cNvPr id="1" name="Shape 60"/>
-        <p:cNvGrpSpPr/>
-        <p:nvPr/>
-      </p:nvGrpSpPr>
-      <p:grpSpPr>
-        <a:xfrm>
-          <a:off x="0" y="0"/>
-          <a:ext cx="0" cy="0"/>
-          <a:chOff x="0" y="0"/>
-          <a:chExt cx="0" cy="0"/>
-        </a:xfrm>
-      </p:grpSpPr>
-      <p:sp>
-        <p:nvSpPr>
-          <p:cNvPr id="61" name="Google Shape;61;p14"/>
-          <p:cNvSpPr txBox="1">
-            <a:spLocks noGrp="1"/>
-          </p:cNvSpPr>
-          <p:nvPr>
-            <p:ph type="title"/>
-          </p:nvPr>
-        </p:nvSpPr>
-        <p:spPr>
-          <a:xfrm>
-            <a:off x="311700" y="445025"/>
-            <a:ext cx="8520600" cy="572700"/>
-          </a:xfrm>
-          <a:prstGeom prst="rect">
-            <a:avLst/>
-          </a:prstGeom>
-        </p:spPr>
-        <p:txBody>
-          <a:bodyPr spcFirstLastPara="1" wrap="square" lIns="91425" tIns="91425" rIns="91425" bIns="91425" anchor="t" anchorCtr="0">
-            <a:noAutofit/>
-          </a:bodyPr>
-          <a:lstStyle/>
-          <a:p>
-            <a:pPr marL="0" lvl="0" indent="0" algn="l" rtl="0">
-              <a:spcBef>
-                <a:spcPts val="0"/>
-              </a:spcBef>
-              <a:spcAft>
-                <a:spcPts val="0"/>
-              </a:spcAft>
-              <a:buNone/>
-            </a:pPr>
-            <a:r>
-              <a:rPr lang="en" sz="4800">
-                <a:latin typeface="Times New Roman"/>
-                <a:ea typeface="Times New Roman"/>
-                <a:cs typeface="Times New Roman"/>
-                <a:sym typeface="Times New Roman"/>
-              </a:rPr>
-              <a:t>Background</a:t>
-            </a:r>
-            <a:endParaRPr sz="4800">
-              <a:latin typeface="Times New Roman"/>
-              <a:ea typeface="Times New Roman"/>
-              <a:cs typeface="Times New Roman"/>
-              <a:sym typeface="Times New Roman"/>
-            </a:endParaRPr>
-          </a:p>
-        </p:txBody>
-      </p:sp>
-      <p:sp>
-        <p:nvSpPr>
-          <p:cNvPr id="62" name="Google Shape;62;p14"/>
-          <p:cNvSpPr txBox="1">
-            <a:spLocks noGrp="1"/>
-          </p:cNvSpPr>
-          <p:nvPr>
-            <p:ph type="body" idx="1"/>
-          </p:nvPr>
-        </p:nvSpPr>
-        <p:spPr>
-          <a:xfrm>
-            <a:off x="311700" y="1438225"/>
-            <a:ext cx="8520600" cy="2998200"/>
-          </a:xfrm>
-          <a:prstGeom prst="rect">
-            <a:avLst/>
-          </a:prstGeom>
-        </p:spPr>
-        <p:txBody>
-          <a:bodyPr spcFirstLastPara="1" wrap="square" lIns="91425" tIns="91425" rIns="91425" bIns="91425" anchor="t" anchorCtr="0">
-            <a:noAutofit/>
-          </a:bodyPr>
-          <a:lstStyle/>
-          <a:p>
-            <a:pPr marL="0" lvl="0" indent="0" algn="l" rtl="0">
-              <a:spcBef>
-                <a:spcPts val="0"/>
-              </a:spcBef>
-              <a:spcAft>
-                <a:spcPts val="0"/>
-              </a:spcAft>
-              <a:buClr>
-                <a:schemeClr val="dk1"/>
-              </a:buClr>
-              <a:buSzPts val="1100"/>
-              <a:buFont typeface="Arial"/>
-              <a:buNone/>
-            </a:pPr>
-            <a:r>
-              <a:rPr lang="en" sz="2000">
-                <a:solidFill>
-                  <a:schemeClr val="dk1"/>
-                </a:solidFill>
-                <a:latin typeface="Times New Roman"/>
-                <a:ea typeface="Times New Roman"/>
-                <a:cs typeface="Times New Roman"/>
-                <a:sym typeface="Times New Roman"/>
-              </a:rPr>
-              <a:t>In HRI, the aspect of reliability is important to take into consideration when seeking research advancements in such complex teaming. Previous research regarding reliability refers to a reliability threshold. When diagnostic aiding technology falls below 70% reliability, it is seen as not useful, and will negatively affect overall task performance (Wickens &amp; Dixon, 2007). The reliability threshold is based on tasks humans are capable of performing without needing help from such technologies. </a:t>
-            </a:r>
-            <a:endParaRPr sz="2000">
-              <a:latin typeface="Times New Roman"/>
-              <a:ea typeface="Times New Roman"/>
-              <a:cs typeface="Times New Roman"/>
-              <a:sym typeface="Times New Roman"/>
-            </a:endParaRPr>
-          </a:p>
-        </p:txBody>
-      </p:sp>
-    </p:spTree>
-  </p:cSld>
-  <p:clrMapOvr>
-    <a:masterClrMapping/>
-  </p:clrMapOvr>
-</p:sld>
-</file>
-
-<file path=ppt/slides/slide3.xml><?xml version="1.0" encoding="utf-8"?>
-<p:sld xmlns:a="http://schemas.openxmlformats.org/drawingml/2006/main" xmlns:r="http://schemas.openxmlformats.org/officeDocument/2006/relationships" xmlns:p="http://schemas.openxmlformats.org/presentationml/2006/main">
-  <p:cSld>
-    <p:spTree>
-      <p:nvGrpSpPr>
-        <p:cNvPr id="1" name="Shape 66"/>
-        <p:cNvGrpSpPr/>
-        <p:nvPr/>
-      </p:nvGrpSpPr>
-      <p:grpSpPr>
-        <a:xfrm>
-          <a:off x="0" y="0"/>
-          <a:ext cx="0" cy="0"/>
-          <a:chOff x="0" y="0"/>
-          <a:chExt cx="0" cy="0"/>
-        </a:xfrm>
-      </p:grpSpPr>
       <p:graphicFrame>
         <p:nvGraphicFramePr>
-          <p:cNvPr id="67" name="Google Shape;67;p15"/>
+          <p:cNvPr id="121" name="Google Shape;121;p23"/>
           <p:cNvGraphicFramePr/>
           <p:nvPr/>
         </p:nvGraphicFramePr>
         <p:xfrm>
-          <a:off x="757675" y="1384088"/>
+          <a:off x="910075" y="1003088"/>
           <a:ext cx="3000000" cy="3000000"/>
         </p:xfrm>
         <a:graphic>
@@ -7660,7 +7636,6 @@
             <a:tbl>
               <a:tblPr>
                 <a:noFill/>
-                <a:tableStyleId>{0D8CF8E1-BDEB-44F1-AB40-0A61CA8EF7E5}</a:tableStyleId>
               </a:tblPr>
               <a:tblGrid>
                 <a:gridCol w="2526400">
@@ -7704,10 +7679,10 @@
                         <a:buNone/>
                       </a:pPr>
                       <a:r>
-                        <a:rPr lang="en"/>
+                        <a:rPr lang="en" sz="1800"/>
                         <a:t> </a:t>
                       </a:r>
-                      <a:endParaRPr/>
+                      <a:endParaRPr sz="1800"/>
                     </a:p>
                   </a:txBody>
                   <a:tcPr marL="68575" marR="68575" marT="91425" marB="91425"/>
@@ -7730,10 +7705,20 @@
                         <a:buNone/>
                       </a:pPr>
                       <a:r>
-                        <a:rPr lang="en" sz="1200" b="1"/>
-                        <a:t>Dangerous Environment</a:t>
+                        <a:rPr lang="en" sz="1800" b="1">
+                          <a:latin typeface="Times New Roman"/>
+                          <a:ea typeface="Times New Roman"/>
+                          <a:cs typeface="Times New Roman"/>
+                          <a:sym typeface="Times New Roman"/>
+                        </a:rPr>
+                        <a:t>Safe Environment</a:t>
                       </a:r>
-                      <a:endParaRPr sz="1200" b="1"/>
+                      <a:endParaRPr sz="1800" b="1">
+                        <a:latin typeface="Times New Roman"/>
+                        <a:ea typeface="Times New Roman"/>
+                        <a:cs typeface="Times New Roman"/>
+                        <a:sym typeface="Times New Roman"/>
+                      </a:endParaRPr>
                     </a:p>
                   </a:txBody>
                   <a:tcPr marL="68575" marR="68575" marT="91425" marB="91425">
@@ -7766,10 +7751,20 @@
                         <a:buNone/>
                       </a:pPr>
                       <a:r>
-                        <a:rPr lang="en" sz="1200" b="1"/>
-                        <a:t>Safe Environment</a:t>
+                        <a:rPr lang="en" sz="1800" b="1">
+                          <a:latin typeface="Times New Roman"/>
+                          <a:ea typeface="Times New Roman"/>
+                          <a:cs typeface="Times New Roman"/>
+                          <a:sym typeface="Times New Roman"/>
+                        </a:rPr>
+                        <a:t>Dangerous Environment</a:t>
                       </a:r>
-                      <a:endParaRPr sz="1200" b="1"/>
+                      <a:endParaRPr sz="1800" b="1">
+                        <a:latin typeface="Times New Roman"/>
+                        <a:ea typeface="Times New Roman"/>
+                        <a:cs typeface="Times New Roman"/>
+                        <a:sym typeface="Times New Roman"/>
+                      </a:endParaRPr>
                     </a:p>
                   </a:txBody>
                   <a:tcPr marL="68575" marR="68575" marT="91425" marB="91425">
@@ -7809,10 +7804,20 @@
                         <a:buNone/>
                       </a:pPr>
                       <a:r>
-                        <a:rPr lang="en" sz="1200" b="1"/>
-                        <a:t>50% Reliability Rate</a:t>
+                        <a:rPr lang="en" sz="1800" b="1">
+                          <a:latin typeface="Times New Roman"/>
+                          <a:ea typeface="Times New Roman"/>
+                          <a:cs typeface="Times New Roman"/>
+                          <a:sym typeface="Times New Roman"/>
+                        </a:rPr>
+                        <a:t>Novice</a:t>
                       </a:r>
-                      <a:endParaRPr sz="1200" b="1"/>
+                      <a:endParaRPr sz="1800" b="1">
+                        <a:latin typeface="Times New Roman"/>
+                        <a:ea typeface="Times New Roman"/>
+                        <a:cs typeface="Times New Roman"/>
+                        <a:sym typeface="Times New Roman"/>
+                      </a:endParaRPr>
                     </a:p>
                   </a:txBody>
                   <a:tcPr marL="68575" marR="68575" marT="91425" marB="91425">
@@ -7845,29 +7850,20 @@
                         <a:buNone/>
                       </a:pPr>
                       <a:r>
-                        <a:rPr lang="en"/>
-                        <a:t>50% Reliability Rate</a:t>
+                        <a:rPr lang="en" sz="1800">
+                          <a:latin typeface="Times New Roman"/>
+                          <a:ea typeface="Times New Roman"/>
+                          <a:cs typeface="Times New Roman"/>
+                          <a:sym typeface="Times New Roman"/>
+                        </a:rPr>
+                        <a:t>Novice Safe Environment</a:t>
                       </a:r>
-                      <a:endParaRPr/>
-                    </a:p>
-                    <a:p>
-                      <a:pPr marL="0" lvl="0" indent="0" algn="ctr" rtl="0">
-                        <a:lnSpc>
-                          <a:spcPct val="115000"/>
-                        </a:lnSpc>
-                        <a:spcBef>
-                          <a:spcPts val="0"/>
-                        </a:spcBef>
-                        <a:spcAft>
-                          <a:spcPts val="0"/>
-                        </a:spcAft>
-                        <a:buNone/>
-                      </a:pPr>
-                      <a:r>
-                        <a:rPr lang="en"/>
-                        <a:t>Dangerous Environment </a:t>
-                      </a:r>
-                      <a:endParaRPr/>
+                      <a:endParaRPr sz="1800">
+                        <a:latin typeface="Times New Roman"/>
+                        <a:ea typeface="Times New Roman"/>
+                        <a:cs typeface="Times New Roman"/>
+                        <a:sym typeface="Times New Roman"/>
+                      </a:endParaRPr>
                     </a:p>
                   </a:txBody>
                   <a:tcPr marL="68575" marR="68575" marT="91425" marB="91425">
@@ -7927,29 +7923,20 @@
                         <a:buNone/>
                       </a:pPr>
                       <a:r>
-                        <a:rPr lang="en"/>
-                        <a:t>50% Reliability Rate</a:t>
+                        <a:rPr lang="en" sz="1800">
+                          <a:latin typeface="Times New Roman"/>
+                          <a:ea typeface="Times New Roman"/>
+                          <a:cs typeface="Times New Roman"/>
+                          <a:sym typeface="Times New Roman"/>
+                        </a:rPr>
+                        <a:t>Novice Dangerous Environment</a:t>
                       </a:r>
-                      <a:endParaRPr/>
-                    </a:p>
-                    <a:p>
-                      <a:pPr marL="0" lvl="0" indent="0" algn="ctr" rtl="0">
-                        <a:lnSpc>
-                          <a:spcPct val="115000"/>
-                        </a:lnSpc>
-                        <a:spcBef>
-                          <a:spcPts val="0"/>
-                        </a:spcBef>
-                        <a:spcAft>
-                          <a:spcPts val="0"/>
-                        </a:spcAft>
-                        <a:buNone/>
-                      </a:pPr>
-                      <a:r>
-                        <a:rPr lang="en"/>
-                        <a:t>Safe Environment</a:t>
-                      </a:r>
-                      <a:endParaRPr/>
+                      <a:endParaRPr sz="1800">
+                        <a:latin typeface="Times New Roman"/>
+                        <a:ea typeface="Times New Roman"/>
+                        <a:cs typeface="Times New Roman"/>
+                        <a:sym typeface="Times New Roman"/>
+                      </a:endParaRPr>
                     </a:p>
                   </a:txBody>
                   <a:tcPr marL="68575" marR="68575" marT="91425" marB="91425">
@@ -8016,10 +8003,20 @@
                         <a:buNone/>
                       </a:pPr>
                       <a:r>
-                        <a:rPr lang="en" sz="1200" b="1"/>
-                        <a:t>80% Reliability Rate</a:t>
+                        <a:rPr lang="en" sz="1800" b="1">
+                          <a:latin typeface="Times New Roman"/>
+                          <a:ea typeface="Times New Roman"/>
+                          <a:cs typeface="Times New Roman"/>
+                          <a:sym typeface="Times New Roman"/>
+                        </a:rPr>
+                        <a:t>Expert</a:t>
                       </a:r>
-                      <a:endParaRPr sz="1200" b="1"/>
+                      <a:endParaRPr sz="1800" b="1">
+                        <a:latin typeface="Times New Roman"/>
+                        <a:ea typeface="Times New Roman"/>
+                        <a:cs typeface="Times New Roman"/>
+                        <a:sym typeface="Times New Roman"/>
+                      </a:endParaRPr>
                     </a:p>
                   </a:txBody>
                   <a:tcPr marL="68575" marR="68575" marT="91425" marB="91425">
@@ -8052,29 +8049,20 @@
                         <a:buNone/>
                       </a:pPr>
                       <a:r>
-                        <a:rPr lang="en"/>
-                        <a:t>80% Reliability Rate </a:t>
+                        <a:rPr lang="en" sz="1800">
+                          <a:latin typeface="Times New Roman"/>
+                          <a:ea typeface="Times New Roman"/>
+                          <a:cs typeface="Times New Roman"/>
+                          <a:sym typeface="Times New Roman"/>
+                        </a:rPr>
+                        <a:t>Expert Safe Environment</a:t>
                       </a:r>
-                      <a:endParaRPr/>
-                    </a:p>
-                    <a:p>
-                      <a:pPr marL="0" lvl="0" indent="0" algn="ctr" rtl="0">
-                        <a:lnSpc>
-                          <a:spcPct val="115000"/>
-                        </a:lnSpc>
-                        <a:spcBef>
-                          <a:spcPts val="0"/>
-                        </a:spcBef>
-                        <a:spcAft>
-                          <a:spcPts val="0"/>
-                        </a:spcAft>
-                        <a:buNone/>
-                      </a:pPr>
-                      <a:r>
-                        <a:rPr lang="en"/>
-                        <a:t>Dangerous Environment</a:t>
-                      </a:r>
-                      <a:endParaRPr/>
+                      <a:endParaRPr sz="1800">
+                        <a:latin typeface="Times New Roman"/>
+                        <a:ea typeface="Times New Roman"/>
+                        <a:cs typeface="Times New Roman"/>
+                        <a:sym typeface="Times New Roman"/>
+                      </a:endParaRPr>
                     </a:p>
                   </a:txBody>
                   <a:tcPr marL="68575" marR="68575" marT="91425" marB="91425">
@@ -8134,29 +8122,20 @@
                         <a:buNone/>
                       </a:pPr>
                       <a:r>
-                        <a:rPr lang="en"/>
-                        <a:t>80% Reliability Rate </a:t>
+                        <a:rPr lang="en" sz="1800">
+                          <a:latin typeface="Times New Roman"/>
+                          <a:ea typeface="Times New Roman"/>
+                          <a:cs typeface="Times New Roman"/>
+                          <a:sym typeface="Times New Roman"/>
+                        </a:rPr>
+                        <a:t>Expert Dangerous Environment</a:t>
                       </a:r>
-                      <a:endParaRPr/>
-                    </a:p>
-                    <a:p>
-                      <a:pPr marL="0" lvl="0" indent="0" algn="ctr" rtl="0">
-                        <a:lnSpc>
-                          <a:spcPct val="115000"/>
-                        </a:lnSpc>
-                        <a:spcBef>
-                          <a:spcPts val="0"/>
-                        </a:spcBef>
-                        <a:spcAft>
-                          <a:spcPts val="0"/>
-                        </a:spcAft>
-                        <a:buNone/>
-                      </a:pPr>
-                      <a:r>
-                        <a:rPr lang="en"/>
-                        <a:t>Safe Environment</a:t>
-                      </a:r>
-                      <a:endParaRPr/>
+                      <a:endParaRPr sz="1800">
+                        <a:latin typeface="Times New Roman"/>
+                        <a:ea typeface="Times New Roman"/>
+                        <a:cs typeface="Times New Roman"/>
+                        <a:sym typeface="Times New Roman"/>
+                      </a:endParaRPr>
                     </a:p>
                   </a:txBody>
                   <a:tcPr marL="68575" marR="68575" marT="91425" marB="91425">
@@ -8210,7 +8189,504 @@
       </p:graphicFrame>
       <p:sp>
         <p:nvSpPr>
-          <p:cNvPr id="68" name="Google Shape;68;p15"/>
+          <p:cNvPr id="122" name="Google Shape;122;p23"/>
+          <p:cNvSpPr txBox="1"/>
+          <p:nvPr/>
+        </p:nvSpPr>
+        <p:spPr>
+          <a:xfrm>
+            <a:off x="1973075" y="4384625"/>
+            <a:ext cx="5548200" cy="455400"/>
+          </a:xfrm>
+          <a:prstGeom prst="rect">
+            <a:avLst/>
+          </a:prstGeom>
+          <a:noFill/>
+          <a:ln>
+            <a:noFill/>
+          </a:ln>
+        </p:spPr>
+        <p:txBody>
+          <a:bodyPr spcFirstLastPara="1" wrap="square" lIns="91425" tIns="91425" rIns="91425" bIns="91425" anchor="t" anchorCtr="0">
+            <a:noAutofit/>
+          </a:bodyPr>
+          <a:lstStyle/>
+          <a:p>
+            <a:pPr marL="0" lvl="0" indent="0" algn="l" rtl="0">
+              <a:spcBef>
+                <a:spcPts val="0"/>
+              </a:spcBef>
+              <a:spcAft>
+                <a:spcPts val="0"/>
+              </a:spcAft>
+              <a:buNone/>
+            </a:pPr>
+            <a:endParaRPr/>
+          </a:p>
+        </p:txBody>
+      </p:sp>
+      <p:sp>
+        <p:nvSpPr>
+          <p:cNvPr id="123" name="Google Shape;123;p23"/>
+          <p:cNvSpPr txBox="1"/>
+          <p:nvPr/>
+        </p:nvSpPr>
+        <p:spPr>
+          <a:xfrm>
+            <a:off x="910075" y="4810150"/>
+            <a:ext cx="7437600" cy="301200"/>
+          </a:xfrm>
+          <a:prstGeom prst="rect">
+            <a:avLst/>
+          </a:prstGeom>
+          <a:noFill/>
+          <a:ln>
+            <a:noFill/>
+          </a:ln>
+        </p:spPr>
+        <p:txBody>
+          <a:bodyPr spcFirstLastPara="1" wrap="square" lIns="91425" tIns="91425" rIns="91425" bIns="91425" anchor="ctr" anchorCtr="0">
+            <a:noAutofit/>
+          </a:bodyPr>
+          <a:lstStyle/>
+          <a:p>
+            <a:pPr marL="0" lvl="0" indent="0" algn="l" rtl="0">
+              <a:lnSpc>
+                <a:spcPct val="115000"/>
+              </a:lnSpc>
+              <a:spcBef>
+                <a:spcPts val="0"/>
+              </a:spcBef>
+              <a:spcAft>
+                <a:spcPts val="1600"/>
+              </a:spcAft>
+              <a:buNone/>
+            </a:pPr>
+            <a:r>
+              <a:rPr lang="en" sz="1800">
+                <a:solidFill>
+                  <a:schemeClr val="dk1"/>
+                </a:solidFill>
+                <a:latin typeface="Times New Roman"/>
+                <a:ea typeface="Times New Roman"/>
+                <a:cs typeface="Times New Roman"/>
+                <a:sym typeface="Times New Roman"/>
+              </a:rPr>
+              <a:t>*Level of reliability is not part of the design because its kept constant at 50%.</a:t>
+            </a:r>
+            <a:endParaRPr sz="1800">
+              <a:solidFill>
+                <a:schemeClr val="dk1"/>
+              </a:solidFill>
+              <a:latin typeface="Times New Roman"/>
+              <a:ea typeface="Times New Roman"/>
+              <a:cs typeface="Times New Roman"/>
+              <a:sym typeface="Times New Roman"/>
+            </a:endParaRPr>
+          </a:p>
+        </p:txBody>
+      </p:sp>
+    </p:spTree>
+    <p:extLst>
+      <p:ext uri="{BB962C8B-B14F-4D97-AF65-F5344CB8AC3E}">
+        <p14:creationId xmlns:p14="http://schemas.microsoft.com/office/powerpoint/2010/main" val="3678947997"/>
+      </p:ext>
+    </p:extLst>
+  </p:cSld>
+  <p:clrMapOvr>
+    <a:masterClrMapping/>
+  </p:clrMapOvr>
+</p:sld>
+</file>
+
+<file path=ppt/slides/slide12.xml><?xml version="1.0" encoding="utf-8"?>
+<p:sld xmlns:a="http://schemas.openxmlformats.org/drawingml/2006/main" xmlns:r="http://schemas.openxmlformats.org/officeDocument/2006/relationships" xmlns:p="http://schemas.openxmlformats.org/presentationml/2006/main">
+  <p:cSld>
+    <p:spTree>
+      <p:nvGrpSpPr>
+        <p:cNvPr id="1" name="Shape 127"/>
+        <p:cNvGrpSpPr/>
+        <p:nvPr/>
+      </p:nvGrpSpPr>
+      <p:grpSpPr>
+        <a:xfrm>
+          <a:off x="0" y="0"/>
+          <a:ext cx="0" cy="0"/>
+          <a:chOff x="0" y="0"/>
+          <a:chExt cx="0" cy="0"/>
+        </a:xfrm>
+      </p:grpSpPr>
+      <p:sp>
+        <p:nvSpPr>
+          <p:cNvPr id="128" name="Google Shape;128;p24"/>
+          <p:cNvSpPr txBox="1">
+            <a:spLocks noGrp="1"/>
+          </p:cNvSpPr>
+          <p:nvPr>
+            <p:ph type="title"/>
+          </p:nvPr>
+        </p:nvSpPr>
+        <p:spPr>
+          <a:xfrm>
+            <a:off x="464100" y="521225"/>
+            <a:ext cx="8520600" cy="572700"/>
+          </a:xfrm>
+          <a:prstGeom prst="rect">
+            <a:avLst/>
+          </a:prstGeom>
+        </p:spPr>
+        <p:txBody>
+          <a:bodyPr spcFirstLastPara="1" wrap="square" lIns="91425" tIns="91425" rIns="91425" bIns="91425" anchor="t" anchorCtr="0">
+            <a:noAutofit/>
+          </a:bodyPr>
+          <a:lstStyle/>
+          <a:p>
+            <a:pPr marL="0" lvl="0" indent="0" algn="l" rtl="0">
+              <a:spcBef>
+                <a:spcPts val="0"/>
+              </a:spcBef>
+              <a:spcAft>
+                <a:spcPts val="0"/>
+              </a:spcAft>
+              <a:buNone/>
+            </a:pPr>
+            <a:r>
+              <a:rPr lang="en" b="1">
+                <a:latin typeface="Times New Roman"/>
+                <a:ea typeface="Times New Roman"/>
+                <a:cs typeface="Times New Roman"/>
+                <a:sym typeface="Times New Roman"/>
+              </a:rPr>
+              <a:t>Study Design Information</a:t>
+            </a:r>
+            <a:endParaRPr b="1">
+              <a:latin typeface="Times New Roman"/>
+              <a:ea typeface="Times New Roman"/>
+              <a:cs typeface="Times New Roman"/>
+              <a:sym typeface="Times New Roman"/>
+            </a:endParaRPr>
+          </a:p>
+        </p:txBody>
+      </p:sp>
+      <p:sp>
+        <p:nvSpPr>
+          <p:cNvPr id="129" name="Google Shape;129;p24"/>
+          <p:cNvSpPr txBox="1">
+            <a:spLocks noGrp="1"/>
+          </p:cNvSpPr>
+          <p:nvPr>
+            <p:ph type="body" idx="1"/>
+          </p:nvPr>
+        </p:nvSpPr>
+        <p:spPr>
+          <a:xfrm>
+            <a:off x="311700" y="1481625"/>
+            <a:ext cx="8433600" cy="3601800"/>
+          </a:xfrm>
+          <a:prstGeom prst="rect">
+            <a:avLst/>
+          </a:prstGeom>
+        </p:spPr>
+        <p:txBody>
+          <a:bodyPr spcFirstLastPara="1" wrap="square" lIns="91425" tIns="91425" rIns="91425" bIns="91425" anchor="t" anchorCtr="0">
+            <a:noAutofit/>
+          </a:bodyPr>
+          <a:lstStyle/>
+          <a:p>
+            <a:pPr marL="457200" lvl="0" indent="-342900" algn="l" rtl="0">
+              <a:spcBef>
+                <a:spcPts val="0"/>
+              </a:spcBef>
+              <a:spcAft>
+                <a:spcPts val="0"/>
+              </a:spcAft>
+              <a:buClr>
+                <a:srgbClr val="000000"/>
+              </a:buClr>
+              <a:buSzPts val="1800"/>
+              <a:buFont typeface="Times New Roman"/>
+              <a:buChar char="●"/>
+            </a:pPr>
+            <a:r>
+              <a:rPr lang="en">
+                <a:solidFill>
+                  <a:srgbClr val="000000"/>
+                </a:solidFill>
+                <a:latin typeface="Times New Roman"/>
+                <a:ea typeface="Times New Roman"/>
+                <a:cs typeface="Times New Roman"/>
+                <a:sym typeface="Times New Roman"/>
+              </a:rPr>
+              <a:t>Independent variables: Environmental conditions - safe and dangerous</a:t>
+            </a:r>
+            <a:endParaRPr>
+              <a:solidFill>
+                <a:srgbClr val="000000"/>
+              </a:solidFill>
+              <a:latin typeface="Times New Roman"/>
+              <a:ea typeface="Times New Roman"/>
+              <a:cs typeface="Times New Roman"/>
+              <a:sym typeface="Times New Roman"/>
+            </a:endParaRPr>
+          </a:p>
+          <a:p>
+            <a:pPr marL="457200" lvl="0" indent="-342900" algn="l" rtl="0">
+              <a:spcBef>
+                <a:spcPts val="0"/>
+              </a:spcBef>
+              <a:spcAft>
+                <a:spcPts val="0"/>
+              </a:spcAft>
+              <a:buClr>
+                <a:srgbClr val="000000"/>
+              </a:buClr>
+              <a:buSzPts val="1800"/>
+              <a:buFont typeface="Times New Roman"/>
+              <a:buChar char="●"/>
+            </a:pPr>
+            <a:r>
+              <a:rPr lang="en">
+                <a:solidFill>
+                  <a:srgbClr val="000000"/>
+                </a:solidFill>
+                <a:latin typeface="Times New Roman"/>
+                <a:ea typeface="Times New Roman"/>
+                <a:cs typeface="Times New Roman"/>
+                <a:sym typeface="Times New Roman"/>
+              </a:rPr>
+              <a:t>Quasi Independent variable: Level of Expertise (Novice and Experts), this variable cannot be randomly assigned and is an innate characteristic of the participants involved. </a:t>
+            </a:r>
+            <a:endParaRPr>
+              <a:solidFill>
+                <a:srgbClr val="000000"/>
+              </a:solidFill>
+              <a:latin typeface="Times New Roman"/>
+              <a:ea typeface="Times New Roman"/>
+              <a:cs typeface="Times New Roman"/>
+              <a:sym typeface="Times New Roman"/>
+            </a:endParaRPr>
+          </a:p>
+          <a:p>
+            <a:pPr marL="457200" lvl="0" indent="-342900" algn="l" rtl="0">
+              <a:spcBef>
+                <a:spcPts val="0"/>
+              </a:spcBef>
+              <a:spcAft>
+                <a:spcPts val="0"/>
+              </a:spcAft>
+              <a:buClr>
+                <a:srgbClr val="000000"/>
+              </a:buClr>
+              <a:buSzPts val="1800"/>
+              <a:buFont typeface="Times New Roman"/>
+              <a:buChar char="●"/>
+            </a:pPr>
+            <a:r>
+              <a:rPr lang="en">
+                <a:solidFill>
+                  <a:srgbClr val="000000"/>
+                </a:solidFill>
+                <a:latin typeface="Times New Roman"/>
+                <a:ea typeface="Times New Roman"/>
+                <a:cs typeface="Times New Roman"/>
+                <a:sym typeface="Times New Roman"/>
+              </a:rPr>
+              <a:t>Dependent variables: Participants’ level of trust on robot’s feedback; revised questionnaire from existing literature. </a:t>
+            </a:r>
+            <a:endParaRPr>
+              <a:solidFill>
+                <a:srgbClr val="000000"/>
+              </a:solidFill>
+              <a:latin typeface="Times New Roman"/>
+              <a:ea typeface="Times New Roman"/>
+              <a:cs typeface="Times New Roman"/>
+              <a:sym typeface="Times New Roman"/>
+            </a:endParaRPr>
+          </a:p>
+          <a:p>
+            <a:pPr marL="914400" lvl="1" indent="-317500" algn="l" rtl="0">
+              <a:spcBef>
+                <a:spcPts val="0"/>
+              </a:spcBef>
+              <a:spcAft>
+                <a:spcPts val="0"/>
+              </a:spcAft>
+              <a:buClr>
+                <a:srgbClr val="000000"/>
+              </a:buClr>
+              <a:buSzPts val="1400"/>
+              <a:buFont typeface="Times New Roman"/>
+              <a:buChar char="○"/>
+            </a:pPr>
+            <a:r>
+              <a:rPr lang="en">
+                <a:solidFill>
+                  <a:srgbClr val="000000"/>
+                </a:solidFill>
+                <a:latin typeface="Times New Roman"/>
+                <a:ea typeface="Times New Roman"/>
+                <a:cs typeface="Times New Roman"/>
+                <a:sym typeface="Times New Roman"/>
+              </a:rPr>
+              <a:t>Subjective Ratings of Autonomous Robots (S-RAR) questionnaire: </a:t>
+            </a:r>
+            <a:r>
+              <a:rPr lang="en">
+                <a:solidFill>
+                  <a:schemeClr val="dk1"/>
+                </a:solidFill>
+                <a:latin typeface="Times New Roman"/>
+                <a:ea typeface="Times New Roman"/>
+                <a:cs typeface="Times New Roman"/>
+                <a:sym typeface="Times New Roman"/>
+              </a:rPr>
+              <a:t>asks participants to rate robot on nine traits using a 6-point semantic differential scale. Example of bipolar adjectives includes: unreliable/reliable, untrustworthy/trustworthy, and etc. Participants were then asked to choose three scenarios, in which they believed humans working with aid from a robot would be more effective than humans working alone. </a:t>
+            </a:r>
+            <a:endParaRPr>
+              <a:solidFill>
+                <a:srgbClr val="000000"/>
+              </a:solidFill>
+              <a:latin typeface="Times New Roman"/>
+              <a:ea typeface="Times New Roman"/>
+              <a:cs typeface="Times New Roman"/>
+              <a:sym typeface="Times New Roman"/>
+            </a:endParaRPr>
+          </a:p>
+          <a:p>
+            <a:pPr marL="0" lvl="0" indent="0" algn="l" rtl="0">
+              <a:spcBef>
+                <a:spcPts val="1600"/>
+              </a:spcBef>
+              <a:spcAft>
+                <a:spcPts val="0"/>
+              </a:spcAft>
+              <a:buNone/>
+            </a:pPr>
+            <a:endParaRPr sz="2000">
+              <a:solidFill>
+                <a:srgbClr val="000000"/>
+              </a:solidFill>
+              <a:latin typeface="Times New Roman"/>
+              <a:ea typeface="Times New Roman"/>
+              <a:cs typeface="Times New Roman"/>
+              <a:sym typeface="Times New Roman"/>
+            </a:endParaRPr>
+          </a:p>
+          <a:p>
+            <a:pPr marL="0" lvl="0" indent="0" algn="l" rtl="0">
+              <a:spcBef>
+                <a:spcPts val="1600"/>
+              </a:spcBef>
+              <a:spcAft>
+                <a:spcPts val="0"/>
+              </a:spcAft>
+              <a:buNone/>
+            </a:pPr>
+            <a:endParaRPr sz="2000">
+              <a:solidFill>
+                <a:srgbClr val="000000"/>
+              </a:solidFill>
+              <a:latin typeface="Times New Roman"/>
+              <a:ea typeface="Times New Roman"/>
+              <a:cs typeface="Times New Roman"/>
+              <a:sym typeface="Times New Roman"/>
+            </a:endParaRPr>
+          </a:p>
+          <a:p>
+            <a:pPr marL="0" lvl="0" indent="0" algn="l" rtl="0">
+              <a:spcBef>
+                <a:spcPts val="1600"/>
+              </a:spcBef>
+              <a:spcAft>
+                <a:spcPts val="0"/>
+              </a:spcAft>
+              <a:buNone/>
+            </a:pPr>
+            <a:endParaRPr sz="2000">
+              <a:solidFill>
+                <a:srgbClr val="000000"/>
+              </a:solidFill>
+              <a:latin typeface="Times New Roman"/>
+              <a:ea typeface="Times New Roman"/>
+              <a:cs typeface="Times New Roman"/>
+              <a:sym typeface="Times New Roman"/>
+            </a:endParaRPr>
+          </a:p>
+          <a:p>
+            <a:pPr marL="0" lvl="0" indent="0" algn="l" rtl="0">
+              <a:spcBef>
+                <a:spcPts val="1600"/>
+              </a:spcBef>
+              <a:spcAft>
+                <a:spcPts val="1600"/>
+              </a:spcAft>
+              <a:buNone/>
+            </a:pPr>
+            <a:endParaRPr/>
+          </a:p>
+        </p:txBody>
+      </p:sp>
+      <p:pic>
+        <p:nvPicPr>
+          <p:cNvPr id="130" name="Google Shape;130;p24"/>
+          <p:cNvPicPr preferRelativeResize="0"/>
+          <p:nvPr/>
+        </p:nvPicPr>
+        <p:blipFill>
+          <a:blip r:embed="rId3">
+            <a:alphaModFix/>
+          </a:blip>
+          <a:stretch>
+            <a:fillRect/>
+          </a:stretch>
+        </p:blipFill>
+        <p:spPr>
+          <a:xfrm>
+            <a:off x="6962400" y="0"/>
+            <a:ext cx="2107999" cy="2107999"/>
+          </a:xfrm>
+          <a:prstGeom prst="rect">
+            <a:avLst/>
+          </a:prstGeom>
+          <a:noFill/>
+          <a:ln>
+            <a:noFill/>
+          </a:ln>
+        </p:spPr>
+      </p:pic>
+    </p:spTree>
+    <p:extLst>
+      <p:ext uri="{BB962C8B-B14F-4D97-AF65-F5344CB8AC3E}">
+        <p14:creationId xmlns:p14="http://schemas.microsoft.com/office/powerpoint/2010/main" val="479861185"/>
+      </p:ext>
+    </p:extLst>
+  </p:cSld>
+  <p:clrMapOvr>
+    <a:masterClrMapping/>
+  </p:clrMapOvr>
+</p:sld>
+</file>
+
+<file path=ppt/slides/slide13.xml><?xml version="1.0" encoding="utf-8"?>
+<p:sld xmlns:a="http://schemas.openxmlformats.org/drawingml/2006/main" xmlns:r="http://schemas.openxmlformats.org/officeDocument/2006/relationships" xmlns:p="http://schemas.openxmlformats.org/presentationml/2006/main">
+  <p:cSld>
+    <p:spTree>
+      <p:nvGrpSpPr>
+        <p:cNvPr id="1" name="Shape 134"/>
+        <p:cNvGrpSpPr/>
+        <p:nvPr/>
+      </p:nvGrpSpPr>
+      <p:grpSpPr>
+        <a:xfrm>
+          <a:off x="0" y="0"/>
+          <a:ext cx="0" cy="0"/>
+          <a:chOff x="0" y="0"/>
+          <a:chExt cx="0" cy="0"/>
+        </a:xfrm>
+      </p:grpSpPr>
+      <p:sp>
+        <p:nvSpPr>
+          <p:cNvPr id="135" name="Google Shape;135;p25"/>
           <p:cNvSpPr txBox="1">
             <a:spLocks noGrp="1"/>
           </p:cNvSpPr>
@@ -8243,15 +8719,15 @@
               <a:buNone/>
             </a:pPr>
             <a:r>
-              <a:rPr lang="en" sz="3600">
+              <a:rPr lang="en" b="1">
                 <a:latin typeface="Times New Roman"/>
                 <a:ea typeface="Times New Roman"/>
                 <a:cs typeface="Times New Roman"/>
                 <a:sym typeface="Times New Roman"/>
               </a:rPr>
-              <a:t>Previous Study Design</a:t>
+              <a:t>Model</a:t>
             </a:r>
-            <a:endParaRPr sz="3600">
+            <a:endParaRPr b="1">
               <a:latin typeface="Times New Roman"/>
               <a:ea typeface="Times New Roman"/>
               <a:cs typeface="Times New Roman"/>
@@ -8260,7 +8736,40 @@
           </a:p>
         </p:txBody>
       </p:sp>
+      <p:pic>
+        <p:nvPicPr>
+          <p:cNvPr id="136" name="Google Shape;136;p25"/>
+          <p:cNvPicPr preferRelativeResize="0"/>
+          <p:nvPr/>
+        </p:nvPicPr>
+        <p:blipFill>
+          <a:blip r:embed="rId3">
+            <a:alphaModFix/>
+          </a:blip>
+          <a:stretch>
+            <a:fillRect/>
+          </a:stretch>
+        </p:blipFill>
+        <p:spPr>
+          <a:xfrm>
+            <a:off x="1604950" y="214325"/>
+            <a:ext cx="7134250" cy="4531525"/>
+          </a:xfrm>
+          <a:prstGeom prst="rect">
+            <a:avLst/>
+          </a:prstGeom>
+          <a:noFill/>
+          <a:ln>
+            <a:noFill/>
+          </a:ln>
+        </p:spPr>
+      </p:pic>
     </p:spTree>
+    <p:extLst>
+      <p:ext uri="{BB962C8B-B14F-4D97-AF65-F5344CB8AC3E}">
+        <p14:creationId xmlns:p14="http://schemas.microsoft.com/office/powerpoint/2010/main" val="1837729558"/>
+      </p:ext>
+    </p:extLst>
   </p:cSld>
   <p:clrMapOvr>
     <a:masterClrMapping/>
@@ -8268,12 +8777,12 @@
 </p:sld>
 </file>
 
-<file path=ppt/slides/slide4.xml><?xml version="1.0" encoding="utf-8"?>
+<file path=ppt/slides/slide14.xml><?xml version="1.0" encoding="utf-8"?>
 <p:sld xmlns:a="http://schemas.openxmlformats.org/drawingml/2006/main" xmlns:r="http://schemas.openxmlformats.org/officeDocument/2006/relationships" xmlns:p="http://schemas.openxmlformats.org/presentationml/2006/main">
   <p:cSld>
     <p:spTree>
       <p:nvGrpSpPr>
-        <p:cNvPr id="1" name="Shape 72"/>
+        <p:cNvPr id="1" name="Shape 140"/>
         <p:cNvGrpSpPr/>
         <p:nvPr/>
       </p:nvGrpSpPr>
@@ -8287,7 +8796,7 @@
       </p:grpSpPr>
       <p:sp>
         <p:nvSpPr>
-          <p:cNvPr id="73" name="Google Shape;73;p16"/>
+          <p:cNvPr id="141" name="Google Shape;141;p26"/>
           <p:cNvSpPr txBox="1">
             <a:spLocks noGrp="1"/>
           </p:cNvSpPr>
@@ -8320,15 +8829,15 @@
               <a:buNone/>
             </a:pPr>
             <a:r>
-              <a:rPr lang="en" sz="3600">
+              <a:rPr lang="en" b="1">
                 <a:latin typeface="Times New Roman"/>
                 <a:ea typeface="Times New Roman"/>
                 <a:cs typeface="Times New Roman"/>
                 <a:sym typeface="Times New Roman"/>
               </a:rPr>
-              <a:t>Previous Research Findings</a:t>
+              <a:t>Results - Data Analysis</a:t>
             </a:r>
-            <a:endParaRPr sz="3600">
+            <a:endParaRPr b="1">
               <a:latin typeface="Times New Roman"/>
               <a:ea typeface="Times New Roman"/>
               <a:cs typeface="Times New Roman"/>
@@ -8339,7 +8848,7 @@
       </p:sp>
       <p:sp>
         <p:nvSpPr>
-          <p:cNvPr id="74" name="Google Shape;74;p16"/>
+          <p:cNvPr id="142" name="Google Shape;142;p26"/>
           <p:cNvSpPr txBox="1">
             <a:spLocks noGrp="1"/>
           </p:cNvSpPr>
@@ -8372,7 +8881,19 @@
               <a:buNone/>
             </a:pPr>
             <a:r>
-              <a:rPr lang="en" sz="2000">
+              <a:rPr lang="en">
+                <a:solidFill>
+                  <a:srgbClr val="000000"/>
+                </a:solidFill>
+                <a:latin typeface="Times New Roman"/>
+                <a:ea typeface="Times New Roman"/>
+                <a:cs typeface="Times New Roman"/>
+                <a:sym typeface="Times New Roman"/>
+              </a:rPr>
+              <a:t>Statistical Approach: </a:t>
+            </a:r>
+            <a:r>
+              <a:rPr lang="en">
                 <a:solidFill>
                   <a:schemeClr val="dk1"/>
                 </a:solidFill>
@@ -8381,28 +8902,8 @@
                 <a:cs typeface="Times New Roman"/>
                 <a:sym typeface="Times New Roman"/>
               </a:rPr>
-              <a:t>Results suggested that in dangerous environmental conditions, people may perceive unreliable diagnostic aiding automation (robots) more positively and showed more willingness to work with them.</a:t>
+              <a:t>To analyze the data collected from our research study, we will be utilizing Multivariate Analysis of Variance (MANOVA). MANOVA is useful and pertains to our research study because we looking at different dependent variables such as safe and dangerous environmental conditions, novice participants, and expert participants, all on the independent variable of fifty percent reliability. With the data gathered from our Qualtrics online survey, MANOVA testing can be carried out by using Statistical Package for the Social Sciences (SPSS) Statistics. SPSS Statistics is a powerful tool for manipulating and deciphering survey data.</a:t>
             </a:r>
-            <a:endParaRPr sz="2000">
-              <a:solidFill>
-                <a:schemeClr val="dk1"/>
-              </a:solidFill>
-              <a:latin typeface="Times New Roman"/>
-              <a:ea typeface="Times New Roman"/>
-              <a:cs typeface="Times New Roman"/>
-              <a:sym typeface="Times New Roman"/>
-            </a:endParaRPr>
-          </a:p>
-          <a:p>
-            <a:pPr marL="0" lvl="0" indent="0" algn="l" rtl="0">
-              <a:spcBef>
-                <a:spcPts val="1600"/>
-              </a:spcBef>
-              <a:spcAft>
-                <a:spcPts val="0"/>
-              </a:spcAft>
-              <a:buNone/>
-            </a:pPr>
             <a:endParaRPr>
               <a:solidFill>
                 <a:schemeClr val="dk1"/>
@@ -8419,135 +8920,20 @@
                 <a:spcPts val="1600"/>
               </a:spcBef>
               <a:spcAft>
-                <a:spcPts val="0"/>
-              </a:spcAft>
-              <a:buClr>
-                <a:schemeClr val="dk1"/>
-              </a:buClr>
-              <a:buSzPts val="1100"/>
-              <a:buFont typeface="Arial"/>
+                <a:spcPts val="1600"/>
+              </a:spcAft>
               <a:buNone/>
             </a:pPr>
-            <a:r>
-              <a:rPr lang="en" sz="1100">
-                <a:solidFill>
-                  <a:schemeClr val="dk1"/>
-                </a:solidFill>
-              </a:rPr>
-              <a:t>				</a:t>
-            </a:r>
-            <a:endParaRPr sz="1100">
-              <a:solidFill>
-                <a:schemeClr val="dk1"/>
-              </a:solidFill>
-            </a:endParaRPr>
-          </a:p>
-          <a:p>
-            <a:pPr marL="0" lvl="0" indent="0" algn="l" rtl="0">
-              <a:spcBef>
-                <a:spcPts val="1600"/>
-              </a:spcBef>
-              <a:spcAft>
-                <a:spcPts val="0"/>
-              </a:spcAft>
-              <a:buClr>
-                <a:schemeClr val="dk1"/>
-              </a:buClr>
-              <a:buSzPts val="1100"/>
-              <a:buFont typeface="Arial"/>
-              <a:buNone/>
-            </a:pPr>
-            <a:r>
-              <a:rPr lang="en" sz="1100">
-                <a:solidFill>
-                  <a:schemeClr val="dk1"/>
-                </a:solidFill>
-              </a:rPr>
-              <a:t>			</a:t>
-            </a:r>
-            <a:endParaRPr sz="1100">
-              <a:solidFill>
-                <a:schemeClr val="dk1"/>
-              </a:solidFill>
-            </a:endParaRPr>
-          </a:p>
-          <a:p>
-            <a:pPr marL="0" lvl="0" indent="0" algn="l" rtl="0">
-              <a:spcBef>
-                <a:spcPts val="1600"/>
-              </a:spcBef>
-              <a:spcAft>
-                <a:spcPts val="0"/>
-              </a:spcAft>
-              <a:buClr>
-                <a:schemeClr val="dk1"/>
-              </a:buClr>
-              <a:buSzPts val="1100"/>
-              <a:buFont typeface="Arial"/>
-              <a:buNone/>
-            </a:pPr>
-            <a:r>
-              <a:rPr lang="en" sz="1100">
-                <a:solidFill>
-                  <a:schemeClr val="dk1"/>
-                </a:solidFill>
-              </a:rPr>
-              <a:t>		</a:t>
-            </a:r>
-            <a:endParaRPr sz="1100">
-              <a:solidFill>
-                <a:schemeClr val="dk1"/>
-              </a:solidFill>
-            </a:endParaRPr>
-          </a:p>
-          <a:p>
-            <a:pPr marL="0" lvl="0" indent="0" algn="l" rtl="0">
-              <a:spcBef>
-                <a:spcPts val="1600"/>
-              </a:spcBef>
-              <a:spcAft>
-                <a:spcPts val="1600"/>
-              </a:spcAft>
-              <a:buNone/>
-            </a:pPr>
-            <a:endParaRPr>
-              <a:latin typeface="Times New Roman"/>
-              <a:ea typeface="Times New Roman"/>
-              <a:cs typeface="Times New Roman"/>
-              <a:sym typeface="Times New Roman"/>
-            </a:endParaRPr>
+            <a:endParaRPr/>
           </a:p>
         </p:txBody>
       </p:sp>
-      <p:pic>
-        <p:nvPicPr>
-          <p:cNvPr id="75" name="Google Shape;75;p16"/>
-          <p:cNvPicPr preferRelativeResize="0"/>
-          <p:nvPr/>
-        </p:nvPicPr>
-        <p:blipFill>
-          <a:blip r:embed="rId3">
-            <a:alphaModFix/>
-          </a:blip>
-          <a:stretch>
-            <a:fillRect/>
-          </a:stretch>
-        </p:blipFill>
-        <p:spPr>
-          <a:xfrm>
-            <a:off x="5481800" y="1885400"/>
-            <a:ext cx="3295549" cy="3181900"/>
-          </a:xfrm>
-          <a:prstGeom prst="rect">
-            <a:avLst/>
-          </a:prstGeom>
-          <a:noFill/>
-          <a:ln>
-            <a:noFill/>
-          </a:ln>
-        </p:spPr>
-      </p:pic>
     </p:spTree>
+    <p:extLst>
+      <p:ext uri="{BB962C8B-B14F-4D97-AF65-F5344CB8AC3E}">
+        <p14:creationId xmlns:p14="http://schemas.microsoft.com/office/powerpoint/2010/main" val="3240059443"/>
+      </p:ext>
+    </p:extLst>
   </p:cSld>
   <p:clrMapOvr>
     <a:masterClrMapping/>
@@ -8555,12 +8941,12 @@
 </p:sld>
 </file>
 
-<file path=ppt/slides/slide5.xml><?xml version="1.0" encoding="utf-8"?>
+<file path=ppt/slides/slide15.xml><?xml version="1.0" encoding="utf-8"?>
 <p:sld xmlns:a="http://schemas.openxmlformats.org/drawingml/2006/main" xmlns:r="http://schemas.openxmlformats.org/officeDocument/2006/relationships" xmlns:p="http://schemas.openxmlformats.org/presentationml/2006/main">
   <p:cSld>
     <p:spTree>
       <p:nvGrpSpPr>
-        <p:cNvPr id="1" name="Shape 79"/>
+        <p:cNvPr id="1" name="Shape 146"/>
         <p:cNvGrpSpPr/>
         <p:nvPr/>
       </p:nvGrpSpPr>
@@ -8574,7 +8960,1136 @@
       </p:grpSpPr>
       <p:sp>
         <p:nvSpPr>
-          <p:cNvPr id="80" name="Google Shape;80;p17"/>
+          <p:cNvPr id="147" name="Google Shape;147;p27"/>
+          <p:cNvSpPr txBox="1">
+            <a:spLocks noGrp="1"/>
+          </p:cNvSpPr>
+          <p:nvPr>
+            <p:ph type="title"/>
+          </p:nvPr>
+        </p:nvSpPr>
+        <p:spPr>
+          <a:xfrm>
+            <a:off x="311700" y="140225"/>
+            <a:ext cx="8520600" cy="572700"/>
+          </a:xfrm>
+          <a:prstGeom prst="rect">
+            <a:avLst/>
+          </a:prstGeom>
+        </p:spPr>
+        <p:txBody>
+          <a:bodyPr spcFirstLastPara="1" wrap="square" lIns="91425" tIns="91425" rIns="91425" bIns="91425" anchor="t" anchorCtr="0">
+            <a:noAutofit/>
+          </a:bodyPr>
+          <a:lstStyle/>
+          <a:p>
+            <a:pPr marL="0" lvl="0" indent="0" algn="l" rtl="0">
+              <a:spcBef>
+                <a:spcPts val="0"/>
+              </a:spcBef>
+              <a:spcAft>
+                <a:spcPts val="0"/>
+              </a:spcAft>
+              <a:buNone/>
+            </a:pPr>
+            <a:r>
+              <a:rPr lang="en" b="1">
+                <a:latin typeface="Times New Roman"/>
+                <a:ea typeface="Times New Roman"/>
+                <a:cs typeface="Times New Roman"/>
+                <a:sym typeface="Times New Roman"/>
+              </a:rPr>
+              <a:t>Completed Plan of Action </a:t>
+            </a:r>
+            <a:endParaRPr b="1">
+              <a:latin typeface="Times New Roman"/>
+              <a:ea typeface="Times New Roman"/>
+              <a:cs typeface="Times New Roman"/>
+              <a:sym typeface="Times New Roman"/>
+            </a:endParaRPr>
+          </a:p>
+        </p:txBody>
+      </p:sp>
+      <p:sp>
+        <p:nvSpPr>
+          <p:cNvPr id="148" name="Google Shape;148;p27"/>
+          <p:cNvSpPr txBox="1">
+            <a:spLocks noGrp="1"/>
+          </p:cNvSpPr>
+          <p:nvPr>
+            <p:ph type="body" idx="1"/>
+          </p:nvPr>
+        </p:nvSpPr>
+        <p:spPr>
+          <a:xfrm>
+            <a:off x="311700" y="771475"/>
+            <a:ext cx="8520600" cy="4295700"/>
+          </a:xfrm>
+          <a:prstGeom prst="rect">
+            <a:avLst/>
+          </a:prstGeom>
+        </p:spPr>
+        <p:txBody>
+          <a:bodyPr spcFirstLastPara="1" wrap="square" lIns="91425" tIns="91425" rIns="91425" bIns="91425" anchor="t" anchorCtr="0">
+            <a:noAutofit/>
+          </a:bodyPr>
+          <a:lstStyle/>
+          <a:p>
+            <a:pPr marL="457200" lvl="0" indent="-342900" algn="l" rtl="0">
+              <a:spcBef>
+                <a:spcPts val="0"/>
+              </a:spcBef>
+              <a:spcAft>
+                <a:spcPts val="0"/>
+              </a:spcAft>
+              <a:buClr>
+                <a:srgbClr val="000000"/>
+              </a:buClr>
+              <a:buSzPts val="1800"/>
+              <a:buFont typeface="Times New Roman"/>
+              <a:buChar char="●"/>
+            </a:pPr>
+            <a:r>
+              <a:rPr lang="en">
+                <a:solidFill>
+                  <a:srgbClr val="000000"/>
+                </a:solidFill>
+                <a:latin typeface="Times New Roman"/>
+                <a:ea typeface="Times New Roman"/>
+                <a:cs typeface="Times New Roman"/>
+                <a:sym typeface="Times New Roman"/>
+              </a:rPr>
+              <a:t>Determined the definitions of novice and experts based on literature review on levels of expertise.</a:t>
+            </a:r>
+            <a:endParaRPr>
+              <a:solidFill>
+                <a:srgbClr val="000000"/>
+              </a:solidFill>
+              <a:latin typeface="Times New Roman"/>
+              <a:ea typeface="Times New Roman"/>
+              <a:cs typeface="Times New Roman"/>
+              <a:sym typeface="Times New Roman"/>
+            </a:endParaRPr>
+          </a:p>
+          <a:p>
+            <a:pPr marL="457200" lvl="0" indent="-342900" algn="l" rtl="0">
+              <a:spcBef>
+                <a:spcPts val="0"/>
+              </a:spcBef>
+              <a:spcAft>
+                <a:spcPts val="0"/>
+              </a:spcAft>
+              <a:buClr>
+                <a:srgbClr val="000000"/>
+              </a:buClr>
+              <a:buSzPts val="1800"/>
+              <a:buFont typeface="Times New Roman"/>
+              <a:buChar char="●"/>
+            </a:pPr>
+            <a:r>
+              <a:rPr lang="en">
+                <a:solidFill>
+                  <a:srgbClr val="000000"/>
+                </a:solidFill>
+                <a:latin typeface="Times New Roman"/>
+                <a:ea typeface="Times New Roman"/>
+                <a:cs typeface="Times New Roman"/>
+                <a:sym typeface="Times New Roman"/>
+              </a:rPr>
+              <a:t>Revised stimuli, which includes reading materials and describing the purpose, capabilities, reliability, and operational environments of a fictitious robotic teammate. </a:t>
+            </a:r>
+            <a:endParaRPr>
+              <a:solidFill>
+                <a:srgbClr val="000000"/>
+              </a:solidFill>
+              <a:latin typeface="Times New Roman"/>
+              <a:ea typeface="Times New Roman"/>
+              <a:cs typeface="Times New Roman"/>
+              <a:sym typeface="Times New Roman"/>
+            </a:endParaRPr>
+          </a:p>
+          <a:p>
+            <a:pPr marL="457200" lvl="0" indent="-342900" algn="l" rtl="0">
+              <a:spcBef>
+                <a:spcPts val="0"/>
+              </a:spcBef>
+              <a:spcAft>
+                <a:spcPts val="0"/>
+              </a:spcAft>
+              <a:buClr>
+                <a:srgbClr val="000000"/>
+              </a:buClr>
+              <a:buSzPts val="1800"/>
+              <a:buFont typeface="Times New Roman"/>
+              <a:buChar char="●"/>
+            </a:pPr>
+            <a:r>
+              <a:rPr lang="en">
+                <a:solidFill>
+                  <a:srgbClr val="000000"/>
+                </a:solidFill>
+                <a:latin typeface="Times New Roman"/>
+                <a:ea typeface="Times New Roman"/>
+                <a:cs typeface="Times New Roman"/>
+                <a:sym typeface="Times New Roman"/>
+              </a:rPr>
+              <a:t>Revised questionnaire to better assess whether levels of expertise find automation reliable or unreliable.</a:t>
+            </a:r>
+            <a:endParaRPr>
+              <a:solidFill>
+                <a:srgbClr val="000000"/>
+              </a:solidFill>
+              <a:latin typeface="Times New Roman"/>
+              <a:ea typeface="Times New Roman"/>
+              <a:cs typeface="Times New Roman"/>
+              <a:sym typeface="Times New Roman"/>
+            </a:endParaRPr>
+          </a:p>
+          <a:p>
+            <a:pPr marL="914400" lvl="1" indent="-317500" algn="l" rtl="0">
+              <a:spcBef>
+                <a:spcPts val="0"/>
+              </a:spcBef>
+              <a:spcAft>
+                <a:spcPts val="0"/>
+              </a:spcAft>
+              <a:buClr>
+                <a:srgbClr val="000000"/>
+              </a:buClr>
+              <a:buSzPts val="1400"/>
+              <a:buFont typeface="Times New Roman"/>
+              <a:buChar char="○"/>
+            </a:pPr>
+            <a:r>
+              <a:rPr lang="en">
+                <a:solidFill>
+                  <a:srgbClr val="000000"/>
+                </a:solidFill>
+                <a:latin typeface="Times New Roman"/>
+                <a:ea typeface="Times New Roman"/>
+                <a:cs typeface="Times New Roman"/>
+                <a:sym typeface="Times New Roman"/>
+              </a:rPr>
+              <a:t>Implemented questionnaire into Qualtrics online survey</a:t>
+            </a:r>
+            <a:endParaRPr>
+              <a:solidFill>
+                <a:srgbClr val="000000"/>
+              </a:solidFill>
+              <a:latin typeface="Times New Roman"/>
+              <a:ea typeface="Times New Roman"/>
+              <a:cs typeface="Times New Roman"/>
+              <a:sym typeface="Times New Roman"/>
+            </a:endParaRPr>
+          </a:p>
+          <a:p>
+            <a:pPr marL="457200" lvl="0" indent="-342900" algn="l" rtl="0">
+              <a:spcBef>
+                <a:spcPts val="0"/>
+              </a:spcBef>
+              <a:spcAft>
+                <a:spcPts val="0"/>
+              </a:spcAft>
+              <a:buClr>
+                <a:srgbClr val="000000"/>
+              </a:buClr>
+              <a:buSzPts val="1800"/>
+              <a:buFont typeface="Times New Roman"/>
+              <a:buChar char="●"/>
+            </a:pPr>
+            <a:r>
+              <a:rPr lang="en">
+                <a:solidFill>
+                  <a:srgbClr val="000000"/>
+                </a:solidFill>
+                <a:latin typeface="Times New Roman"/>
+                <a:ea typeface="Times New Roman"/>
+                <a:cs typeface="Times New Roman"/>
+                <a:sym typeface="Times New Roman"/>
+              </a:rPr>
+              <a:t>Developed UCF IRB submission with related study materials such as:</a:t>
+            </a:r>
+            <a:endParaRPr>
+              <a:solidFill>
+                <a:srgbClr val="000000"/>
+              </a:solidFill>
+              <a:latin typeface="Times New Roman"/>
+              <a:ea typeface="Times New Roman"/>
+              <a:cs typeface="Times New Roman"/>
+              <a:sym typeface="Times New Roman"/>
+            </a:endParaRPr>
+          </a:p>
+          <a:p>
+            <a:pPr marL="914400" marR="0" lvl="1" indent="-342900" algn="l" rtl="0">
+              <a:lnSpc>
+                <a:spcPct val="115000"/>
+              </a:lnSpc>
+              <a:spcBef>
+                <a:spcPts val="0"/>
+              </a:spcBef>
+              <a:spcAft>
+                <a:spcPts val="0"/>
+              </a:spcAft>
+              <a:buClr>
+                <a:srgbClr val="000000"/>
+              </a:buClr>
+              <a:buSzPts val="1800"/>
+              <a:buFont typeface="Times New Roman"/>
+              <a:buChar char="○"/>
+            </a:pPr>
+            <a:r>
+              <a:rPr lang="en">
+                <a:solidFill>
+                  <a:srgbClr val="000000"/>
+                </a:solidFill>
+                <a:latin typeface="Times New Roman"/>
+                <a:ea typeface="Times New Roman"/>
+                <a:cs typeface="Times New Roman"/>
+                <a:sym typeface="Times New Roman"/>
+              </a:rPr>
+              <a:t>UCF IRB Submission</a:t>
+            </a:r>
+            <a:endParaRPr>
+              <a:solidFill>
+                <a:srgbClr val="000000"/>
+              </a:solidFill>
+              <a:latin typeface="Times New Roman"/>
+              <a:ea typeface="Times New Roman"/>
+              <a:cs typeface="Times New Roman"/>
+              <a:sym typeface="Times New Roman"/>
+            </a:endParaRPr>
+          </a:p>
+          <a:p>
+            <a:pPr marL="914400" lvl="1" indent="-330200" algn="l" rtl="0">
+              <a:spcBef>
+                <a:spcPts val="0"/>
+              </a:spcBef>
+              <a:spcAft>
+                <a:spcPts val="0"/>
+              </a:spcAft>
+              <a:buClr>
+                <a:srgbClr val="000000"/>
+              </a:buClr>
+              <a:buSzPts val="1600"/>
+              <a:buFont typeface="Times New Roman"/>
+              <a:buChar char="○"/>
+            </a:pPr>
+            <a:r>
+              <a:rPr lang="en" sz="1600">
+                <a:solidFill>
+                  <a:srgbClr val="000000"/>
+                </a:solidFill>
+                <a:latin typeface="Times New Roman"/>
+                <a:ea typeface="Times New Roman"/>
+                <a:cs typeface="Times New Roman"/>
+                <a:sym typeface="Times New Roman"/>
+              </a:rPr>
+              <a:t>irb_HRP-503 - Protocol</a:t>
+            </a:r>
+            <a:endParaRPr sz="1600">
+              <a:solidFill>
+                <a:srgbClr val="000000"/>
+              </a:solidFill>
+              <a:latin typeface="Times New Roman"/>
+              <a:ea typeface="Times New Roman"/>
+              <a:cs typeface="Times New Roman"/>
+              <a:sym typeface="Times New Roman"/>
+            </a:endParaRPr>
+          </a:p>
+          <a:p>
+            <a:pPr marL="914400" lvl="1" indent="-330200" algn="l" rtl="0">
+              <a:spcBef>
+                <a:spcPts val="0"/>
+              </a:spcBef>
+              <a:spcAft>
+                <a:spcPts val="0"/>
+              </a:spcAft>
+              <a:buClr>
+                <a:srgbClr val="000000"/>
+              </a:buClr>
+              <a:buSzPts val="1600"/>
+              <a:buFont typeface="Times New Roman"/>
+              <a:buChar char="○"/>
+            </a:pPr>
+            <a:r>
+              <a:rPr lang="en" sz="1600">
+                <a:solidFill>
+                  <a:srgbClr val="000000"/>
+                </a:solidFill>
+                <a:latin typeface="Times New Roman"/>
+                <a:ea typeface="Times New Roman"/>
+                <a:cs typeface="Times New Roman"/>
+                <a:sym typeface="Times New Roman"/>
+              </a:rPr>
+              <a:t>irb_HRP-502 - Informed Consent</a:t>
+            </a:r>
+            <a:endParaRPr sz="1600">
+              <a:solidFill>
+                <a:srgbClr val="000000"/>
+              </a:solidFill>
+              <a:latin typeface="Times New Roman"/>
+              <a:ea typeface="Times New Roman"/>
+              <a:cs typeface="Times New Roman"/>
+              <a:sym typeface="Times New Roman"/>
+            </a:endParaRPr>
+          </a:p>
+          <a:p>
+            <a:pPr marL="914400" lvl="1" indent="-330200" algn="l" rtl="0">
+              <a:spcBef>
+                <a:spcPts val="0"/>
+              </a:spcBef>
+              <a:spcAft>
+                <a:spcPts val="0"/>
+              </a:spcAft>
+              <a:buClr>
+                <a:srgbClr val="000000"/>
+              </a:buClr>
+              <a:buSzPts val="1600"/>
+              <a:buFont typeface="Times New Roman"/>
+              <a:buChar char="○"/>
+            </a:pPr>
+            <a:r>
+              <a:rPr lang="en" sz="1600">
+                <a:solidFill>
+                  <a:srgbClr val="000000"/>
+                </a:solidFill>
+                <a:latin typeface="Times New Roman"/>
+                <a:ea typeface="Times New Roman"/>
+                <a:cs typeface="Times New Roman"/>
+                <a:sym typeface="Times New Roman"/>
+              </a:rPr>
+              <a:t>irb_HRP-509 - Explanation of Research</a:t>
+            </a:r>
+            <a:endParaRPr sz="1600">
+              <a:solidFill>
+                <a:srgbClr val="000000"/>
+              </a:solidFill>
+              <a:latin typeface="Times New Roman"/>
+              <a:ea typeface="Times New Roman"/>
+              <a:cs typeface="Times New Roman"/>
+              <a:sym typeface="Times New Roman"/>
+            </a:endParaRPr>
+          </a:p>
+          <a:p>
+            <a:pPr marL="914400" lvl="1" indent="-330200" algn="l" rtl="0">
+              <a:spcBef>
+                <a:spcPts val="0"/>
+              </a:spcBef>
+              <a:spcAft>
+                <a:spcPts val="0"/>
+              </a:spcAft>
+              <a:buClr>
+                <a:srgbClr val="000000"/>
+              </a:buClr>
+              <a:buSzPts val="1600"/>
+              <a:buFont typeface="Times New Roman"/>
+              <a:buChar char="○"/>
+            </a:pPr>
+            <a:r>
+              <a:rPr lang="en" sz="1600">
+                <a:solidFill>
+                  <a:srgbClr val="000000"/>
+                </a:solidFill>
+                <a:latin typeface="Times New Roman"/>
+                <a:ea typeface="Times New Roman"/>
+                <a:cs typeface="Times New Roman"/>
+                <a:sym typeface="Times New Roman"/>
+              </a:rPr>
+              <a:t>Post-Participation Information Form</a:t>
+            </a:r>
+            <a:endParaRPr sz="1600">
+              <a:solidFill>
+                <a:srgbClr val="000000"/>
+              </a:solidFill>
+              <a:latin typeface="Times New Roman"/>
+              <a:ea typeface="Times New Roman"/>
+              <a:cs typeface="Times New Roman"/>
+              <a:sym typeface="Times New Roman"/>
+            </a:endParaRPr>
+          </a:p>
+          <a:p>
+            <a:pPr marL="457200" lvl="0" indent="-342900" algn="l" rtl="0">
+              <a:spcBef>
+                <a:spcPts val="0"/>
+              </a:spcBef>
+              <a:spcAft>
+                <a:spcPts val="0"/>
+              </a:spcAft>
+              <a:buClr>
+                <a:srgbClr val="000000"/>
+              </a:buClr>
+              <a:buSzPts val="1800"/>
+              <a:buFont typeface="Times New Roman"/>
+              <a:buChar char="●"/>
+            </a:pPr>
+            <a:r>
+              <a:rPr lang="en">
+                <a:solidFill>
+                  <a:srgbClr val="000000"/>
+                </a:solidFill>
+                <a:latin typeface="Times New Roman"/>
+                <a:ea typeface="Times New Roman"/>
+                <a:cs typeface="Times New Roman"/>
+                <a:sym typeface="Times New Roman"/>
+              </a:rPr>
+              <a:t>Completed final draft readme file/paper on Github</a:t>
+            </a:r>
+            <a:endParaRPr>
+              <a:solidFill>
+                <a:srgbClr val="000000"/>
+              </a:solidFill>
+              <a:latin typeface="Times New Roman"/>
+              <a:ea typeface="Times New Roman"/>
+              <a:cs typeface="Times New Roman"/>
+              <a:sym typeface="Times New Roman"/>
+            </a:endParaRPr>
+          </a:p>
+          <a:p>
+            <a:pPr marL="914400" lvl="0" indent="0" algn="l" rtl="0">
+              <a:spcBef>
+                <a:spcPts val="1600"/>
+              </a:spcBef>
+              <a:spcAft>
+                <a:spcPts val="1600"/>
+              </a:spcAft>
+              <a:buNone/>
+            </a:pPr>
+            <a:endParaRPr sz="1600">
+              <a:solidFill>
+                <a:srgbClr val="000000"/>
+              </a:solidFill>
+              <a:latin typeface="Times New Roman"/>
+              <a:ea typeface="Times New Roman"/>
+              <a:cs typeface="Times New Roman"/>
+              <a:sym typeface="Times New Roman"/>
+            </a:endParaRPr>
+          </a:p>
+        </p:txBody>
+      </p:sp>
+    </p:spTree>
+    <p:extLst>
+      <p:ext uri="{BB962C8B-B14F-4D97-AF65-F5344CB8AC3E}">
+        <p14:creationId xmlns:p14="http://schemas.microsoft.com/office/powerpoint/2010/main" val="3844618322"/>
+      </p:ext>
+    </p:extLst>
+  </p:cSld>
+  <p:clrMapOvr>
+    <a:masterClrMapping/>
+  </p:clrMapOvr>
+</p:sld>
+</file>
+
+<file path=ppt/slides/slide16.xml><?xml version="1.0" encoding="utf-8"?>
+<p:sld xmlns:a="http://schemas.openxmlformats.org/drawingml/2006/main" xmlns:r="http://schemas.openxmlformats.org/officeDocument/2006/relationships" xmlns:p="http://schemas.openxmlformats.org/presentationml/2006/main">
+  <p:cSld>
+    <p:spTree>
+      <p:nvGrpSpPr>
+        <p:cNvPr id="1" name="Shape 152"/>
+        <p:cNvGrpSpPr/>
+        <p:nvPr/>
+      </p:nvGrpSpPr>
+      <p:grpSpPr>
+        <a:xfrm>
+          <a:off x="0" y="0"/>
+          <a:ext cx="0" cy="0"/>
+          <a:chOff x="0" y="0"/>
+          <a:chExt cx="0" cy="0"/>
+        </a:xfrm>
+      </p:grpSpPr>
+      <p:sp>
+        <p:nvSpPr>
+          <p:cNvPr id="153" name="Google Shape;153;p28"/>
+          <p:cNvSpPr txBox="1">
+            <a:spLocks noGrp="1"/>
+          </p:cNvSpPr>
+          <p:nvPr>
+            <p:ph type="title"/>
+          </p:nvPr>
+        </p:nvSpPr>
+        <p:spPr>
+          <a:xfrm>
+            <a:off x="311700" y="140225"/>
+            <a:ext cx="8520600" cy="572700"/>
+          </a:xfrm>
+          <a:prstGeom prst="rect">
+            <a:avLst/>
+          </a:prstGeom>
+        </p:spPr>
+        <p:txBody>
+          <a:bodyPr spcFirstLastPara="1" wrap="square" lIns="91425" tIns="91425" rIns="91425" bIns="91425" anchor="t" anchorCtr="0">
+            <a:noAutofit/>
+          </a:bodyPr>
+          <a:lstStyle/>
+          <a:p>
+            <a:pPr marL="0" lvl="0" indent="0" algn="l" rtl="0">
+              <a:spcBef>
+                <a:spcPts val="0"/>
+              </a:spcBef>
+              <a:spcAft>
+                <a:spcPts val="0"/>
+              </a:spcAft>
+              <a:buNone/>
+            </a:pPr>
+            <a:r>
+              <a:rPr lang="en" b="1">
+                <a:latin typeface="Times New Roman"/>
+                <a:ea typeface="Times New Roman"/>
+                <a:cs typeface="Times New Roman"/>
+                <a:sym typeface="Times New Roman"/>
+              </a:rPr>
+              <a:t>Future Plan of Action </a:t>
+            </a:r>
+            <a:endParaRPr b="1">
+              <a:latin typeface="Times New Roman"/>
+              <a:ea typeface="Times New Roman"/>
+              <a:cs typeface="Times New Roman"/>
+              <a:sym typeface="Times New Roman"/>
+            </a:endParaRPr>
+          </a:p>
+        </p:txBody>
+      </p:sp>
+      <p:sp>
+        <p:nvSpPr>
+          <p:cNvPr id="154" name="Google Shape;154;p28"/>
+          <p:cNvSpPr txBox="1">
+            <a:spLocks noGrp="1"/>
+          </p:cNvSpPr>
+          <p:nvPr>
+            <p:ph type="body" idx="1"/>
+          </p:nvPr>
+        </p:nvSpPr>
+        <p:spPr>
+          <a:xfrm>
+            <a:off x="311700" y="771475"/>
+            <a:ext cx="8520600" cy="4219500"/>
+          </a:xfrm>
+          <a:prstGeom prst="rect">
+            <a:avLst/>
+          </a:prstGeom>
+        </p:spPr>
+        <p:txBody>
+          <a:bodyPr spcFirstLastPara="1" wrap="square" lIns="91425" tIns="91425" rIns="91425" bIns="91425" anchor="t" anchorCtr="0">
+            <a:noAutofit/>
+          </a:bodyPr>
+          <a:lstStyle/>
+          <a:p>
+            <a:pPr marL="457200" marR="0" lvl="0" indent="-342900" algn="l" rtl="0">
+              <a:lnSpc>
+                <a:spcPct val="115000"/>
+              </a:lnSpc>
+              <a:spcBef>
+                <a:spcPts val="0"/>
+              </a:spcBef>
+              <a:spcAft>
+                <a:spcPts val="0"/>
+              </a:spcAft>
+              <a:buClr>
+                <a:schemeClr val="dk1"/>
+              </a:buClr>
+              <a:buSzPts val="1800"/>
+              <a:buFont typeface="Times New Roman"/>
+              <a:buChar char="●"/>
+            </a:pPr>
+            <a:r>
+              <a:rPr lang="en">
+                <a:solidFill>
+                  <a:schemeClr val="dk1"/>
+                </a:solidFill>
+                <a:latin typeface="Times New Roman"/>
+                <a:ea typeface="Times New Roman"/>
+                <a:cs typeface="Times New Roman"/>
+                <a:sym typeface="Times New Roman"/>
+              </a:rPr>
+              <a:t>Before submitting our UCF IRB protocol we need to address these administrative tasks:</a:t>
+            </a:r>
+            <a:endParaRPr>
+              <a:solidFill>
+                <a:schemeClr val="dk1"/>
+              </a:solidFill>
+              <a:latin typeface="Times New Roman"/>
+              <a:ea typeface="Times New Roman"/>
+              <a:cs typeface="Times New Roman"/>
+              <a:sym typeface="Times New Roman"/>
+            </a:endParaRPr>
+          </a:p>
+          <a:p>
+            <a:pPr marL="914400" marR="0" lvl="1" indent="-317500" algn="l" rtl="0">
+              <a:lnSpc>
+                <a:spcPct val="115000"/>
+              </a:lnSpc>
+              <a:spcBef>
+                <a:spcPts val="0"/>
+              </a:spcBef>
+              <a:spcAft>
+                <a:spcPts val="0"/>
+              </a:spcAft>
+              <a:buClr>
+                <a:schemeClr val="dk1"/>
+              </a:buClr>
+              <a:buSzPts val="1400"/>
+              <a:buFont typeface="Times New Roman"/>
+              <a:buChar char="○"/>
+            </a:pPr>
+            <a:r>
+              <a:rPr lang="en">
+                <a:solidFill>
+                  <a:schemeClr val="dk1"/>
+                </a:solidFill>
+                <a:latin typeface="Times New Roman"/>
+                <a:ea typeface="Times New Roman"/>
+                <a:cs typeface="Times New Roman"/>
+                <a:sym typeface="Times New Roman"/>
+              </a:rPr>
+              <a:t>Ensure that all personnel involved in data collection have the appropriate training:</a:t>
+            </a:r>
+            <a:endParaRPr>
+              <a:solidFill>
+                <a:schemeClr val="dk1"/>
+              </a:solidFill>
+              <a:latin typeface="Times New Roman"/>
+              <a:ea typeface="Times New Roman"/>
+              <a:cs typeface="Times New Roman"/>
+              <a:sym typeface="Times New Roman"/>
+            </a:endParaRPr>
+          </a:p>
+          <a:p>
+            <a:pPr marL="1371600" marR="0" lvl="2" indent="-317500" algn="l" rtl="0">
+              <a:lnSpc>
+                <a:spcPct val="115000"/>
+              </a:lnSpc>
+              <a:spcBef>
+                <a:spcPts val="0"/>
+              </a:spcBef>
+              <a:spcAft>
+                <a:spcPts val="0"/>
+              </a:spcAft>
+              <a:buClr>
+                <a:schemeClr val="dk1"/>
+              </a:buClr>
+              <a:buSzPts val="1400"/>
+              <a:buFont typeface="Times New Roman"/>
+              <a:buChar char="■"/>
+            </a:pPr>
+            <a:r>
+              <a:rPr lang="en">
+                <a:solidFill>
+                  <a:schemeClr val="dk1"/>
+                </a:solidFill>
+                <a:latin typeface="Times New Roman"/>
+                <a:ea typeface="Times New Roman"/>
+                <a:cs typeface="Times New Roman"/>
+                <a:sym typeface="Times New Roman"/>
+              </a:rPr>
+              <a:t>CITI training</a:t>
+            </a:r>
+            <a:endParaRPr>
+              <a:solidFill>
+                <a:schemeClr val="dk1"/>
+              </a:solidFill>
+              <a:latin typeface="Times New Roman"/>
+              <a:ea typeface="Times New Roman"/>
+              <a:cs typeface="Times New Roman"/>
+              <a:sym typeface="Times New Roman"/>
+            </a:endParaRPr>
+          </a:p>
+          <a:p>
+            <a:pPr marL="1371600" marR="0" lvl="2" indent="-317500" algn="l" rtl="0">
+              <a:lnSpc>
+                <a:spcPct val="115000"/>
+              </a:lnSpc>
+              <a:spcBef>
+                <a:spcPts val="0"/>
+              </a:spcBef>
+              <a:spcAft>
+                <a:spcPts val="0"/>
+              </a:spcAft>
+              <a:buClr>
+                <a:schemeClr val="dk1"/>
+              </a:buClr>
+              <a:buSzPts val="1400"/>
+              <a:buFont typeface="Times New Roman"/>
+              <a:buChar char="■"/>
+            </a:pPr>
+            <a:r>
+              <a:rPr lang="en">
+                <a:solidFill>
+                  <a:schemeClr val="dk1"/>
+                </a:solidFill>
+                <a:latin typeface="Times New Roman"/>
+                <a:ea typeface="Times New Roman"/>
+                <a:cs typeface="Times New Roman"/>
+                <a:sym typeface="Times New Roman"/>
+              </a:rPr>
+              <a:t>IRIS account</a:t>
+            </a:r>
+            <a:endParaRPr>
+              <a:solidFill>
+                <a:schemeClr val="dk1"/>
+              </a:solidFill>
+              <a:latin typeface="Times New Roman"/>
+              <a:ea typeface="Times New Roman"/>
+              <a:cs typeface="Times New Roman"/>
+              <a:sym typeface="Times New Roman"/>
+            </a:endParaRPr>
+          </a:p>
+          <a:p>
+            <a:pPr marL="1371600" marR="0" lvl="2" indent="-317500" algn="l" rtl="0">
+              <a:lnSpc>
+                <a:spcPct val="115000"/>
+              </a:lnSpc>
+              <a:spcBef>
+                <a:spcPts val="0"/>
+              </a:spcBef>
+              <a:spcAft>
+                <a:spcPts val="0"/>
+              </a:spcAft>
+              <a:buClr>
+                <a:schemeClr val="dk1"/>
+              </a:buClr>
+              <a:buSzPts val="1400"/>
+              <a:buFont typeface="Times New Roman"/>
+              <a:buChar char="■"/>
+            </a:pPr>
+            <a:r>
+              <a:rPr lang="en">
+                <a:solidFill>
+                  <a:schemeClr val="dk1"/>
+                </a:solidFill>
+                <a:latin typeface="Times New Roman"/>
+                <a:ea typeface="Times New Roman"/>
+                <a:cs typeface="Times New Roman"/>
+                <a:sym typeface="Times New Roman"/>
+              </a:rPr>
+              <a:t>SONA researcher account</a:t>
+            </a:r>
+            <a:endParaRPr>
+              <a:solidFill>
+                <a:schemeClr val="dk1"/>
+              </a:solidFill>
+              <a:latin typeface="Times New Roman"/>
+              <a:ea typeface="Times New Roman"/>
+              <a:cs typeface="Times New Roman"/>
+              <a:sym typeface="Times New Roman"/>
+            </a:endParaRPr>
+          </a:p>
+          <a:p>
+            <a:pPr marL="457200" marR="0" lvl="0" indent="-342900" algn="l" rtl="0">
+              <a:lnSpc>
+                <a:spcPct val="115000"/>
+              </a:lnSpc>
+              <a:spcBef>
+                <a:spcPts val="0"/>
+              </a:spcBef>
+              <a:spcAft>
+                <a:spcPts val="0"/>
+              </a:spcAft>
+              <a:buClr>
+                <a:schemeClr val="dk1"/>
+              </a:buClr>
+              <a:buSzPts val="1800"/>
+              <a:buFont typeface="Times New Roman"/>
+              <a:buChar char="●"/>
+            </a:pPr>
+            <a:r>
+              <a:rPr lang="en">
+                <a:solidFill>
+                  <a:schemeClr val="dk1"/>
+                </a:solidFill>
+                <a:latin typeface="Times New Roman"/>
+                <a:ea typeface="Times New Roman"/>
+                <a:cs typeface="Times New Roman"/>
+                <a:sym typeface="Times New Roman"/>
+              </a:rPr>
+              <a:t>Submit UCF IRB protocol and related materials (informed consent, post-participation information form, stimuli, etc.)</a:t>
+            </a:r>
+            <a:endParaRPr>
+              <a:solidFill>
+                <a:schemeClr val="dk1"/>
+              </a:solidFill>
+              <a:latin typeface="Times New Roman"/>
+              <a:ea typeface="Times New Roman"/>
+              <a:cs typeface="Times New Roman"/>
+              <a:sym typeface="Times New Roman"/>
+            </a:endParaRPr>
+          </a:p>
+          <a:p>
+            <a:pPr marL="457200" marR="0" lvl="0" indent="-342900" algn="l" rtl="0">
+              <a:lnSpc>
+                <a:spcPct val="115000"/>
+              </a:lnSpc>
+              <a:spcBef>
+                <a:spcPts val="0"/>
+              </a:spcBef>
+              <a:spcAft>
+                <a:spcPts val="0"/>
+              </a:spcAft>
+              <a:buClr>
+                <a:schemeClr val="dk1"/>
+              </a:buClr>
+              <a:buSzPts val="1800"/>
+              <a:buFont typeface="Times New Roman"/>
+              <a:buChar char="●"/>
+            </a:pPr>
+            <a:r>
+              <a:rPr lang="en">
+                <a:solidFill>
+                  <a:schemeClr val="dk1"/>
+                </a:solidFill>
+                <a:latin typeface="Times New Roman"/>
+                <a:ea typeface="Times New Roman"/>
+                <a:cs typeface="Times New Roman"/>
+                <a:sym typeface="Times New Roman"/>
+              </a:rPr>
+              <a:t>Train all staff to run data collection for our study</a:t>
+            </a:r>
+            <a:endParaRPr>
+              <a:solidFill>
+                <a:schemeClr val="dk1"/>
+              </a:solidFill>
+              <a:latin typeface="Times New Roman"/>
+              <a:ea typeface="Times New Roman"/>
+              <a:cs typeface="Times New Roman"/>
+              <a:sym typeface="Times New Roman"/>
+            </a:endParaRPr>
+          </a:p>
+          <a:p>
+            <a:pPr marL="457200" marR="0" lvl="0" indent="-342900" algn="l" rtl="0">
+              <a:lnSpc>
+                <a:spcPct val="115000"/>
+              </a:lnSpc>
+              <a:spcBef>
+                <a:spcPts val="0"/>
+              </a:spcBef>
+              <a:spcAft>
+                <a:spcPts val="0"/>
+              </a:spcAft>
+              <a:buClr>
+                <a:schemeClr val="dk1"/>
+              </a:buClr>
+              <a:buSzPts val="1800"/>
+              <a:buFont typeface="Times New Roman"/>
+              <a:buChar char="●"/>
+            </a:pPr>
+            <a:r>
+              <a:rPr lang="en">
+                <a:solidFill>
+                  <a:schemeClr val="dk1"/>
+                </a:solidFill>
+                <a:latin typeface="Times New Roman"/>
+                <a:ea typeface="Times New Roman"/>
+                <a:cs typeface="Times New Roman"/>
+                <a:sym typeface="Times New Roman"/>
+              </a:rPr>
+              <a:t>Submit SONA ad to gain access to SONA timeslots</a:t>
+            </a:r>
+            <a:endParaRPr>
+              <a:solidFill>
+                <a:schemeClr val="dk1"/>
+              </a:solidFill>
+              <a:latin typeface="Times New Roman"/>
+              <a:ea typeface="Times New Roman"/>
+              <a:cs typeface="Times New Roman"/>
+              <a:sym typeface="Times New Roman"/>
+            </a:endParaRPr>
+          </a:p>
+          <a:p>
+            <a:pPr marL="457200" marR="0" lvl="0" indent="-342900" algn="l" rtl="0">
+              <a:lnSpc>
+                <a:spcPct val="115000"/>
+              </a:lnSpc>
+              <a:spcBef>
+                <a:spcPts val="0"/>
+              </a:spcBef>
+              <a:spcAft>
+                <a:spcPts val="0"/>
+              </a:spcAft>
+              <a:buClr>
+                <a:schemeClr val="dk1"/>
+              </a:buClr>
+              <a:buSzPts val="1800"/>
+              <a:buFont typeface="Times New Roman"/>
+              <a:buChar char="●"/>
+            </a:pPr>
+            <a:r>
+              <a:rPr lang="en">
+                <a:solidFill>
+                  <a:schemeClr val="dk1"/>
+                </a:solidFill>
+                <a:latin typeface="Times New Roman"/>
+                <a:ea typeface="Times New Roman"/>
+                <a:cs typeface="Times New Roman"/>
+                <a:sym typeface="Times New Roman"/>
+              </a:rPr>
+              <a:t>Complete data collection for the next two semesters</a:t>
+            </a:r>
+            <a:endParaRPr>
+              <a:solidFill>
+                <a:schemeClr val="dk1"/>
+              </a:solidFill>
+              <a:latin typeface="Times New Roman"/>
+              <a:ea typeface="Times New Roman"/>
+              <a:cs typeface="Times New Roman"/>
+              <a:sym typeface="Times New Roman"/>
+            </a:endParaRPr>
+          </a:p>
+          <a:p>
+            <a:pPr marL="457200" lvl="0" indent="-342900" algn="l" rtl="0">
+              <a:spcBef>
+                <a:spcPts val="0"/>
+              </a:spcBef>
+              <a:spcAft>
+                <a:spcPts val="0"/>
+              </a:spcAft>
+              <a:buClr>
+                <a:schemeClr val="dk1"/>
+              </a:buClr>
+              <a:buSzPts val="1800"/>
+              <a:buFont typeface="Times New Roman"/>
+              <a:buChar char="●"/>
+            </a:pPr>
+            <a:r>
+              <a:rPr lang="en">
+                <a:solidFill>
+                  <a:schemeClr val="dk1"/>
+                </a:solidFill>
+                <a:latin typeface="Times New Roman"/>
+                <a:ea typeface="Times New Roman"/>
+                <a:cs typeface="Times New Roman"/>
+                <a:sym typeface="Times New Roman"/>
+              </a:rPr>
+              <a:t>Complete data analysis</a:t>
+            </a:r>
+            <a:endParaRPr>
+              <a:solidFill>
+                <a:schemeClr val="dk1"/>
+              </a:solidFill>
+              <a:latin typeface="Times New Roman"/>
+              <a:ea typeface="Times New Roman"/>
+              <a:cs typeface="Times New Roman"/>
+              <a:sym typeface="Times New Roman"/>
+            </a:endParaRPr>
+          </a:p>
+          <a:p>
+            <a:pPr marL="457200" lvl="0" indent="-342900" algn="l" rtl="0">
+              <a:spcBef>
+                <a:spcPts val="0"/>
+              </a:spcBef>
+              <a:spcAft>
+                <a:spcPts val="0"/>
+              </a:spcAft>
+              <a:buClr>
+                <a:schemeClr val="dk1"/>
+              </a:buClr>
+              <a:buSzPts val="1800"/>
+              <a:buFont typeface="Times New Roman"/>
+              <a:buChar char="●"/>
+            </a:pPr>
+            <a:r>
+              <a:rPr lang="en">
+                <a:solidFill>
+                  <a:schemeClr val="dk1"/>
+                </a:solidFill>
+                <a:latin typeface="Times New Roman"/>
+                <a:ea typeface="Times New Roman"/>
+                <a:cs typeface="Times New Roman"/>
+                <a:sym typeface="Times New Roman"/>
+              </a:rPr>
+              <a:t>Draft results based on data analysis</a:t>
+            </a:r>
+            <a:endParaRPr>
+              <a:solidFill>
+                <a:schemeClr val="dk1"/>
+              </a:solidFill>
+              <a:latin typeface="Times New Roman"/>
+              <a:ea typeface="Times New Roman"/>
+              <a:cs typeface="Times New Roman"/>
+              <a:sym typeface="Times New Roman"/>
+            </a:endParaRPr>
+          </a:p>
+          <a:p>
+            <a:pPr marL="457200" lvl="0" indent="-342900" algn="l" rtl="0">
+              <a:spcBef>
+                <a:spcPts val="0"/>
+              </a:spcBef>
+              <a:spcAft>
+                <a:spcPts val="0"/>
+              </a:spcAft>
+              <a:buClr>
+                <a:schemeClr val="dk1"/>
+              </a:buClr>
+              <a:buSzPts val="1800"/>
+              <a:buFont typeface="Times New Roman"/>
+              <a:buChar char="●"/>
+            </a:pPr>
+            <a:r>
+              <a:rPr lang="en">
+                <a:solidFill>
+                  <a:schemeClr val="dk1"/>
+                </a:solidFill>
+                <a:latin typeface="Times New Roman"/>
+                <a:ea typeface="Times New Roman"/>
+                <a:cs typeface="Times New Roman"/>
+                <a:sym typeface="Times New Roman"/>
+              </a:rPr>
+              <a:t>Submit paper to HFES conference </a:t>
+            </a:r>
+            <a:endParaRPr>
+              <a:solidFill>
+                <a:schemeClr val="dk1"/>
+              </a:solidFill>
+              <a:latin typeface="Times New Roman"/>
+              <a:ea typeface="Times New Roman"/>
+              <a:cs typeface="Times New Roman"/>
+              <a:sym typeface="Times New Roman"/>
+            </a:endParaRPr>
+          </a:p>
+          <a:p>
+            <a:pPr marL="457200" lvl="0" indent="0" algn="l" rtl="0">
+              <a:spcBef>
+                <a:spcPts val="1600"/>
+              </a:spcBef>
+              <a:spcAft>
+                <a:spcPts val="1600"/>
+              </a:spcAft>
+              <a:buNone/>
+            </a:pPr>
+            <a:endParaRPr/>
+          </a:p>
+        </p:txBody>
+      </p:sp>
+    </p:spTree>
+    <p:extLst>
+      <p:ext uri="{BB962C8B-B14F-4D97-AF65-F5344CB8AC3E}">
+        <p14:creationId xmlns:p14="http://schemas.microsoft.com/office/powerpoint/2010/main" val="692370261"/>
+      </p:ext>
+    </p:extLst>
+  </p:cSld>
+  <p:clrMapOvr>
+    <a:masterClrMapping/>
+  </p:clrMapOvr>
+</p:sld>
+</file>
+
+<file path=ppt/slides/slide17.xml><?xml version="1.0" encoding="utf-8"?>
+<p:sld xmlns:a="http://schemas.openxmlformats.org/drawingml/2006/main" xmlns:r="http://schemas.openxmlformats.org/officeDocument/2006/relationships" xmlns:p="http://schemas.openxmlformats.org/presentationml/2006/main">
+  <p:cSld>
+    <p:spTree>
+      <p:nvGrpSpPr>
+        <p:cNvPr id="1" name="Shape 158"/>
+        <p:cNvGrpSpPr/>
+        <p:nvPr/>
+      </p:nvGrpSpPr>
+      <p:grpSpPr>
+        <a:xfrm>
+          <a:off x="0" y="0"/>
+          <a:ext cx="0" cy="0"/>
+          <a:chOff x="0" y="0"/>
+          <a:chExt cx="0" cy="0"/>
+        </a:xfrm>
+      </p:grpSpPr>
+      <p:sp>
+        <p:nvSpPr>
+          <p:cNvPr id="159" name="Google Shape;159;p29"/>
           <p:cNvSpPr txBox="1">
             <a:spLocks noGrp="1"/>
           </p:cNvSpPr>
@@ -8607,15 +10122,24 @@
               <a:buNone/>
             </a:pPr>
             <a:r>
-              <a:rPr lang="en" sz="3600">
+              <a:rPr lang="en" b="1">
                 <a:latin typeface="Times New Roman"/>
                 <a:ea typeface="Times New Roman"/>
                 <a:cs typeface="Times New Roman"/>
                 <a:sym typeface="Times New Roman"/>
               </a:rPr>
-              <a:t>Purpose Statement</a:t>
+              <a:t>References</a:t>
             </a:r>
-            <a:endParaRPr sz="3600">
+            <a:r>
+              <a:rPr lang="en">
+                <a:latin typeface="Times New Roman"/>
+                <a:ea typeface="Times New Roman"/>
+                <a:cs typeface="Times New Roman"/>
+                <a:sym typeface="Times New Roman"/>
+              </a:rPr>
+              <a:t> </a:t>
+            </a:r>
+            <a:endParaRPr>
               <a:latin typeface="Times New Roman"/>
               <a:ea typeface="Times New Roman"/>
               <a:cs typeface="Times New Roman"/>
@@ -8626,7 +10150,7 @@
       </p:sp>
       <p:sp>
         <p:nvSpPr>
-          <p:cNvPr id="81" name="Google Shape;81;p17"/>
+          <p:cNvPr id="160" name="Google Shape;160;p29"/>
           <p:cNvSpPr txBox="1">
             <a:spLocks noGrp="1"/>
           </p:cNvSpPr>
@@ -8649,35 +10173,253 @@
           </a:bodyPr>
           <a:lstStyle/>
           <a:p>
-            <a:pPr marL="0" lvl="0" indent="0" algn="l" rtl="0">
-              <a:spcBef>
-                <a:spcPts val="0"/>
-              </a:spcBef>
-              <a:spcAft>
-                <a:spcPts val="0"/>
-              </a:spcAft>
-              <a:buClr>
-                <a:schemeClr val="dk1"/>
-              </a:buClr>
+            <a:pPr marL="457200" lvl="0" indent="-298450" algn="l" rtl="0">
+              <a:spcBef>
+                <a:spcPts val="0"/>
+              </a:spcBef>
+              <a:spcAft>
+                <a:spcPts val="0"/>
+              </a:spcAft>
               <a:buSzPts val="1100"/>
-              <a:buFont typeface="Arial"/>
-              <a:buNone/>
+              <a:buFont typeface="Times New Roman"/>
+              <a:buChar char="●"/>
             </a:pPr>
             <a:r>
-              <a:rPr lang="en" sz="2400">
+              <a:rPr lang="en" sz="1100">
+                <a:latin typeface="Times New Roman"/>
+                <a:ea typeface="Times New Roman"/>
+                <a:cs typeface="Times New Roman"/>
+                <a:sym typeface="Times New Roman"/>
+              </a:rPr>
+              <a:t>Image References:</a:t>
+            </a:r>
+            <a:endParaRPr sz="1100">
+              <a:latin typeface="Times New Roman"/>
+              <a:ea typeface="Times New Roman"/>
+              <a:cs typeface="Times New Roman"/>
+              <a:sym typeface="Times New Roman"/>
+            </a:endParaRPr>
+          </a:p>
+          <a:p>
+            <a:pPr marL="914400" lvl="1" indent="-298450" algn="l" rtl="0">
+              <a:spcBef>
+                <a:spcPts val="0"/>
+              </a:spcBef>
+              <a:spcAft>
+                <a:spcPts val="0"/>
+              </a:spcAft>
+              <a:buSzPts val="1100"/>
+              <a:buFont typeface="Times New Roman"/>
+              <a:buChar char="○"/>
+            </a:pPr>
+            <a:r>
+              <a:rPr lang="en" sz="1100" u="sng">
                 <a:solidFill>
-                  <a:schemeClr val="dk1"/>
+                  <a:schemeClr val="hlink"/>
+                </a:solidFill>
+                <a:latin typeface="Times New Roman"/>
+                <a:ea typeface="Times New Roman"/>
+                <a:cs typeface="Times New Roman"/>
+                <a:sym typeface="Times New Roman"/>
+                <a:hlinkClick r:id="rId3"/>
+              </a:rPr>
+              <a:t>http://news.mit.edu/2013/humans-robots-interaction-cross-training-0211</a:t>
+            </a:r>
+            <a:endParaRPr sz="1100">
+              <a:latin typeface="Times New Roman"/>
+              <a:ea typeface="Times New Roman"/>
+              <a:cs typeface="Times New Roman"/>
+              <a:sym typeface="Times New Roman"/>
+            </a:endParaRPr>
+          </a:p>
+          <a:p>
+            <a:pPr marL="914400" lvl="1" indent="-298450" algn="l" rtl="0">
+              <a:spcBef>
+                <a:spcPts val="0"/>
+              </a:spcBef>
+              <a:spcAft>
+                <a:spcPts val="0"/>
+              </a:spcAft>
+              <a:buSzPts val="1100"/>
+              <a:buFont typeface="Times New Roman"/>
+              <a:buChar char="○"/>
+            </a:pPr>
+            <a:r>
+              <a:rPr lang="en" sz="1100" u="sng">
+                <a:solidFill>
+                  <a:schemeClr val="hlink"/>
+                </a:solidFill>
+                <a:latin typeface="Times New Roman"/>
+                <a:ea typeface="Times New Roman"/>
+                <a:cs typeface="Times New Roman"/>
+                <a:sym typeface="Times New Roman"/>
+                <a:hlinkClick r:id="rId4"/>
+              </a:rPr>
+              <a:t>https://github.com/krman009/Octodex-Images-Links</a:t>
+            </a:r>
+            <a:endParaRPr sz="1100">
+              <a:latin typeface="Times New Roman"/>
+              <a:ea typeface="Times New Roman"/>
+              <a:cs typeface="Times New Roman"/>
+              <a:sym typeface="Times New Roman"/>
+            </a:endParaRPr>
+          </a:p>
+          <a:p>
+            <a:pPr marL="914400" lvl="1" indent="-298450" algn="l" rtl="0">
+              <a:spcBef>
+                <a:spcPts val="0"/>
+              </a:spcBef>
+              <a:spcAft>
+                <a:spcPts val="0"/>
+              </a:spcAft>
+              <a:buSzPts val="1100"/>
+              <a:buFont typeface="Times New Roman"/>
+              <a:buChar char="○"/>
+            </a:pPr>
+            <a:r>
+              <a:rPr lang="en" sz="1100" u="sng">
+                <a:solidFill>
+                  <a:schemeClr val="hlink"/>
+                </a:solidFill>
+                <a:latin typeface="Times New Roman"/>
+                <a:ea typeface="Times New Roman"/>
+                <a:cs typeface="Times New Roman"/>
+                <a:sym typeface="Times New Roman"/>
+                <a:hlinkClick r:id="rId5"/>
+              </a:rPr>
+              <a:t>https://www.google.com/search?tbm=isch&amp;q=github+kitty&amp;chips=q:github+kitty,g_1:octocat&amp;usg=AI4_-kQqGakIm54gESFuomELJt-9IyMmgg&amp;sa=X&amp;ved=0ahUKEwilxe_x-azeAhUwh-AKHWtaBAYQ4lYIKygB&amp;biw=1169&amp;bih=647&amp;dpr=2#imgrc=jwqWNATuXr5CbM</a:t>
+            </a:r>
+            <a:r>
+              <a:rPr lang="en" sz="1100">
+                <a:latin typeface="Times New Roman"/>
+                <a:ea typeface="Times New Roman"/>
+                <a:cs typeface="Times New Roman"/>
+                <a:sym typeface="Times New Roman"/>
+              </a:rPr>
+              <a:t>:</a:t>
+            </a:r>
+            <a:endParaRPr sz="1100">
+              <a:latin typeface="Times New Roman"/>
+              <a:ea typeface="Times New Roman"/>
+              <a:cs typeface="Times New Roman"/>
+              <a:sym typeface="Times New Roman"/>
+            </a:endParaRPr>
+          </a:p>
+          <a:p>
+            <a:pPr marL="457200" lvl="0" indent="-298450" algn="l" rtl="0">
+              <a:lnSpc>
+                <a:spcPct val="115000"/>
+              </a:lnSpc>
+              <a:spcBef>
+                <a:spcPts val="0"/>
+              </a:spcBef>
+              <a:spcAft>
+                <a:spcPts val="0"/>
+              </a:spcAft>
+              <a:buSzPts val="1100"/>
+              <a:buFont typeface="Times New Roman"/>
+              <a:buChar char="●"/>
+            </a:pPr>
+            <a:r>
+              <a:rPr lang="en" sz="1100">
+                <a:highlight>
+                  <a:srgbClr val="FFFFFF"/>
+                </a:highlight>
+                <a:latin typeface="Times New Roman"/>
+                <a:ea typeface="Times New Roman"/>
+                <a:cs typeface="Times New Roman"/>
+                <a:sym typeface="Times New Roman"/>
+              </a:rPr>
+              <a:t>Faerevaag, C. L., Nguyen, B. A., Jimenez, C. A., Jentsch, F. (2017). Attitudes toward unreliable diagnostic aiding in dangerous task environments. In </a:t>
+            </a:r>
+            <a:r>
+              <a:rPr lang="en" sz="1100" i="1">
+                <a:highlight>
+                  <a:srgbClr val="FFFFFF"/>
+                </a:highlight>
+                <a:latin typeface="Times New Roman"/>
+                <a:ea typeface="Times New Roman"/>
+                <a:cs typeface="Times New Roman"/>
+                <a:sym typeface="Times New Roman"/>
+              </a:rPr>
+              <a:t>Proceedings of the Annual Meeting of the Human Factors and Ergonomics Society </a:t>
+            </a:r>
+            <a:r>
+              <a:rPr lang="en" sz="1100">
+                <a:highlight>
+                  <a:srgbClr val="FFFFFF"/>
+                </a:highlight>
+                <a:latin typeface="Times New Roman"/>
+                <a:ea typeface="Times New Roman"/>
+                <a:cs typeface="Times New Roman"/>
+                <a:sym typeface="Times New Roman"/>
+              </a:rPr>
+              <a:t>(Vol. 61). Los Angeles, CA: SAGE Publications.</a:t>
+            </a:r>
+            <a:endParaRPr sz="1100">
+              <a:highlight>
+                <a:srgbClr val="FFFFFF"/>
+              </a:highlight>
+              <a:latin typeface="Times New Roman"/>
+              <a:ea typeface="Times New Roman"/>
+              <a:cs typeface="Times New Roman"/>
+              <a:sym typeface="Times New Roman"/>
+            </a:endParaRPr>
+          </a:p>
+          <a:p>
+            <a:pPr marL="457200" lvl="0" indent="-298450" algn="l" rtl="0">
+              <a:lnSpc>
+                <a:spcPct val="100000"/>
+              </a:lnSpc>
+              <a:spcBef>
+                <a:spcPts val="0"/>
+              </a:spcBef>
+              <a:spcAft>
+                <a:spcPts val="0"/>
+              </a:spcAft>
+              <a:buSzPts val="1100"/>
+              <a:buFont typeface="Times New Roman"/>
+              <a:buChar char="●"/>
+            </a:pPr>
+            <a:r>
+              <a:rPr lang="en" sz="1100">
+                <a:solidFill>
+                  <a:srgbClr val="333333"/>
                 </a:solidFill>
                 <a:latin typeface="Times New Roman"/>
                 <a:ea typeface="Times New Roman"/>
                 <a:cs typeface="Times New Roman"/>
                 <a:sym typeface="Times New Roman"/>
               </a:rPr>
-              <a:t>The purpose of this study is to explore the reliability threshold and its effect on human-robot teams in dangerous and safe environments. The study also seeks to compare at what level of expertise: novice or expert, relies more on diagnostic aiding technology (i.e., autonomous agent, automation) in such environments.</a:t>
+              <a:t>Dreyfus, S. E. (2004). The Five-Stage Model of Adult Skill Acquisition. </a:t>
             </a:r>
-            <a:endParaRPr sz="2400">
+            <a:r>
+              <a:rPr lang="en" sz="1100" i="1">
+                <a:solidFill>
+                  <a:srgbClr val="333333"/>
+                </a:solidFill>
+                <a:latin typeface="Times New Roman"/>
+                <a:ea typeface="Times New Roman"/>
+                <a:cs typeface="Times New Roman"/>
+                <a:sym typeface="Times New Roman"/>
+              </a:rPr>
+              <a:t>Bulletin of Science, Technology &amp; Society,24</a:t>
+            </a:r>
+            <a:r>
+              <a:rPr lang="en" sz="1100">
+                <a:solidFill>
+                  <a:srgbClr val="333333"/>
+                </a:solidFill>
+                <a:latin typeface="Times New Roman"/>
+                <a:ea typeface="Times New Roman"/>
+                <a:cs typeface="Times New Roman"/>
+                <a:sym typeface="Times New Roman"/>
+              </a:rPr>
+              <a:t>(3), 177-181. doi:10.1177/0270467604264992.</a:t>
+            </a:r>
+            <a:endParaRPr sz="1100">
               <a:solidFill>
-                <a:schemeClr val="dk1"/>
+                <a:srgbClr val="333333"/>
               </a:solidFill>
               <a:latin typeface="Times New Roman"/>
               <a:ea typeface="Times New Roman"/>
@@ -8686,20 +10428,168 @@
             </a:endParaRPr>
           </a:p>
           <a:p>
+            <a:pPr marL="457200" lvl="0" indent="-298450" algn="l" rtl="0">
+              <a:lnSpc>
+                <a:spcPct val="100000"/>
+              </a:lnSpc>
+              <a:spcBef>
+                <a:spcPts val="0"/>
+              </a:spcBef>
+              <a:spcAft>
+                <a:spcPts val="0"/>
+              </a:spcAft>
+              <a:buClr>
+                <a:srgbClr val="333333"/>
+              </a:buClr>
+              <a:buSzPts val="1100"/>
+              <a:buFont typeface="Times New Roman"/>
+              <a:buChar char="●"/>
+            </a:pPr>
+            <a:r>
+              <a:rPr lang="en" sz="1100">
+                <a:solidFill>
+                  <a:srgbClr val="333333"/>
+                </a:solidFill>
+                <a:latin typeface="Times New Roman"/>
+                <a:ea typeface="Times New Roman"/>
+                <a:cs typeface="Times New Roman"/>
+                <a:sym typeface="Times New Roman"/>
+              </a:rPr>
+              <a:t>Madhavan, P., Wiegmann, D. A., &amp; Lacson, F. C. (2006). Automation failures on tasks easily performed by operators undermine trust in automated aids. Human Factors, 48(2), 241-256.</a:t>
+            </a:r>
+            <a:endParaRPr sz="1100">
+              <a:solidFill>
+                <a:srgbClr val="333333"/>
+              </a:solidFill>
+              <a:latin typeface="Times New Roman"/>
+              <a:ea typeface="Times New Roman"/>
+              <a:cs typeface="Times New Roman"/>
+              <a:sym typeface="Times New Roman"/>
+            </a:endParaRPr>
+          </a:p>
+          <a:p>
+            <a:pPr marL="457200" lvl="0" indent="-298450" algn="l" rtl="0">
+              <a:lnSpc>
+                <a:spcPct val="100000"/>
+              </a:lnSpc>
+              <a:spcBef>
+                <a:spcPts val="0"/>
+              </a:spcBef>
+              <a:spcAft>
+                <a:spcPts val="0"/>
+              </a:spcAft>
+              <a:buClr>
+                <a:srgbClr val="333333"/>
+              </a:buClr>
+              <a:buSzPts val="1100"/>
+              <a:buFont typeface="Times New Roman"/>
+              <a:buChar char="●"/>
+            </a:pPr>
+            <a:r>
+              <a:rPr lang="en" sz="1100">
+                <a:solidFill>
+                  <a:srgbClr val="333333"/>
+                </a:solidFill>
+                <a:latin typeface="Times New Roman"/>
+                <a:ea typeface="Times New Roman"/>
+                <a:cs typeface="Times New Roman"/>
+                <a:sym typeface="Times New Roman"/>
+              </a:rPr>
+              <a:t>Wickens, C. D., &amp; Dixon, S. R. (2007). The benefits of imperfect diagnostic automation: A synthesis of the literature. Theoretical Issues in Ergonomics Science, 8(3), 201-212.</a:t>
+            </a:r>
+            <a:endParaRPr sz="1100">
+              <a:solidFill>
+                <a:srgbClr val="333333"/>
+              </a:solidFill>
+              <a:latin typeface="Times New Roman"/>
+              <a:ea typeface="Times New Roman"/>
+              <a:cs typeface="Times New Roman"/>
+              <a:sym typeface="Times New Roman"/>
+            </a:endParaRPr>
+          </a:p>
+          <a:p>
+            <a:pPr marL="457200" lvl="0" indent="0" algn="l" rtl="0">
+              <a:lnSpc>
+                <a:spcPct val="100000"/>
+              </a:lnSpc>
+              <a:spcBef>
+                <a:spcPts val="0"/>
+              </a:spcBef>
+              <a:spcAft>
+                <a:spcPts val="0"/>
+              </a:spcAft>
+              <a:buNone/>
+            </a:pPr>
+            <a:endParaRPr sz="1200">
+              <a:solidFill>
+                <a:srgbClr val="333333"/>
+              </a:solidFill>
+              <a:latin typeface="Times New Roman"/>
+              <a:ea typeface="Times New Roman"/>
+              <a:cs typeface="Times New Roman"/>
+              <a:sym typeface="Times New Roman"/>
+            </a:endParaRPr>
+          </a:p>
+          <a:p>
+            <a:pPr marL="457200" lvl="0" indent="0" algn="l" rtl="0">
+              <a:lnSpc>
+                <a:spcPct val="100000"/>
+              </a:lnSpc>
+              <a:spcBef>
+                <a:spcPts val="0"/>
+              </a:spcBef>
+              <a:spcAft>
+                <a:spcPts val="0"/>
+              </a:spcAft>
+              <a:buNone/>
+            </a:pPr>
+            <a:endParaRPr sz="1200">
+              <a:solidFill>
+                <a:srgbClr val="333333"/>
+              </a:solidFill>
+              <a:latin typeface="Times New Roman"/>
+              <a:ea typeface="Times New Roman"/>
+              <a:cs typeface="Times New Roman"/>
+              <a:sym typeface="Times New Roman"/>
+            </a:endParaRPr>
+          </a:p>
+          <a:p>
+            <a:pPr marL="457200" lvl="0" indent="0" algn="l" rtl="0">
+              <a:spcBef>
+                <a:spcPts val="0"/>
+              </a:spcBef>
+              <a:spcAft>
+                <a:spcPts val="0"/>
+              </a:spcAft>
+              <a:buNone/>
+            </a:pPr>
+            <a:endParaRPr sz="1600">
+              <a:latin typeface="Times New Roman"/>
+              <a:ea typeface="Times New Roman"/>
+              <a:cs typeface="Times New Roman"/>
+              <a:sym typeface="Times New Roman"/>
+            </a:endParaRPr>
+          </a:p>
+          <a:p>
             <a:pPr marL="0" lvl="0" indent="0" algn="l" rtl="0">
               <a:spcBef>
-                <a:spcPts val="0"/>
-              </a:spcBef>
-              <a:spcAft>
                 <a:spcPts val="1600"/>
+              </a:spcBef>
+              <a:spcAft>
+                <a:spcPts val="1600"/>
               </a:spcAft>
               <a:buNone/>
             </a:pPr>
-            <a:endParaRPr/>
+            <a:endParaRPr sz="1600"/>
           </a:p>
         </p:txBody>
       </p:sp>
     </p:spTree>
+    <p:extLst>
+      <p:ext uri="{BB962C8B-B14F-4D97-AF65-F5344CB8AC3E}">
+        <p14:creationId xmlns:p14="http://schemas.microsoft.com/office/powerpoint/2010/main" val="2756152737"/>
+      </p:ext>
+    </p:extLst>
   </p:cSld>
   <p:clrMapOvr>
     <a:masterClrMapping/>
@@ -8707,12 +10597,12 @@
 </p:sld>
 </file>
 
-<file path=ppt/slides/slide6.xml><?xml version="1.0" encoding="utf-8"?>
+<file path=ppt/slides/slide2.xml><?xml version="1.0" encoding="utf-8"?>
 <p:sld xmlns:a="http://schemas.openxmlformats.org/drawingml/2006/main" xmlns:r="http://schemas.openxmlformats.org/officeDocument/2006/relationships" xmlns:p="http://schemas.openxmlformats.org/presentationml/2006/main">
   <p:cSld>
     <p:spTree>
       <p:nvGrpSpPr>
-        <p:cNvPr id="1" name="Shape 85"/>
+        <p:cNvPr id="1" name=""/>
         <p:cNvGrpSpPr/>
         <p:nvPr/>
       </p:nvGrpSpPr>
@@ -8726,7 +10616,453 @@
       </p:grpSpPr>
       <p:sp>
         <p:nvSpPr>
-          <p:cNvPr id="86" name="Google Shape;86;p18"/>
+          <p:cNvPr id="2" name="Title 1">
+            <a:extLst>
+              <a:ext uri="{FF2B5EF4-FFF2-40B4-BE49-F238E27FC236}">
+                <a16:creationId xmlns:a16="http://schemas.microsoft.com/office/drawing/2014/main" id="{F5B06E7E-B9B9-0943-B88D-4A6D9CE22EF9}"/>
+              </a:ext>
+            </a:extLst>
+          </p:cNvPr>
+          <p:cNvSpPr>
+            <a:spLocks noGrp="1"/>
+          </p:cNvSpPr>
+          <p:nvPr>
+            <p:ph type="title"/>
+          </p:nvPr>
+        </p:nvSpPr>
+        <p:spPr/>
+        <p:txBody>
+          <a:bodyPr/>
+          <a:lstStyle/>
+          <a:p>
+            <a:r>
+              <a:rPr lang="en-US" b="1" dirty="0">
+                <a:latin typeface="Times New Roman" panose="02020603050405020304" pitchFamily="18" charset="0"/>
+                <a:cs typeface="Times New Roman" panose="02020603050405020304" pitchFamily="18" charset="0"/>
+              </a:rPr>
+              <a:t>Human-Robot Interaction</a:t>
+            </a:r>
+            <a:br>
+              <a:rPr lang="en-US" dirty="0">
+                <a:latin typeface="Times New Roman" panose="02020603050405020304" pitchFamily="18" charset="0"/>
+                <a:cs typeface="Times New Roman" panose="02020603050405020304" pitchFamily="18" charset="0"/>
+              </a:rPr>
+            </a:br>
+            <a:br>
+              <a:rPr lang="en-US" sz="1800" dirty="0">
+                <a:latin typeface="Times New Roman" panose="02020603050405020304" pitchFamily="18" charset="0"/>
+                <a:cs typeface="Times New Roman" panose="02020603050405020304" pitchFamily="18" charset="0"/>
+              </a:rPr>
+            </a:br>
+            <a:r>
+              <a:rPr lang="en-US" sz="1800" dirty="0">
+                <a:latin typeface="Times New Roman" panose="02020603050405020304" pitchFamily="18" charset="0"/>
+                <a:cs typeface="Times New Roman" panose="02020603050405020304" pitchFamily="18" charset="0"/>
+              </a:rPr>
+              <a:t>In HRI, the aspect of reliability is important to take into consideration when seeking research advancements in such complex teaming. Previous research regarding reliability refers to a reliability threshold. When diagnostic aiding technology falls below 70% reliability, it is seen as not useful, and will negatively affect overall task performance (</a:t>
+            </a:r>
+            <a:r>
+              <a:rPr lang="en-US" sz="1800" dirty="0" err="1">
+                <a:latin typeface="Times New Roman" panose="02020603050405020304" pitchFamily="18" charset="0"/>
+                <a:cs typeface="Times New Roman" panose="02020603050405020304" pitchFamily="18" charset="0"/>
+              </a:rPr>
+              <a:t>Wickens</a:t>
+            </a:r>
+            <a:r>
+              <a:rPr lang="en-US" sz="1800" dirty="0">
+                <a:latin typeface="Times New Roman" panose="02020603050405020304" pitchFamily="18" charset="0"/>
+                <a:cs typeface="Times New Roman" panose="02020603050405020304" pitchFamily="18" charset="0"/>
+              </a:rPr>
+              <a:t> &amp; Dixon, 2007). The reliability threshold is based on tasks humans are capable of performing without needing help from such technologies. </a:t>
+            </a:r>
+            <a:br>
+              <a:rPr lang="en-US" dirty="0">
+                <a:latin typeface="Times New Roman" panose="02020603050405020304" pitchFamily="18" charset="0"/>
+                <a:cs typeface="Times New Roman" panose="02020603050405020304" pitchFamily="18" charset="0"/>
+              </a:rPr>
+            </a:br>
+            <a:br>
+              <a:rPr lang="en-US" dirty="0">
+                <a:latin typeface="Times New Roman" panose="02020603050405020304" pitchFamily="18" charset="0"/>
+                <a:cs typeface="Times New Roman" panose="02020603050405020304" pitchFamily="18" charset="0"/>
+              </a:rPr>
+            </a:br>
+            <a:endParaRPr lang="en-US" dirty="0">
+              <a:latin typeface="Times New Roman" panose="02020603050405020304" pitchFamily="18" charset="0"/>
+              <a:cs typeface="Times New Roman" panose="02020603050405020304" pitchFamily="18" charset="0"/>
+            </a:endParaRPr>
+          </a:p>
+        </p:txBody>
+      </p:sp>
+      <p:pic>
+        <p:nvPicPr>
+          <p:cNvPr id="1026" name="Picture 2" descr="https://lh5.googleusercontent.com/KkbxQTGvLJVv0HZvCiMbMyonWPRfDoX27739477R-g9MXROJX_EiI6CbUnfBvKTvrVYU0q_GoFE8RzS2pg5o51TJAAP1ub1OAPisVfqxvTK6pLaGtcpFjbdnn9EHplckcUek2Y-GTKQ">
+            <a:extLst>
+              <a:ext uri="{FF2B5EF4-FFF2-40B4-BE49-F238E27FC236}">
+                <a16:creationId xmlns:a16="http://schemas.microsoft.com/office/drawing/2014/main" id="{D05119DA-4797-B342-BCA0-497F0971D850}"/>
+              </a:ext>
+            </a:extLst>
+          </p:cNvPr>
+          <p:cNvPicPr>
+            <a:picLocks noChangeAspect="1" noChangeArrowheads="1"/>
+          </p:cNvPicPr>
+          <p:nvPr/>
+        </p:nvPicPr>
+        <p:blipFill>
+          <a:blip r:embed="rId2">
+            <a:extLst>
+              <a:ext uri="{28A0092B-C50C-407E-A947-70E740481C1C}">
+                <a14:useLocalDpi xmlns:a14="http://schemas.microsoft.com/office/drawing/2010/main" val="0"/>
+              </a:ext>
+            </a:extLst>
+          </a:blip>
+          <a:srcRect/>
+          <a:stretch>
+            <a:fillRect/>
+          </a:stretch>
+        </p:blipFill>
+        <p:spPr bwMode="auto">
+          <a:xfrm>
+            <a:off x="648584" y="3115171"/>
+            <a:ext cx="3646689" cy="1857965"/>
+          </a:xfrm>
+          <a:prstGeom prst="rect">
+            <a:avLst/>
+          </a:prstGeom>
+          <a:noFill/>
+          <a:extLst>
+            <a:ext uri="{909E8E84-426E-40DD-AFC4-6F175D3DCCD1}">
+              <a14:hiddenFill xmlns:a14="http://schemas.microsoft.com/office/drawing/2010/main">
+                <a:solidFill>
+                  <a:srgbClr val="FFFFFF"/>
+                </a:solidFill>
+              </a14:hiddenFill>
+            </a:ext>
+          </a:extLst>
+        </p:spPr>
+      </p:pic>
+      <p:pic>
+        <p:nvPicPr>
+          <p:cNvPr id="1027" name="Picture 3" descr="https://lh6.googleusercontent.com/M1MLNJjfAegC0XkhHU1NCBHZrHObCWUvpTNvnaQR1ozvO9DYr4J_ZtmpbvNvuOy-ceRoQzcRIu479s6aUPowhbSGIuScl2j1JjLm9gLqzZNTP7ETB_bStOIw3TSgRH_WmVEHrKS2jWI">
+            <a:extLst>
+              <a:ext uri="{FF2B5EF4-FFF2-40B4-BE49-F238E27FC236}">
+                <a16:creationId xmlns:a16="http://schemas.microsoft.com/office/drawing/2014/main" id="{E8FC6FB4-3846-E845-BD4B-1116767253E5}"/>
+              </a:ext>
+            </a:extLst>
+          </p:cNvPr>
+          <p:cNvPicPr>
+            <a:picLocks noChangeAspect="1" noChangeArrowheads="1"/>
+          </p:cNvPicPr>
+          <p:nvPr/>
+        </p:nvPicPr>
+        <p:blipFill>
+          <a:blip r:embed="rId3">
+            <a:extLst>
+              <a:ext uri="{28A0092B-C50C-407E-A947-70E740481C1C}">
+                <a14:useLocalDpi xmlns:a14="http://schemas.microsoft.com/office/drawing/2010/main" val="0"/>
+              </a:ext>
+            </a:extLst>
+          </a:blip>
+          <a:srcRect/>
+          <a:stretch>
+            <a:fillRect/>
+          </a:stretch>
+        </p:blipFill>
+        <p:spPr bwMode="auto">
+          <a:xfrm>
+            <a:off x="4728411" y="3115171"/>
+            <a:ext cx="3715930" cy="1857965"/>
+          </a:xfrm>
+          <a:prstGeom prst="rect">
+            <a:avLst/>
+          </a:prstGeom>
+          <a:noFill/>
+          <a:extLst>
+            <a:ext uri="{909E8E84-426E-40DD-AFC4-6F175D3DCCD1}">
+              <a14:hiddenFill xmlns:a14="http://schemas.microsoft.com/office/drawing/2010/main">
+                <a:solidFill>
+                  <a:srgbClr val="FFFFFF"/>
+                </a:solidFill>
+              </a14:hiddenFill>
+            </a:ext>
+          </a:extLst>
+        </p:spPr>
+      </p:pic>
+    </p:spTree>
+    <p:extLst>
+      <p:ext uri="{BB962C8B-B14F-4D97-AF65-F5344CB8AC3E}">
+        <p14:creationId xmlns:p14="http://schemas.microsoft.com/office/powerpoint/2010/main" val="3028907041"/>
+      </p:ext>
+    </p:extLst>
+  </p:cSld>
+  <p:clrMapOvr>
+    <a:masterClrMapping/>
+  </p:clrMapOvr>
+</p:sld>
+</file>
+
+<file path=ppt/slides/slide3.xml><?xml version="1.0" encoding="utf-8"?>
+<p:sld xmlns:a="http://schemas.openxmlformats.org/drawingml/2006/main" xmlns:r="http://schemas.openxmlformats.org/officeDocument/2006/relationships" xmlns:p="http://schemas.openxmlformats.org/presentationml/2006/main">
+  <p:cSld>
+    <p:spTree>
+      <p:nvGrpSpPr>
+        <p:cNvPr id="1" name="Shape 68"/>
+        <p:cNvGrpSpPr/>
+        <p:nvPr/>
+      </p:nvGrpSpPr>
+      <p:grpSpPr>
+        <a:xfrm>
+          <a:off x="0" y="0"/>
+          <a:ext cx="0" cy="0"/>
+          <a:chOff x="0" y="0"/>
+          <a:chExt cx="0" cy="0"/>
+        </a:xfrm>
+      </p:grpSpPr>
+      <p:sp>
+        <p:nvSpPr>
+          <p:cNvPr id="69" name="Google Shape;69;p15"/>
+          <p:cNvSpPr txBox="1">
+            <a:spLocks noGrp="1"/>
+          </p:cNvSpPr>
+          <p:nvPr>
+            <p:ph type="title"/>
+          </p:nvPr>
+        </p:nvSpPr>
+        <p:spPr>
+          <a:xfrm>
+            <a:off x="311700" y="236473"/>
+            <a:ext cx="8520600" cy="572700"/>
+          </a:xfrm>
+          <a:prstGeom prst="rect">
+            <a:avLst/>
+          </a:prstGeom>
+        </p:spPr>
+        <p:txBody>
+          <a:bodyPr spcFirstLastPara="1" wrap="square" lIns="91425" tIns="91425" rIns="91425" bIns="91425" anchor="t" anchorCtr="0">
+            <a:noAutofit/>
+          </a:bodyPr>
+          <a:lstStyle/>
+          <a:p>
+            <a:pPr marL="0" lvl="0" indent="0" algn="l" rtl="0">
+              <a:spcBef>
+                <a:spcPts val="0"/>
+              </a:spcBef>
+              <a:spcAft>
+                <a:spcPts val="0"/>
+              </a:spcAft>
+              <a:buNone/>
+            </a:pPr>
+            <a:r>
+              <a:rPr lang="en" b="1" dirty="0">
+                <a:latin typeface="Times New Roman"/>
+                <a:ea typeface="Times New Roman"/>
+                <a:cs typeface="Times New Roman"/>
+                <a:sym typeface="Times New Roman"/>
+              </a:rPr>
+              <a:t>Trust and Human-Robot Interaction (HRI)</a:t>
+            </a:r>
+            <a:endParaRPr b="1" dirty="0">
+              <a:latin typeface="Times New Roman"/>
+              <a:ea typeface="Times New Roman"/>
+              <a:cs typeface="Times New Roman"/>
+              <a:sym typeface="Times New Roman"/>
+            </a:endParaRPr>
+          </a:p>
+        </p:txBody>
+      </p:sp>
+      <p:sp>
+        <p:nvSpPr>
+          <p:cNvPr id="70" name="Google Shape;70;p15"/>
+          <p:cNvSpPr txBox="1">
+            <a:spLocks noGrp="1"/>
+          </p:cNvSpPr>
+          <p:nvPr>
+            <p:ph type="body" idx="1"/>
+          </p:nvPr>
+        </p:nvSpPr>
+        <p:spPr>
+          <a:xfrm>
+            <a:off x="311700" y="923875"/>
+            <a:ext cx="8520600" cy="1448100"/>
+          </a:xfrm>
+          <a:prstGeom prst="rect">
+            <a:avLst/>
+          </a:prstGeom>
+        </p:spPr>
+        <p:txBody>
+          <a:bodyPr spcFirstLastPara="1" wrap="square" lIns="91425" tIns="91425" rIns="91425" bIns="91425" anchor="t" anchorCtr="0">
+            <a:noAutofit/>
+          </a:bodyPr>
+          <a:lstStyle/>
+          <a:p>
+            <a:pPr marL="0" lvl="0" indent="0" algn="l" rtl="0">
+              <a:spcBef>
+                <a:spcPts val="0"/>
+              </a:spcBef>
+              <a:spcAft>
+                <a:spcPts val="0"/>
+              </a:spcAft>
+              <a:buNone/>
+            </a:pPr>
+            <a:r>
+              <a:rPr lang="en">
+                <a:solidFill>
+                  <a:schemeClr val="dk1"/>
+                </a:solidFill>
+                <a:latin typeface="Times New Roman"/>
+                <a:ea typeface="Times New Roman"/>
+                <a:cs typeface="Times New Roman"/>
+                <a:sym typeface="Times New Roman"/>
+              </a:rPr>
+              <a:t>Trust plays an important role in HRI. Trust varies due to the characteristics of the trustor and trustee. The characteristics that affect the trustor and trustee relationship: the situation, the environment, and the task. Differences amongst these relationships occur when it is remembered machines are designed.</a:t>
+            </a:r>
+            <a:endParaRPr>
+              <a:solidFill>
+                <a:schemeClr val="dk1"/>
+              </a:solidFill>
+              <a:latin typeface="Times New Roman"/>
+              <a:ea typeface="Times New Roman"/>
+              <a:cs typeface="Times New Roman"/>
+              <a:sym typeface="Times New Roman"/>
+            </a:endParaRPr>
+          </a:p>
+          <a:p>
+            <a:pPr marL="0" lvl="0" indent="0" algn="l" rtl="0">
+              <a:spcBef>
+                <a:spcPts val="1600"/>
+              </a:spcBef>
+              <a:spcAft>
+                <a:spcPts val="1600"/>
+              </a:spcAft>
+              <a:buNone/>
+            </a:pPr>
+            <a:endParaRPr/>
+          </a:p>
+        </p:txBody>
+      </p:sp>
+      <p:pic>
+        <p:nvPicPr>
+          <p:cNvPr id="71" name="Google Shape;71;p15"/>
+          <p:cNvPicPr preferRelativeResize="0"/>
+          <p:nvPr/>
+        </p:nvPicPr>
+        <p:blipFill>
+          <a:blip r:embed="rId3">
+            <a:alphaModFix/>
+          </a:blip>
+          <a:stretch>
+            <a:fillRect/>
+          </a:stretch>
+        </p:blipFill>
+        <p:spPr>
+          <a:xfrm>
+            <a:off x="1035250" y="2470329"/>
+            <a:ext cx="3536750" cy="2673172"/>
+          </a:xfrm>
+          <a:prstGeom prst="rect">
+            <a:avLst/>
+          </a:prstGeom>
+          <a:noFill/>
+          <a:ln>
+            <a:noFill/>
+          </a:ln>
+        </p:spPr>
+      </p:pic>
+      <p:pic>
+        <p:nvPicPr>
+          <p:cNvPr id="72" name="Google Shape;72;p15"/>
+          <p:cNvPicPr preferRelativeResize="0"/>
+          <p:nvPr/>
+        </p:nvPicPr>
+        <p:blipFill>
+          <a:blip r:embed="rId4">
+            <a:alphaModFix/>
+          </a:blip>
+          <a:stretch>
+            <a:fillRect/>
+          </a:stretch>
+        </p:blipFill>
+        <p:spPr>
+          <a:xfrm>
+            <a:off x="4648200" y="2525591"/>
+            <a:ext cx="3597650" cy="2497859"/>
+          </a:xfrm>
+          <a:prstGeom prst="rect">
+            <a:avLst/>
+          </a:prstGeom>
+          <a:noFill/>
+          <a:ln>
+            <a:noFill/>
+          </a:ln>
+        </p:spPr>
+      </p:pic>
+      <p:sp>
+        <p:nvSpPr>
+          <p:cNvPr id="2" name="Rectangle 1">
+            <a:extLst>
+              <a:ext uri="{FF2B5EF4-FFF2-40B4-BE49-F238E27FC236}">
+                <a16:creationId xmlns:a16="http://schemas.microsoft.com/office/drawing/2014/main" id="{DAFFBA63-4F7D-C548-819E-E717C84DFD75}"/>
+              </a:ext>
+            </a:extLst>
+          </p:cNvPr>
+          <p:cNvSpPr/>
+          <p:nvPr/>
+        </p:nvSpPr>
+        <p:spPr>
+          <a:xfrm>
+            <a:off x="4454820" y="2417862"/>
+            <a:ext cx="234360" cy="307777"/>
+          </a:xfrm>
+          <a:prstGeom prst="rect">
+            <a:avLst/>
+          </a:prstGeom>
+        </p:spPr>
+        <p:txBody>
+          <a:bodyPr wrap="none">
+            <a:spAutoFit/>
+          </a:bodyPr>
+          <a:lstStyle/>
+          <a:p>
+            <a:r>
+              <a:rPr lang="en-US" dirty="0"/>
+              <a:t> </a:t>
+            </a:r>
+          </a:p>
+        </p:txBody>
+      </p:sp>
+    </p:spTree>
+    <p:extLst>
+      <p:ext uri="{BB962C8B-B14F-4D97-AF65-F5344CB8AC3E}">
+        <p14:creationId xmlns:p14="http://schemas.microsoft.com/office/powerpoint/2010/main" val="822165464"/>
+      </p:ext>
+    </p:extLst>
+  </p:cSld>
+  <p:clrMapOvr>
+    <a:masterClrMapping/>
+  </p:clrMapOvr>
+</p:sld>
+</file>
+
+<file path=ppt/slides/slide4.xml><?xml version="1.0" encoding="utf-8"?>
+<p:sld xmlns:a="http://schemas.openxmlformats.org/drawingml/2006/main" xmlns:r="http://schemas.openxmlformats.org/officeDocument/2006/relationships" xmlns:p="http://schemas.openxmlformats.org/presentationml/2006/main">
+  <p:cSld>
+    <p:spTree>
+      <p:nvGrpSpPr>
+        <p:cNvPr id="1" name="Shape 76"/>
+        <p:cNvGrpSpPr/>
+        <p:nvPr/>
+      </p:nvGrpSpPr>
+      <p:grpSpPr>
+        <a:xfrm>
+          <a:off x="0" y="0"/>
+          <a:ext cx="0" cy="0"/>
+          <a:chOff x="0" y="0"/>
+          <a:chExt cx="0" cy="0"/>
+        </a:xfrm>
+      </p:grpSpPr>
+      <p:sp>
+        <p:nvSpPr>
+          <p:cNvPr id="77" name="Google Shape;77;p16"/>
           <p:cNvSpPr txBox="1">
             <a:spLocks noGrp="1"/>
           </p:cNvSpPr>
@@ -8759,7 +11095,854 @@
               <a:buNone/>
             </a:pPr>
             <a:r>
-              <a:rPr lang="en" sz="3600">
+              <a:rPr lang="en" b="1">
+                <a:latin typeface="Times New Roman"/>
+                <a:ea typeface="Times New Roman"/>
+                <a:cs typeface="Times New Roman"/>
+                <a:sym typeface="Times New Roman"/>
+              </a:rPr>
+              <a:t>Previous Research on Trust </a:t>
+            </a:r>
+            <a:endParaRPr b="1">
+              <a:latin typeface="Times New Roman"/>
+              <a:ea typeface="Times New Roman"/>
+              <a:cs typeface="Times New Roman"/>
+              <a:sym typeface="Times New Roman"/>
+            </a:endParaRPr>
+          </a:p>
+        </p:txBody>
+      </p:sp>
+      <p:sp>
+        <p:nvSpPr>
+          <p:cNvPr id="78" name="Google Shape;78;p16"/>
+          <p:cNvSpPr txBox="1">
+            <a:spLocks noGrp="1"/>
+          </p:cNvSpPr>
+          <p:nvPr>
+            <p:ph type="body" idx="1"/>
+          </p:nvPr>
+        </p:nvSpPr>
+        <p:spPr>
+          <a:xfrm>
+            <a:off x="311700" y="1152475"/>
+            <a:ext cx="8520600" cy="3416400"/>
+          </a:xfrm>
+          <a:prstGeom prst="rect">
+            <a:avLst/>
+          </a:prstGeom>
+        </p:spPr>
+        <p:txBody>
+          <a:bodyPr spcFirstLastPara="1" wrap="square" lIns="91425" tIns="91425" rIns="91425" bIns="91425" anchor="t" anchorCtr="0">
+            <a:noAutofit/>
+          </a:bodyPr>
+          <a:lstStyle/>
+          <a:p>
+            <a:pPr marL="0" lvl="0" indent="0" algn="l" rtl="0">
+              <a:spcBef>
+                <a:spcPts val="0"/>
+              </a:spcBef>
+              <a:spcAft>
+                <a:spcPts val="1600"/>
+              </a:spcAft>
+              <a:buNone/>
+            </a:pPr>
+            <a:r>
+              <a:rPr lang="en">
+                <a:solidFill>
+                  <a:srgbClr val="000000"/>
+                </a:solidFill>
+                <a:latin typeface="Times New Roman"/>
+                <a:ea typeface="Times New Roman"/>
+                <a:cs typeface="Times New Roman"/>
+                <a:sym typeface="Times New Roman"/>
+              </a:rPr>
+              <a:t>In previous studies,</a:t>
+            </a:r>
+            <a:r>
+              <a:rPr lang="en">
+                <a:solidFill>
+                  <a:schemeClr val="dk1"/>
+                </a:solidFill>
+                <a:latin typeface="Times New Roman"/>
+                <a:ea typeface="Times New Roman"/>
+                <a:cs typeface="Times New Roman"/>
+                <a:sym typeface="Times New Roman"/>
+              </a:rPr>
+              <a:t> trust is place onto a thing or a person, it sometimes makes it hard to properly define trust and apply it appropriately. Sandra (2016) stated that “trust varies due to characteristics of both the trustor and trustee. The characteristics that can affect these two entities are: the situation, the environment, and the task. There is a clear distinction made by Sandra (2016) that “</a:t>
+            </a:r>
+            <a:r>
+              <a:rPr lang="en" i="1">
+                <a:solidFill>
+                  <a:schemeClr val="dk1"/>
+                </a:solidFill>
+                <a:latin typeface="Times New Roman"/>
+                <a:ea typeface="Times New Roman"/>
+                <a:cs typeface="Times New Roman"/>
+                <a:sym typeface="Times New Roman"/>
+              </a:rPr>
+              <a:t>reliable </a:t>
+            </a:r>
+            <a:r>
+              <a:rPr lang="en">
+                <a:solidFill>
+                  <a:schemeClr val="dk1"/>
+                </a:solidFill>
+                <a:latin typeface="Times New Roman"/>
+                <a:ea typeface="Times New Roman"/>
+                <a:cs typeface="Times New Roman"/>
+                <a:sym typeface="Times New Roman"/>
+              </a:rPr>
+              <a:t>is appropriate to describe both human-human and human-robot interactions, terms like </a:t>
+            </a:r>
+            <a:r>
+              <a:rPr lang="en" i="1">
+                <a:solidFill>
+                  <a:schemeClr val="dk1"/>
+                </a:solidFill>
+                <a:latin typeface="Times New Roman"/>
+                <a:ea typeface="Times New Roman"/>
+                <a:cs typeface="Times New Roman"/>
+                <a:sym typeface="Times New Roman"/>
+              </a:rPr>
+              <a:t>good </a:t>
+            </a:r>
+            <a:r>
+              <a:rPr lang="en">
+                <a:solidFill>
+                  <a:schemeClr val="dk1"/>
+                </a:solidFill>
+                <a:latin typeface="Times New Roman"/>
+                <a:ea typeface="Times New Roman"/>
+                <a:cs typeface="Times New Roman"/>
+                <a:sym typeface="Times New Roman"/>
+              </a:rPr>
+              <a:t>and </a:t>
+            </a:r>
+            <a:r>
+              <a:rPr lang="en" i="1">
+                <a:solidFill>
+                  <a:schemeClr val="dk1"/>
+                </a:solidFill>
+                <a:latin typeface="Times New Roman"/>
+                <a:ea typeface="Times New Roman"/>
+                <a:cs typeface="Times New Roman"/>
+                <a:sym typeface="Times New Roman"/>
+              </a:rPr>
+              <a:t>honest </a:t>
+            </a:r>
+            <a:r>
+              <a:rPr lang="en">
+                <a:solidFill>
+                  <a:schemeClr val="dk1"/>
+                </a:solidFill>
+                <a:latin typeface="Times New Roman"/>
+                <a:ea typeface="Times New Roman"/>
+                <a:cs typeface="Times New Roman"/>
+                <a:sym typeface="Times New Roman"/>
+              </a:rPr>
+              <a:t>do not necessarily apply the HRI domain.”</a:t>
+            </a:r>
+            <a:endParaRPr>
+              <a:latin typeface="Times New Roman"/>
+              <a:ea typeface="Times New Roman"/>
+              <a:cs typeface="Times New Roman"/>
+              <a:sym typeface="Times New Roman"/>
+            </a:endParaRPr>
+          </a:p>
+        </p:txBody>
+      </p:sp>
+    </p:spTree>
+    <p:extLst>
+      <p:ext uri="{BB962C8B-B14F-4D97-AF65-F5344CB8AC3E}">
+        <p14:creationId xmlns:p14="http://schemas.microsoft.com/office/powerpoint/2010/main" val="1704960900"/>
+      </p:ext>
+    </p:extLst>
+  </p:cSld>
+  <p:clrMapOvr>
+    <a:masterClrMapping/>
+  </p:clrMapOvr>
+</p:sld>
+</file>
+
+<file path=ppt/slides/slide5.xml><?xml version="1.0" encoding="utf-8"?>
+<p:sld xmlns:a="http://schemas.openxmlformats.org/drawingml/2006/main" xmlns:r="http://schemas.openxmlformats.org/officeDocument/2006/relationships" xmlns:p="http://schemas.openxmlformats.org/presentationml/2006/main">
+  <p:cSld>
+    <p:spTree>
+      <p:nvGrpSpPr>
+        <p:cNvPr id="1" name="Shape 82"/>
+        <p:cNvGrpSpPr/>
+        <p:nvPr/>
+      </p:nvGrpSpPr>
+      <p:grpSpPr>
+        <a:xfrm>
+          <a:off x="0" y="0"/>
+          <a:ext cx="0" cy="0"/>
+          <a:chOff x="0" y="0"/>
+          <a:chExt cx="0" cy="0"/>
+        </a:xfrm>
+      </p:grpSpPr>
+      <p:sp>
+        <p:nvSpPr>
+          <p:cNvPr id="83" name="Google Shape;83;p17"/>
+          <p:cNvSpPr txBox="1">
+            <a:spLocks noGrp="1"/>
+          </p:cNvSpPr>
+          <p:nvPr>
+            <p:ph type="title"/>
+          </p:nvPr>
+        </p:nvSpPr>
+        <p:spPr>
+          <a:xfrm>
+            <a:off x="311700" y="445025"/>
+            <a:ext cx="8520600" cy="572700"/>
+          </a:xfrm>
+          <a:prstGeom prst="rect">
+            <a:avLst/>
+          </a:prstGeom>
+        </p:spPr>
+        <p:txBody>
+          <a:bodyPr spcFirstLastPara="1" wrap="square" lIns="91425" tIns="91425" rIns="91425" bIns="91425" anchor="t" anchorCtr="0">
+            <a:noAutofit/>
+          </a:bodyPr>
+          <a:lstStyle/>
+          <a:p>
+            <a:pPr marL="0" lvl="0" indent="0" algn="l" rtl="0">
+              <a:spcBef>
+                <a:spcPts val="0"/>
+              </a:spcBef>
+              <a:spcAft>
+                <a:spcPts val="0"/>
+              </a:spcAft>
+              <a:buNone/>
+            </a:pPr>
+            <a:r>
+              <a:rPr lang="en" b="1">
+                <a:latin typeface="Times New Roman"/>
+                <a:ea typeface="Times New Roman"/>
+                <a:cs typeface="Times New Roman"/>
+                <a:sym typeface="Times New Roman"/>
+              </a:rPr>
+              <a:t>Reliability and Human-Robot Interaction (HRI)</a:t>
+            </a:r>
+            <a:endParaRPr b="1">
+              <a:latin typeface="Times New Roman"/>
+              <a:ea typeface="Times New Roman"/>
+              <a:cs typeface="Times New Roman"/>
+              <a:sym typeface="Times New Roman"/>
+            </a:endParaRPr>
+          </a:p>
+        </p:txBody>
+      </p:sp>
+      <p:sp>
+        <p:nvSpPr>
+          <p:cNvPr id="84" name="Google Shape;84;p17"/>
+          <p:cNvSpPr txBox="1">
+            <a:spLocks noGrp="1"/>
+          </p:cNvSpPr>
+          <p:nvPr>
+            <p:ph type="body" idx="1"/>
+          </p:nvPr>
+        </p:nvSpPr>
+        <p:spPr>
+          <a:xfrm>
+            <a:off x="311700" y="1152475"/>
+            <a:ext cx="8520600" cy="3666300"/>
+          </a:xfrm>
+          <a:prstGeom prst="rect">
+            <a:avLst/>
+          </a:prstGeom>
+        </p:spPr>
+        <p:txBody>
+          <a:bodyPr spcFirstLastPara="1" wrap="square" lIns="91425" tIns="91425" rIns="91425" bIns="91425" anchor="t" anchorCtr="0">
+            <a:noAutofit/>
+          </a:bodyPr>
+          <a:lstStyle/>
+          <a:p>
+            <a:pPr marL="0" lvl="0" indent="0" algn="l" rtl="0">
+              <a:spcBef>
+                <a:spcPts val="0"/>
+              </a:spcBef>
+              <a:spcAft>
+                <a:spcPts val="0"/>
+              </a:spcAft>
+              <a:buClr>
+                <a:schemeClr val="dk1"/>
+              </a:buClr>
+              <a:buSzPts val="1100"/>
+              <a:buFont typeface="Arial"/>
+              <a:buNone/>
+            </a:pPr>
+            <a:r>
+              <a:rPr lang="en">
+                <a:solidFill>
+                  <a:srgbClr val="24292E"/>
+                </a:solidFill>
+                <a:latin typeface="Times New Roman"/>
+                <a:ea typeface="Times New Roman"/>
+                <a:cs typeface="Times New Roman"/>
+                <a:sym typeface="Times New Roman"/>
+              </a:rPr>
+              <a:t>Wickens and Dixon (2007) identified this concept of a reliability threshold of 70%, which was based on their review of studies in which automation performed tasks which humans could perform unaided. In these types of tasks, if reliability falls too low, automation may be perceived as useless, or worse, may negatively affect overall task performance. As a result, human operators are less likely or less willing to rely on automated systems, and instead, execute tasks themselves while disregarding any information coming from an automated system that is perceived as unreliable. Madhavan, Wiegmann, &amp; Lacson (2006), also identified that when automation reliability levels fall below the 70% threshold, performance tends to decrease to levels lower than those of manual task performance alone (i.e., unaided by automation).</a:t>
+            </a:r>
+            <a:endParaRPr>
+              <a:solidFill>
+                <a:srgbClr val="24292E"/>
+              </a:solidFill>
+              <a:latin typeface="Times New Roman"/>
+              <a:ea typeface="Times New Roman"/>
+              <a:cs typeface="Times New Roman"/>
+              <a:sym typeface="Times New Roman"/>
+            </a:endParaRPr>
+          </a:p>
+          <a:p>
+            <a:pPr marL="0" lvl="0" indent="0" algn="l" rtl="0">
+              <a:spcBef>
+                <a:spcPts val="1200"/>
+              </a:spcBef>
+              <a:spcAft>
+                <a:spcPts val="0"/>
+              </a:spcAft>
+              <a:buClr>
+                <a:schemeClr val="dk1"/>
+              </a:buClr>
+              <a:buSzPts val="1100"/>
+              <a:buFont typeface="Arial"/>
+              <a:buNone/>
+            </a:pPr>
+            <a:endParaRPr sz="1200">
+              <a:solidFill>
+                <a:srgbClr val="24292E"/>
+              </a:solidFill>
+            </a:endParaRPr>
+          </a:p>
+          <a:p>
+            <a:pPr marL="0" lvl="0" indent="0" algn="l" rtl="0">
+              <a:spcBef>
+                <a:spcPts val="0"/>
+              </a:spcBef>
+              <a:spcAft>
+                <a:spcPts val="1600"/>
+              </a:spcAft>
+              <a:buNone/>
+            </a:pPr>
+            <a:endParaRPr/>
+          </a:p>
+        </p:txBody>
+      </p:sp>
+    </p:spTree>
+    <p:extLst>
+      <p:ext uri="{BB962C8B-B14F-4D97-AF65-F5344CB8AC3E}">
+        <p14:creationId xmlns:p14="http://schemas.microsoft.com/office/powerpoint/2010/main" val="3390678738"/>
+      </p:ext>
+    </p:extLst>
+  </p:cSld>
+  <p:clrMapOvr>
+    <a:masterClrMapping/>
+  </p:clrMapOvr>
+</p:sld>
+</file>
+
+<file path=ppt/slides/slide6.xml><?xml version="1.0" encoding="utf-8"?>
+<p:sld xmlns:a="http://schemas.openxmlformats.org/drawingml/2006/main" xmlns:r="http://schemas.openxmlformats.org/officeDocument/2006/relationships" xmlns:p="http://schemas.openxmlformats.org/presentationml/2006/main">
+  <p:cSld>
+    <p:spTree>
+      <p:nvGrpSpPr>
+        <p:cNvPr id="1" name="Shape 88"/>
+        <p:cNvGrpSpPr/>
+        <p:nvPr/>
+      </p:nvGrpSpPr>
+      <p:grpSpPr>
+        <a:xfrm>
+          <a:off x="0" y="0"/>
+          <a:ext cx="0" cy="0"/>
+          <a:chOff x="0" y="0"/>
+          <a:chExt cx="0" cy="0"/>
+        </a:xfrm>
+      </p:grpSpPr>
+      <p:sp>
+        <p:nvSpPr>
+          <p:cNvPr id="89" name="Google Shape;89;p18"/>
+          <p:cNvSpPr txBox="1">
+            <a:spLocks noGrp="1"/>
+          </p:cNvSpPr>
+          <p:nvPr>
+            <p:ph type="title"/>
+          </p:nvPr>
+        </p:nvSpPr>
+        <p:spPr>
+          <a:xfrm>
+            <a:off x="311700" y="216425"/>
+            <a:ext cx="8520600" cy="572700"/>
+          </a:xfrm>
+          <a:prstGeom prst="rect">
+            <a:avLst/>
+          </a:prstGeom>
+        </p:spPr>
+        <p:txBody>
+          <a:bodyPr spcFirstLastPara="1" wrap="square" lIns="91425" tIns="91425" rIns="91425" bIns="91425" anchor="t" anchorCtr="0">
+            <a:noAutofit/>
+          </a:bodyPr>
+          <a:lstStyle/>
+          <a:p>
+            <a:pPr marL="0" lvl="0" indent="0" algn="l" rtl="0">
+              <a:spcBef>
+                <a:spcPts val="0"/>
+              </a:spcBef>
+              <a:spcAft>
+                <a:spcPts val="0"/>
+              </a:spcAft>
+              <a:buNone/>
+            </a:pPr>
+            <a:r>
+              <a:rPr lang="en" b="1">
+                <a:latin typeface="Times New Roman"/>
+                <a:ea typeface="Times New Roman"/>
+                <a:cs typeface="Times New Roman"/>
+                <a:sym typeface="Times New Roman"/>
+              </a:rPr>
+              <a:t>Defining Novice and Experts</a:t>
+            </a:r>
+            <a:endParaRPr b="1">
+              <a:latin typeface="Times New Roman"/>
+              <a:ea typeface="Times New Roman"/>
+              <a:cs typeface="Times New Roman"/>
+              <a:sym typeface="Times New Roman"/>
+            </a:endParaRPr>
+          </a:p>
+        </p:txBody>
+      </p:sp>
+      <p:sp>
+        <p:nvSpPr>
+          <p:cNvPr id="90" name="Google Shape;90;p18"/>
+          <p:cNvSpPr txBox="1">
+            <a:spLocks noGrp="1"/>
+          </p:cNvSpPr>
+          <p:nvPr>
+            <p:ph type="body" idx="1"/>
+          </p:nvPr>
+        </p:nvSpPr>
+        <p:spPr>
+          <a:xfrm>
+            <a:off x="311700" y="847675"/>
+            <a:ext cx="8520600" cy="3416400"/>
+          </a:xfrm>
+          <a:prstGeom prst="rect">
+            <a:avLst/>
+          </a:prstGeom>
+        </p:spPr>
+        <p:txBody>
+          <a:bodyPr spcFirstLastPara="1" wrap="square" lIns="91425" tIns="91425" rIns="91425" bIns="91425" anchor="t" anchorCtr="0">
+            <a:noAutofit/>
+          </a:bodyPr>
+          <a:lstStyle/>
+          <a:p>
+            <a:pPr marL="0" lvl="0" indent="0" algn="l" rtl="0">
+              <a:lnSpc>
+                <a:spcPct val="107916"/>
+              </a:lnSpc>
+              <a:spcBef>
+                <a:spcPts val="0"/>
+              </a:spcBef>
+              <a:spcAft>
+                <a:spcPts val="0"/>
+              </a:spcAft>
+              <a:buClr>
+                <a:schemeClr val="dk1"/>
+              </a:buClr>
+              <a:buSzPts val="1100"/>
+              <a:buFont typeface="Arial"/>
+              <a:buNone/>
+            </a:pPr>
+            <a:r>
+              <a:rPr lang="en">
+                <a:solidFill>
+                  <a:schemeClr val="dk1"/>
+                </a:solidFill>
+                <a:latin typeface="Times New Roman"/>
+                <a:ea typeface="Times New Roman"/>
+                <a:cs typeface="Times New Roman"/>
+                <a:sym typeface="Times New Roman"/>
+              </a:rPr>
+              <a:t>When defining a novice and an expert there are several variables that must be considered when determine their difference. Dreyus &amp; Dreyus (1986) described a theoretical framework of the Skill Acquisition Model (SAM). This model allows researcher to document the development of performers as they develop their skills and progress from stage to stage.The skill learning theory contains five stages of skill development: Novice, Advanced Beginner, Competent, Proficient, and Expert.</a:t>
+            </a:r>
+            <a:endParaRPr/>
+          </a:p>
+          <a:p>
+            <a:pPr marL="0" lvl="0" indent="0" algn="l" rtl="0">
+              <a:spcBef>
+                <a:spcPts val="800"/>
+              </a:spcBef>
+              <a:spcAft>
+                <a:spcPts val="1600"/>
+              </a:spcAft>
+              <a:buNone/>
+            </a:pPr>
+            <a:endParaRPr/>
+          </a:p>
+        </p:txBody>
+      </p:sp>
+      <p:pic>
+        <p:nvPicPr>
+          <p:cNvPr id="91" name="Google Shape;91;p18"/>
+          <p:cNvPicPr preferRelativeResize="0"/>
+          <p:nvPr/>
+        </p:nvPicPr>
+        <p:blipFill>
+          <a:blip r:embed="rId3">
+            <a:alphaModFix/>
+          </a:blip>
+          <a:stretch>
+            <a:fillRect/>
+          </a:stretch>
+        </p:blipFill>
+        <p:spPr>
+          <a:xfrm>
+            <a:off x="1148350" y="2749475"/>
+            <a:ext cx="6719350" cy="2339325"/>
+          </a:xfrm>
+          <a:prstGeom prst="rect">
+            <a:avLst/>
+          </a:prstGeom>
+          <a:noFill/>
+          <a:ln>
+            <a:noFill/>
+          </a:ln>
+          <a:effectLst>
+            <a:outerShdw blurRad="57150" dist="19050" dir="5400000" algn="bl" rotWithShape="0">
+              <a:srgbClr val="000000">
+                <a:alpha val="0"/>
+              </a:srgbClr>
+            </a:outerShdw>
+          </a:effectLst>
+        </p:spPr>
+      </p:pic>
+    </p:spTree>
+    <p:extLst>
+      <p:ext uri="{BB962C8B-B14F-4D97-AF65-F5344CB8AC3E}">
+        <p14:creationId xmlns:p14="http://schemas.microsoft.com/office/powerpoint/2010/main" val="3271534835"/>
+      </p:ext>
+    </p:extLst>
+  </p:cSld>
+  <p:clrMapOvr>
+    <a:masterClrMapping/>
+  </p:clrMapOvr>
+</p:sld>
+</file>
+
+<file path=ppt/slides/slide7.xml><?xml version="1.0" encoding="utf-8"?>
+<p:sld xmlns:a="http://schemas.openxmlformats.org/drawingml/2006/main" xmlns:r="http://schemas.openxmlformats.org/officeDocument/2006/relationships" xmlns:p="http://schemas.openxmlformats.org/presentationml/2006/main">
+  <p:cSld>
+    <p:spTree>
+      <p:nvGrpSpPr>
+        <p:cNvPr id="1" name="Shape 95"/>
+        <p:cNvGrpSpPr/>
+        <p:nvPr/>
+      </p:nvGrpSpPr>
+      <p:grpSpPr>
+        <a:xfrm>
+          <a:off x="0" y="0"/>
+          <a:ext cx="0" cy="0"/>
+          <a:chOff x="0" y="0"/>
+          <a:chExt cx="0" cy="0"/>
+        </a:xfrm>
+      </p:grpSpPr>
+      <p:sp>
+        <p:nvSpPr>
+          <p:cNvPr id="96" name="Google Shape;96;p19"/>
+          <p:cNvSpPr txBox="1">
+            <a:spLocks noGrp="1"/>
+          </p:cNvSpPr>
+          <p:nvPr>
+            <p:ph type="title"/>
+          </p:nvPr>
+        </p:nvSpPr>
+        <p:spPr>
+          <a:xfrm>
+            <a:off x="311700" y="445025"/>
+            <a:ext cx="8520600" cy="572700"/>
+          </a:xfrm>
+          <a:prstGeom prst="rect">
+            <a:avLst/>
+          </a:prstGeom>
+        </p:spPr>
+        <p:txBody>
+          <a:bodyPr spcFirstLastPara="1" wrap="square" lIns="91425" tIns="91425" rIns="91425" bIns="91425" anchor="t" anchorCtr="0">
+            <a:noAutofit/>
+          </a:bodyPr>
+          <a:lstStyle/>
+          <a:p>
+            <a:pPr marL="0" lvl="0" indent="0" algn="l" rtl="0">
+              <a:spcBef>
+                <a:spcPts val="0"/>
+              </a:spcBef>
+              <a:spcAft>
+                <a:spcPts val="0"/>
+              </a:spcAft>
+              <a:buNone/>
+            </a:pPr>
+            <a:r>
+              <a:rPr lang="en" b="1">
+                <a:latin typeface="Times New Roman"/>
+                <a:ea typeface="Times New Roman"/>
+                <a:cs typeface="Times New Roman"/>
+                <a:sym typeface="Times New Roman"/>
+              </a:rPr>
+              <a:t>Purpose Statement</a:t>
+            </a:r>
+            <a:endParaRPr b="1">
+              <a:latin typeface="Times New Roman"/>
+              <a:ea typeface="Times New Roman"/>
+              <a:cs typeface="Times New Roman"/>
+              <a:sym typeface="Times New Roman"/>
+            </a:endParaRPr>
+          </a:p>
+        </p:txBody>
+      </p:sp>
+      <p:sp>
+        <p:nvSpPr>
+          <p:cNvPr id="97" name="Google Shape;97;p19"/>
+          <p:cNvSpPr txBox="1">
+            <a:spLocks noGrp="1"/>
+          </p:cNvSpPr>
+          <p:nvPr>
+            <p:ph type="body" idx="1"/>
+          </p:nvPr>
+        </p:nvSpPr>
+        <p:spPr>
+          <a:xfrm>
+            <a:off x="311700" y="1093925"/>
+            <a:ext cx="4067100" cy="3824700"/>
+          </a:xfrm>
+          <a:prstGeom prst="rect">
+            <a:avLst/>
+          </a:prstGeom>
+        </p:spPr>
+        <p:txBody>
+          <a:bodyPr spcFirstLastPara="1" wrap="square" lIns="91425" tIns="91425" rIns="91425" bIns="91425" anchor="t" anchorCtr="0">
+            <a:noAutofit/>
+          </a:bodyPr>
+          <a:lstStyle/>
+          <a:p>
+            <a:pPr marL="457200" lvl="0" indent="-342900" algn="l" rtl="0">
+              <a:lnSpc>
+                <a:spcPct val="100000"/>
+              </a:lnSpc>
+              <a:spcBef>
+                <a:spcPts val="0"/>
+              </a:spcBef>
+              <a:spcAft>
+                <a:spcPts val="0"/>
+              </a:spcAft>
+              <a:buClr>
+                <a:srgbClr val="000000"/>
+              </a:buClr>
+              <a:buSzPts val="1800"/>
+              <a:buFont typeface="Times New Roman"/>
+              <a:buChar char="●"/>
+            </a:pPr>
+            <a:r>
+              <a:rPr lang="en">
+                <a:solidFill>
+                  <a:srgbClr val="000000"/>
+                </a:solidFill>
+                <a:latin typeface="Times New Roman"/>
+                <a:ea typeface="Times New Roman"/>
+                <a:cs typeface="Times New Roman"/>
+                <a:sym typeface="Times New Roman"/>
+              </a:rPr>
+              <a:t>The purpose of this study is to explore the reliability threshold and its effects on HRI in various environmental conditions.</a:t>
+            </a:r>
+            <a:endParaRPr>
+              <a:solidFill>
+                <a:srgbClr val="000000"/>
+              </a:solidFill>
+              <a:latin typeface="Times New Roman"/>
+              <a:ea typeface="Times New Roman"/>
+              <a:cs typeface="Times New Roman"/>
+              <a:sym typeface="Times New Roman"/>
+            </a:endParaRPr>
+          </a:p>
+          <a:p>
+            <a:pPr marL="457200" lvl="0" indent="-342900" algn="l" rtl="0">
+              <a:lnSpc>
+                <a:spcPct val="100000"/>
+              </a:lnSpc>
+              <a:spcBef>
+                <a:spcPts val="0"/>
+              </a:spcBef>
+              <a:spcAft>
+                <a:spcPts val="0"/>
+              </a:spcAft>
+              <a:buClr>
+                <a:srgbClr val="000000"/>
+              </a:buClr>
+              <a:buSzPts val="1800"/>
+              <a:buFont typeface="Times New Roman"/>
+              <a:buChar char="●"/>
+            </a:pPr>
+            <a:r>
+              <a:rPr lang="en">
+                <a:solidFill>
+                  <a:srgbClr val="000000"/>
+                </a:solidFill>
+                <a:latin typeface="Times New Roman"/>
+                <a:ea typeface="Times New Roman"/>
+                <a:cs typeface="Times New Roman"/>
+                <a:sym typeface="Times New Roman"/>
+              </a:rPr>
+              <a:t>This study is also interested in determining whether or not levels of expertise (novice and experts) plays a factor in the willingness to trust or rely on diagnostic aiding automation in safe and dangerous environmental conditions.</a:t>
+            </a:r>
+            <a:endParaRPr>
+              <a:solidFill>
+                <a:srgbClr val="000000"/>
+              </a:solidFill>
+              <a:latin typeface="Times New Roman"/>
+              <a:ea typeface="Times New Roman"/>
+              <a:cs typeface="Times New Roman"/>
+              <a:sym typeface="Times New Roman"/>
+            </a:endParaRPr>
+          </a:p>
+          <a:p>
+            <a:pPr marL="0" lvl="0" indent="0" algn="l" rtl="0">
+              <a:lnSpc>
+                <a:spcPct val="100000"/>
+              </a:lnSpc>
+              <a:spcBef>
+                <a:spcPts val="0"/>
+              </a:spcBef>
+              <a:spcAft>
+                <a:spcPts val="0"/>
+              </a:spcAft>
+              <a:buNone/>
+            </a:pPr>
+            <a:endParaRPr>
+              <a:solidFill>
+                <a:srgbClr val="000000"/>
+              </a:solidFill>
+              <a:latin typeface="Times New Roman"/>
+              <a:ea typeface="Times New Roman"/>
+              <a:cs typeface="Times New Roman"/>
+              <a:sym typeface="Times New Roman"/>
+            </a:endParaRPr>
+          </a:p>
+          <a:p>
+            <a:pPr marL="0" lvl="0" indent="0" algn="l" rtl="0">
+              <a:lnSpc>
+                <a:spcPct val="100000"/>
+              </a:lnSpc>
+              <a:spcBef>
+                <a:spcPts val="0"/>
+              </a:spcBef>
+              <a:spcAft>
+                <a:spcPts val="0"/>
+              </a:spcAft>
+              <a:buNone/>
+            </a:pPr>
+            <a:endParaRPr>
+              <a:solidFill>
+                <a:srgbClr val="000000"/>
+              </a:solidFill>
+              <a:latin typeface="Times New Roman"/>
+              <a:ea typeface="Times New Roman"/>
+              <a:cs typeface="Times New Roman"/>
+              <a:sym typeface="Times New Roman"/>
+            </a:endParaRPr>
+          </a:p>
+        </p:txBody>
+      </p:sp>
+      <p:pic>
+        <p:nvPicPr>
+          <p:cNvPr id="98" name="Google Shape;98;p19"/>
+          <p:cNvPicPr preferRelativeResize="0"/>
+          <p:nvPr/>
+        </p:nvPicPr>
+        <p:blipFill rotWithShape="1">
+          <a:blip r:embed="rId3">
+            <a:alphaModFix/>
+          </a:blip>
+          <a:srcRect/>
+          <a:stretch/>
+        </p:blipFill>
+        <p:spPr>
+          <a:xfrm>
+            <a:off x="4378775" y="1118558"/>
+            <a:ext cx="4308998" cy="3197332"/>
+          </a:xfrm>
+          <a:prstGeom prst="rect">
+            <a:avLst/>
+          </a:prstGeom>
+          <a:noFill/>
+          <a:ln>
+            <a:noFill/>
+          </a:ln>
+        </p:spPr>
+      </p:pic>
+    </p:spTree>
+    <p:extLst>
+      <p:ext uri="{BB962C8B-B14F-4D97-AF65-F5344CB8AC3E}">
+        <p14:creationId xmlns:p14="http://schemas.microsoft.com/office/powerpoint/2010/main" val="64141263"/>
+      </p:ext>
+    </p:extLst>
+  </p:cSld>
+  <p:clrMapOvr>
+    <a:masterClrMapping/>
+  </p:clrMapOvr>
+</p:sld>
+</file>
+
+<file path=ppt/slides/slide8.xml><?xml version="1.0" encoding="utf-8"?>
+<p:sld xmlns:a="http://schemas.openxmlformats.org/drawingml/2006/main" xmlns:r="http://schemas.openxmlformats.org/officeDocument/2006/relationships" xmlns:p="http://schemas.openxmlformats.org/presentationml/2006/main">
+  <p:cSld>
+    <p:spTree>
+      <p:nvGrpSpPr>
+        <p:cNvPr id="1" name="Shape 102"/>
+        <p:cNvGrpSpPr/>
+        <p:nvPr/>
+      </p:nvGrpSpPr>
+      <p:grpSpPr>
+        <a:xfrm>
+          <a:off x="0" y="0"/>
+          <a:ext cx="0" cy="0"/>
+          <a:chOff x="0" y="0"/>
+          <a:chExt cx="0" cy="0"/>
+        </a:xfrm>
+      </p:grpSpPr>
+      <p:sp>
+        <p:nvSpPr>
+          <p:cNvPr id="103" name="Google Shape;103;p20"/>
+          <p:cNvSpPr txBox="1">
+            <a:spLocks noGrp="1"/>
+          </p:cNvSpPr>
+          <p:nvPr>
+            <p:ph type="title"/>
+          </p:nvPr>
+        </p:nvSpPr>
+        <p:spPr>
+          <a:xfrm>
+            <a:off x="311700" y="445025"/>
+            <a:ext cx="8520600" cy="572700"/>
+          </a:xfrm>
+          <a:prstGeom prst="rect">
+            <a:avLst/>
+          </a:prstGeom>
+        </p:spPr>
+        <p:txBody>
+          <a:bodyPr spcFirstLastPara="1" wrap="square" lIns="91425" tIns="91425" rIns="91425" bIns="91425" anchor="t" anchorCtr="0">
+            <a:noAutofit/>
+          </a:bodyPr>
+          <a:lstStyle/>
+          <a:p>
+            <a:pPr marL="0" lvl="0" indent="0" algn="l" rtl="0">
+              <a:spcBef>
+                <a:spcPts val="0"/>
+              </a:spcBef>
+              <a:spcAft>
+                <a:spcPts val="0"/>
+              </a:spcAft>
+              <a:buNone/>
+            </a:pPr>
+            <a:r>
+              <a:rPr lang="en" b="1">
                 <a:latin typeface="Times New Roman"/>
                 <a:ea typeface="Times New Roman"/>
                 <a:cs typeface="Times New Roman"/>
@@ -8767,7 +11950,7 @@
               </a:rPr>
               <a:t>Research Questions</a:t>
             </a:r>
-            <a:endParaRPr sz="3600">
+            <a:endParaRPr b="1">
               <a:latin typeface="Times New Roman"/>
               <a:ea typeface="Times New Roman"/>
               <a:cs typeface="Times New Roman"/>
@@ -8778,7 +11961,7 @@
       </p:sp>
       <p:sp>
         <p:nvSpPr>
-          <p:cNvPr id="87" name="Google Shape;87;p18"/>
+          <p:cNvPr id="104" name="Google Shape;104;p20"/>
           <p:cNvSpPr txBox="1">
             <a:spLocks noGrp="1"/>
           </p:cNvSpPr>
@@ -8801,7 +11984,7 @@
           </a:bodyPr>
           <a:lstStyle/>
           <a:p>
-            <a:pPr marL="457200" lvl="0" indent="-355600" algn="l" rtl="0">
+            <a:pPr marL="457200" lvl="0" indent="-342900" algn="l" rtl="0">
               <a:spcBef>
                 <a:spcPts val="0"/>
               </a:spcBef>
@@ -8811,12 +11994,12 @@
               <a:buClr>
                 <a:schemeClr val="dk1"/>
               </a:buClr>
-              <a:buSzPts val="2000"/>
+              <a:buSzPts val="1800"/>
               <a:buFont typeface="Times New Roman"/>
               <a:buAutoNum type="arabicPeriod"/>
             </a:pPr>
             <a:r>
-              <a:rPr lang="en" sz="2000">
+              <a:rPr lang="en">
                 <a:solidFill>
                   <a:schemeClr val="dk1"/>
                 </a:solidFill>
@@ -8825,9 +12008,9 @@
                 <a:cs typeface="Times New Roman"/>
                 <a:sym typeface="Times New Roman"/>
               </a:rPr>
-              <a:t>Is there a difference in perception of reliable and unreliable diagnostic aiding automation in both safe and dangerous environments when comparing levels of expertise (novice and experts)? </a:t>
+              <a:t>Is there a difference in perception of reliable and unreliable diagnostic aiding automation in both safe and dangerous environments when comparing levels of expertise (novice and experts)?</a:t>
             </a:r>
-            <a:endParaRPr sz="2000">
+            <a:endParaRPr>
               <a:solidFill>
                 <a:schemeClr val="dk1"/>
               </a:solidFill>
@@ -8838,7 +12021,7 @@
             </a:endParaRPr>
           </a:p>
           <a:p>
-            <a:pPr marL="457200" lvl="0" indent="-355600" algn="l" rtl="0">
+            <a:pPr marL="457200" lvl="0" indent="-342900" algn="l" rtl="0">
               <a:spcBef>
                 <a:spcPts val="0"/>
               </a:spcBef>
@@ -8848,12 +12031,12 @@
               <a:buClr>
                 <a:schemeClr val="dk1"/>
               </a:buClr>
-              <a:buSzPts val="2000"/>
+              <a:buSzPts val="1800"/>
               <a:buFont typeface="Times New Roman"/>
               <a:buAutoNum type="arabicPeriod"/>
             </a:pPr>
             <a:r>
-              <a:rPr lang="en" sz="2000">
+              <a:rPr lang="en">
                 <a:solidFill>
                   <a:schemeClr val="dk1"/>
                 </a:solidFill>
@@ -8864,11 +12047,44 @@
               </a:rPr>
               <a:t>Do novice consider diagnostic aiding automation to be reliable or unreliable as opposed to an expert operator when automation reliability rate is set to 50% in both benign and hostile environments?</a:t>
             </a:r>
-            <a:endParaRPr sz="2000"/>
+            <a:endParaRPr>
+              <a:solidFill>
+                <a:schemeClr val="dk1"/>
+              </a:solidFill>
+              <a:latin typeface="Times New Roman"/>
+              <a:ea typeface="Times New Roman"/>
+              <a:cs typeface="Times New Roman"/>
+              <a:sym typeface="Times New Roman"/>
+            </a:endParaRPr>
+          </a:p>
+          <a:p>
+            <a:pPr marL="457200" lvl="0" indent="0" algn="l" rtl="0">
+              <a:spcBef>
+                <a:spcPts val="0"/>
+              </a:spcBef>
+              <a:spcAft>
+                <a:spcPts val="0"/>
+              </a:spcAft>
+              <a:buNone/>
+            </a:pPr>
+            <a:endParaRPr>
+              <a:solidFill>
+                <a:schemeClr val="dk1"/>
+              </a:solidFill>
+              <a:latin typeface="Times New Roman"/>
+              <a:ea typeface="Times New Roman"/>
+              <a:cs typeface="Times New Roman"/>
+              <a:sym typeface="Times New Roman"/>
+            </a:endParaRPr>
           </a:p>
         </p:txBody>
       </p:sp>
     </p:spTree>
+    <p:extLst>
+      <p:ext uri="{BB962C8B-B14F-4D97-AF65-F5344CB8AC3E}">
+        <p14:creationId xmlns:p14="http://schemas.microsoft.com/office/powerpoint/2010/main" val="2409417463"/>
+      </p:ext>
+    </p:extLst>
   </p:cSld>
   <p:clrMapOvr>
     <a:masterClrMapping/>
@@ -8876,12 +12092,12 @@
 </p:sld>
 </file>
 
-<file path=ppt/slides/slide7.xml><?xml version="1.0" encoding="utf-8"?>
+<file path=ppt/slides/slide9.xml><?xml version="1.0" encoding="utf-8"?>
 <p:sld xmlns:a="http://schemas.openxmlformats.org/drawingml/2006/main" xmlns:r="http://schemas.openxmlformats.org/officeDocument/2006/relationships" xmlns:p="http://schemas.openxmlformats.org/presentationml/2006/main">
   <p:cSld>
     <p:spTree>
       <p:nvGrpSpPr>
-        <p:cNvPr id="1" name="Shape 91"/>
+        <p:cNvPr id="1" name="Shape 108"/>
         <p:cNvGrpSpPr/>
         <p:nvPr/>
       </p:nvGrpSpPr>
@@ -8895,7 +12111,7 @@
       </p:grpSpPr>
       <p:sp>
         <p:nvSpPr>
-          <p:cNvPr id="92" name="Google Shape;92;p19"/>
+          <p:cNvPr id="109" name="Google Shape;109;p21"/>
           <p:cNvSpPr txBox="1">
             <a:spLocks noGrp="1"/>
           </p:cNvSpPr>
@@ -8933,7 +12149,7 @@
               <a:buNone/>
             </a:pPr>
             <a:r>
-              <a:rPr lang="en" sz="3600">
+              <a:rPr lang="en" b="1">
                 <a:latin typeface="Times New Roman"/>
                 <a:ea typeface="Times New Roman"/>
                 <a:cs typeface="Times New Roman"/>
@@ -8941,7 +12157,7 @@
               </a:rPr>
               <a:t>Hypotheses</a:t>
             </a:r>
-            <a:endParaRPr sz="3600">
+            <a:endParaRPr b="1">
               <a:latin typeface="Times New Roman"/>
               <a:ea typeface="Times New Roman"/>
               <a:cs typeface="Times New Roman"/>
@@ -8964,7 +12180,7 @@
       </p:sp>
       <p:sp>
         <p:nvSpPr>
-          <p:cNvPr id="93" name="Google Shape;93;p19"/>
+          <p:cNvPr id="110" name="Google Shape;110;p21"/>
           <p:cNvSpPr txBox="1">
             <a:spLocks noGrp="1"/>
           </p:cNvSpPr>
@@ -8975,7 +12191,7 @@
         <p:spPr>
           <a:xfrm>
             <a:off x="311700" y="1228675"/>
-            <a:ext cx="8520600" cy="3416400"/>
+            <a:ext cx="8520600" cy="3806400"/>
           </a:xfrm>
           <a:prstGeom prst="rect">
             <a:avLst/>
@@ -8987,7 +12203,7 @@
           </a:bodyPr>
           <a:lstStyle/>
           <a:p>
-            <a:pPr marL="457200" lvl="0" indent="-355600" algn="l" rtl="0">
+            <a:pPr marL="457200" lvl="0" indent="-342900" algn="l" rtl="0">
               <a:spcBef>
                 <a:spcPts val="0"/>
               </a:spcBef>
@@ -8995,944 +12211,61 @@
                 <a:spcPts val="0"/>
               </a:spcAft>
               <a:buClr>
-                <a:schemeClr val="dk1"/>
+                <a:srgbClr val="000000"/>
               </a:buClr>
-              <a:buSzPts val="2000"/>
-              <a:buFont typeface="Times New Roman"/>
+              <a:buSzPts val="1800"/>
+              <a:buFont typeface="Noto Sans Symbols"/>
               <a:buAutoNum type="arabicPeriod"/>
             </a:pPr>
             <a:r>
-              <a:rPr lang="en" sz="2000">
+              <a:rPr lang="en" b="1">
                 <a:solidFill>
-                  <a:schemeClr val="dk1"/>
+                  <a:srgbClr val="000000"/>
                 </a:solidFill>
                 <a:latin typeface="Times New Roman"/>
                 <a:ea typeface="Times New Roman"/>
                 <a:cs typeface="Times New Roman"/>
                 <a:sym typeface="Times New Roman"/>
               </a:rPr>
-              <a:t>Novice will consider diagnostic aiding automation to be unreliable when </a:t>
+              <a:t>H</a:t>
             </a:r>
             <a:r>
-              <a:rPr lang="en" sz="2000" b="1">
+              <a:rPr lang="en" b="1" baseline="-25000">
                 <a:solidFill>
-                  <a:schemeClr val="dk1"/>
+                  <a:srgbClr val="000000"/>
                 </a:solidFill>
                 <a:latin typeface="Times New Roman"/>
                 <a:ea typeface="Times New Roman"/>
                 <a:cs typeface="Times New Roman"/>
                 <a:sym typeface="Times New Roman"/>
               </a:rPr>
-              <a:t>reliability is set at 50% in both safe and dangerous environments</a:t>
+              <a:t>1</a:t>
             </a:r>
             <a:r>
-              <a:rPr lang="en" sz="2000">
+              <a:rPr lang="en" b="1">
                 <a:solidFill>
-                  <a:schemeClr val="dk1"/>
+                  <a:srgbClr val="000000"/>
                 </a:solidFill>
                 <a:latin typeface="Times New Roman"/>
                 <a:ea typeface="Times New Roman"/>
                 <a:cs typeface="Times New Roman"/>
                 <a:sym typeface="Times New Roman"/>
               </a:rPr>
-              <a:t>. </a:t>
+              <a:t>:</a:t>
             </a:r>
-            <a:endParaRPr sz="2000">
-              <a:solidFill>
-                <a:schemeClr val="dk1"/>
-              </a:solidFill>
-              <a:latin typeface="Times New Roman"/>
-              <a:ea typeface="Times New Roman"/>
-              <a:cs typeface="Times New Roman"/>
-              <a:sym typeface="Times New Roman"/>
-            </a:endParaRPr>
-          </a:p>
-          <a:p>
-            <a:pPr marL="457200" lvl="0" indent="-355600" algn="l" rtl="0">
-              <a:spcBef>
-                <a:spcPts val="0"/>
-              </a:spcBef>
-              <a:spcAft>
-                <a:spcPts val="0"/>
-              </a:spcAft>
-              <a:buClr>
-                <a:schemeClr val="dk1"/>
-              </a:buClr>
-              <a:buSzPts val="2000"/>
-              <a:buFont typeface="Times New Roman"/>
-              <a:buAutoNum type="arabicPeriod"/>
-            </a:pPr>
             <a:r>
-              <a:rPr lang="en" sz="2000">
+              <a:rPr lang="en">
                 <a:solidFill>
-                  <a:schemeClr val="dk1"/>
+                  <a:srgbClr val="000000"/>
                 </a:solidFill>
                 <a:latin typeface="Times New Roman"/>
                 <a:ea typeface="Times New Roman"/>
                 <a:cs typeface="Times New Roman"/>
                 <a:sym typeface="Times New Roman"/>
               </a:rPr>
-              <a:t>Experts will consider diagnostic aiding automation to be </a:t>
+              <a:t> It is hypothesized that novice participants in the 50% reliability condition will have lower levels of trust in an autonomous robot than expert participants.</a:t>
             </a:r>
-            <a:r>
-              <a:rPr lang="en" sz="2000" b="1">
-                <a:solidFill>
-                  <a:schemeClr val="dk1"/>
-                </a:solidFill>
-                <a:latin typeface="Times New Roman"/>
-                <a:ea typeface="Times New Roman"/>
-                <a:cs typeface="Times New Roman"/>
-                <a:sym typeface="Times New Roman"/>
-              </a:rPr>
-              <a:t>reliable</a:t>
-            </a:r>
-            <a:r>
-              <a:rPr lang="en" sz="2000">
-                <a:solidFill>
-                  <a:schemeClr val="dk1"/>
-                </a:solidFill>
-                <a:latin typeface="Times New Roman"/>
-                <a:ea typeface="Times New Roman"/>
-                <a:cs typeface="Times New Roman"/>
-                <a:sym typeface="Times New Roman"/>
-              </a:rPr>
-              <a:t> </a:t>
-            </a:r>
-            <a:r>
-              <a:rPr lang="en" sz="2000" b="1" u="sng">
-                <a:solidFill>
-                  <a:schemeClr val="dk1"/>
-                </a:solidFill>
-                <a:latin typeface="Times New Roman"/>
-                <a:ea typeface="Times New Roman"/>
-                <a:cs typeface="Times New Roman"/>
-                <a:sym typeface="Times New Roman"/>
-              </a:rPr>
-              <a:t>only</a:t>
-            </a:r>
-            <a:r>
-              <a:rPr lang="en" sz="2000" b="1">
-                <a:solidFill>
-                  <a:schemeClr val="dk1"/>
-                </a:solidFill>
-                <a:latin typeface="Times New Roman"/>
-                <a:ea typeface="Times New Roman"/>
-                <a:cs typeface="Times New Roman"/>
-                <a:sym typeface="Times New Roman"/>
-              </a:rPr>
-              <a:t> in hostile environments </a:t>
-            </a:r>
-            <a:r>
-              <a:rPr lang="en" sz="2000">
-                <a:solidFill>
-                  <a:schemeClr val="dk1"/>
-                </a:solidFill>
-                <a:latin typeface="Times New Roman"/>
-                <a:ea typeface="Times New Roman"/>
-                <a:cs typeface="Times New Roman"/>
-                <a:sym typeface="Times New Roman"/>
-              </a:rPr>
-              <a:t>when reliability is set at 50%.</a:t>
-            </a:r>
-            <a:endParaRPr sz="2000">
-              <a:solidFill>
-                <a:schemeClr val="dk1"/>
-              </a:solidFill>
-              <a:latin typeface="Times New Roman"/>
-              <a:ea typeface="Times New Roman"/>
-              <a:cs typeface="Times New Roman"/>
-              <a:sym typeface="Times New Roman"/>
-            </a:endParaRPr>
-          </a:p>
-          <a:p>
-            <a:pPr marL="457200" lvl="0" indent="-355600" algn="l" rtl="0">
-              <a:spcBef>
-                <a:spcPts val="0"/>
-              </a:spcBef>
-              <a:spcAft>
-                <a:spcPts val="0"/>
-              </a:spcAft>
-              <a:buClr>
-                <a:schemeClr val="dk1"/>
-              </a:buClr>
-              <a:buSzPts val="2000"/>
-              <a:buFont typeface="Times New Roman"/>
-              <a:buAutoNum type="arabicPeriod"/>
-            </a:pPr>
-            <a:r>
-              <a:rPr lang="en" sz="2000">
-                <a:solidFill>
-                  <a:schemeClr val="dk1"/>
-                </a:solidFill>
-                <a:latin typeface="Times New Roman"/>
-                <a:ea typeface="Times New Roman"/>
-                <a:cs typeface="Times New Roman"/>
-                <a:sym typeface="Times New Roman"/>
-              </a:rPr>
-              <a:t>Experts will consider diagnostic aiding automation to be </a:t>
-            </a:r>
-            <a:r>
-              <a:rPr lang="en" sz="2000" b="1">
-                <a:solidFill>
-                  <a:schemeClr val="dk1"/>
-                </a:solidFill>
-                <a:latin typeface="Times New Roman"/>
-                <a:ea typeface="Times New Roman"/>
-                <a:cs typeface="Times New Roman"/>
-                <a:sym typeface="Times New Roman"/>
-              </a:rPr>
-              <a:t>unreliable</a:t>
-            </a:r>
-            <a:r>
-              <a:rPr lang="en" sz="2000">
-                <a:solidFill>
-                  <a:schemeClr val="dk1"/>
-                </a:solidFill>
-                <a:latin typeface="Times New Roman"/>
-                <a:ea typeface="Times New Roman"/>
-                <a:cs typeface="Times New Roman"/>
-                <a:sym typeface="Times New Roman"/>
-              </a:rPr>
-              <a:t> when reliability is set to 50% in safe environments.</a:t>
-            </a:r>
-            <a:endParaRPr sz="2000">
-              <a:solidFill>
-                <a:schemeClr val="dk1"/>
-              </a:solidFill>
-              <a:latin typeface="Times New Roman"/>
-              <a:ea typeface="Times New Roman"/>
-              <a:cs typeface="Times New Roman"/>
-              <a:sym typeface="Times New Roman"/>
-            </a:endParaRPr>
-          </a:p>
-          <a:p>
-            <a:pPr marL="0" lvl="0" indent="0" algn="l" rtl="0">
-              <a:spcBef>
-                <a:spcPts val="0"/>
-              </a:spcBef>
-              <a:spcAft>
-                <a:spcPts val="1600"/>
-              </a:spcAft>
-              <a:buNone/>
-            </a:pPr>
-            <a:endParaRPr/>
-          </a:p>
-        </p:txBody>
-      </p:sp>
-    </p:spTree>
-  </p:cSld>
-  <p:clrMapOvr>
-    <a:masterClrMapping/>
-  </p:clrMapOvr>
-</p:sld>
-</file>
-
-<file path=ppt/slides/slide8.xml><?xml version="1.0" encoding="utf-8"?>
-<p:sld xmlns:a="http://schemas.openxmlformats.org/drawingml/2006/main" xmlns:r="http://schemas.openxmlformats.org/officeDocument/2006/relationships" xmlns:p="http://schemas.openxmlformats.org/presentationml/2006/main">
-  <p:cSld>
-    <p:spTree>
-      <p:nvGrpSpPr>
-        <p:cNvPr id="1" name="Shape 97"/>
-        <p:cNvGrpSpPr/>
-        <p:nvPr/>
-      </p:nvGrpSpPr>
-      <p:grpSpPr>
-        <a:xfrm>
-          <a:off x="0" y="0"/>
-          <a:ext cx="0" cy="0"/>
-          <a:chOff x="0" y="0"/>
-          <a:chExt cx="0" cy="0"/>
-        </a:xfrm>
-      </p:grpSpPr>
-      <p:sp>
-        <p:nvSpPr>
-          <p:cNvPr id="98" name="Google Shape;98;p20"/>
-          <p:cNvSpPr txBox="1">
-            <a:spLocks noGrp="1"/>
-          </p:cNvSpPr>
-          <p:nvPr>
-            <p:ph type="title"/>
-          </p:nvPr>
-        </p:nvSpPr>
-        <p:spPr>
-          <a:xfrm>
-            <a:off x="311700" y="445025"/>
-            <a:ext cx="8520600" cy="572700"/>
-          </a:xfrm>
-          <a:prstGeom prst="rect">
-            <a:avLst/>
-          </a:prstGeom>
-        </p:spPr>
-        <p:txBody>
-          <a:bodyPr spcFirstLastPara="1" wrap="square" lIns="91425" tIns="91425" rIns="91425" bIns="91425" anchor="t" anchorCtr="0">
-            <a:noAutofit/>
-          </a:bodyPr>
-          <a:lstStyle/>
-          <a:p>
-            <a:pPr marL="0" lvl="0" indent="0" algn="l" rtl="0">
-              <a:spcBef>
-                <a:spcPts val="0"/>
-              </a:spcBef>
-              <a:spcAft>
-                <a:spcPts val="0"/>
-              </a:spcAft>
-              <a:buNone/>
-            </a:pPr>
-            <a:r>
-              <a:rPr lang="en" sz="3600">
-                <a:latin typeface="Times New Roman"/>
-                <a:ea typeface="Times New Roman"/>
-                <a:cs typeface="Times New Roman"/>
-                <a:sym typeface="Times New Roman"/>
-              </a:rPr>
-              <a:t>Current Study Design</a:t>
-            </a:r>
-            <a:endParaRPr sz="3600">
-              <a:latin typeface="Times New Roman"/>
-              <a:ea typeface="Times New Roman"/>
-              <a:cs typeface="Times New Roman"/>
-              <a:sym typeface="Times New Roman"/>
-            </a:endParaRPr>
-          </a:p>
-        </p:txBody>
-      </p:sp>
-      <p:graphicFrame>
-        <p:nvGraphicFramePr>
-          <p:cNvPr id="99" name="Google Shape;99;p20"/>
-          <p:cNvGraphicFramePr/>
-          <p:nvPr/>
-        </p:nvGraphicFramePr>
-        <p:xfrm>
-          <a:off x="757675" y="1384088"/>
-          <a:ext cx="3000000" cy="3000000"/>
-        </p:xfrm>
-        <a:graphic>
-          <a:graphicData uri="http://schemas.openxmlformats.org/drawingml/2006/table">
-            <a:tbl>
-              <a:tblPr>
-                <a:noFill/>
-                <a:tableStyleId>{0D8CF8E1-BDEB-44F1-AB40-0A61CA8EF7E5}</a:tableStyleId>
-              </a:tblPr>
-              <a:tblGrid>
-                <a:gridCol w="2526400">
-                  <a:extLst>
-                    <a:ext uri="{9D8B030D-6E8A-4147-A177-3AD203B41FA5}">
-                      <a16:colId xmlns:a16="http://schemas.microsoft.com/office/drawing/2014/main" val="20000"/>
-                    </a:ext>
-                  </a:extLst>
-                </a:gridCol>
-                <a:gridCol w="2549125">
-                  <a:extLst>
-                    <a:ext uri="{9D8B030D-6E8A-4147-A177-3AD203B41FA5}">
-                      <a16:colId xmlns:a16="http://schemas.microsoft.com/office/drawing/2014/main" val="20001"/>
-                    </a:ext>
-                  </a:extLst>
-                </a:gridCol>
-                <a:gridCol w="2560500">
-                  <a:extLst>
-                    <a:ext uri="{9D8B030D-6E8A-4147-A177-3AD203B41FA5}">
-                      <a16:colId xmlns:a16="http://schemas.microsoft.com/office/drawing/2014/main" val="20002"/>
-                    </a:ext>
-                  </a:extLst>
-                </a:gridCol>
-              </a:tblGrid>
-              <a:tr h="1177375">
-                <a:tc>
-                  <a:txBody>
-                    <a:bodyPr/>
-                    <a:lstStyle/>
-                    <a:p>
-                      <a:pPr marL="0" lvl="0" indent="0" algn="ctr" rtl="0">
-                        <a:lnSpc>
-                          <a:spcPct val="115000"/>
-                        </a:lnSpc>
-                        <a:spcBef>
-                          <a:spcPts val="0"/>
-                        </a:spcBef>
-                        <a:spcAft>
-                          <a:spcPts val="0"/>
-                        </a:spcAft>
-                        <a:buNone/>
-                      </a:pPr>
-                      <a:r>
-                        <a:rPr lang="en"/>
-                        <a:t> </a:t>
-                      </a:r>
-                      <a:endParaRPr/>
-                    </a:p>
-                  </a:txBody>
-                  <a:tcPr marL="68575" marR="68575" marT="91425" marB="91425"/>
-                </a:tc>
-                <a:tc>
-                  <a:txBody>
-                    <a:bodyPr/>
-                    <a:lstStyle/>
-                    <a:p>
-                      <a:pPr marL="0" lvl="0" indent="0" algn="ctr" rtl="0">
-                        <a:lnSpc>
-                          <a:spcPct val="115000"/>
-                        </a:lnSpc>
-                        <a:spcBef>
-                          <a:spcPts val="0"/>
-                        </a:spcBef>
-                        <a:spcAft>
-                          <a:spcPts val="0"/>
-                        </a:spcAft>
-                        <a:buNone/>
-                      </a:pPr>
-                      <a:r>
-                        <a:rPr lang="en" sz="1200" b="1"/>
-                        <a:t>Dangerous Environment</a:t>
-                      </a:r>
-                      <a:endParaRPr sz="1200" b="1"/>
-                    </a:p>
-                  </a:txBody>
-                  <a:tcPr marL="68575" marR="68575" marT="91425" marB="91425">
-                    <a:lnB w="12650" cap="flat" cmpd="sng">
-                      <a:solidFill>
-                        <a:srgbClr val="000000"/>
-                      </a:solidFill>
-                      <a:prstDash val="solid"/>
-                      <a:round/>
-                      <a:headEnd type="none" w="sm" len="sm"/>
-                      <a:tailEnd type="none" w="sm" len="sm"/>
-                    </a:lnB>
-                  </a:tcPr>
-                </a:tc>
-                <a:tc>
-                  <a:txBody>
-                    <a:bodyPr/>
-                    <a:lstStyle/>
-                    <a:p>
-                      <a:pPr marL="0" lvl="0" indent="0" algn="ctr" rtl="0">
-                        <a:lnSpc>
-                          <a:spcPct val="115000"/>
-                        </a:lnSpc>
-                        <a:spcBef>
-                          <a:spcPts val="0"/>
-                        </a:spcBef>
-                        <a:spcAft>
-                          <a:spcPts val="0"/>
-                        </a:spcAft>
-                        <a:buNone/>
-                      </a:pPr>
-                      <a:r>
-                        <a:rPr lang="en" sz="1200" b="1"/>
-                        <a:t>Safe Environment</a:t>
-                      </a:r>
-                      <a:endParaRPr sz="1200" b="1"/>
-                    </a:p>
-                  </a:txBody>
-                  <a:tcPr marL="68575" marR="68575" marT="91425" marB="91425">
-                    <a:lnB w="12650" cap="flat" cmpd="sng">
-                      <a:solidFill>
-                        <a:srgbClr val="000000"/>
-                      </a:solidFill>
-                      <a:prstDash val="solid"/>
-                      <a:round/>
-                      <a:headEnd type="none" w="sm" len="sm"/>
-                      <a:tailEnd type="none" w="sm" len="sm"/>
-                    </a:lnB>
-                  </a:tcPr>
-                </a:tc>
-                <a:extLst>
-                  <a:ext uri="{0D108BD9-81ED-4DB2-BD59-A6C34878D82A}">
-                    <a16:rowId xmlns:a16="http://schemas.microsoft.com/office/drawing/2014/main" val="10000"/>
-                  </a:ext>
-                </a:extLst>
-              </a:tr>
-              <a:tr h="1177375">
-                <a:tc>
-                  <a:txBody>
-                    <a:bodyPr/>
-                    <a:lstStyle/>
-                    <a:p>
-                      <a:pPr marL="0" lvl="0" indent="0" algn="ctr" rtl="0">
-                        <a:lnSpc>
-                          <a:spcPct val="115000"/>
-                        </a:lnSpc>
-                        <a:spcBef>
-                          <a:spcPts val="0"/>
-                        </a:spcBef>
-                        <a:spcAft>
-                          <a:spcPts val="0"/>
-                        </a:spcAft>
-                        <a:buNone/>
-                      </a:pPr>
-                      <a:r>
-                        <a:rPr lang="en" sz="1200" b="1"/>
-                        <a:t>Novice</a:t>
-                      </a:r>
-                      <a:endParaRPr sz="1200" b="1"/>
-                    </a:p>
-                  </a:txBody>
-                  <a:tcPr marL="68575" marR="68575" marT="91425" marB="91425">
-                    <a:lnR w="12650" cap="flat" cmpd="sng">
-                      <a:solidFill>
-                        <a:srgbClr val="000000"/>
-                      </a:solidFill>
-                      <a:prstDash val="solid"/>
-                      <a:round/>
-                      <a:headEnd type="none" w="sm" len="sm"/>
-                      <a:tailEnd type="none" w="sm" len="sm"/>
-                    </a:lnR>
-                  </a:tcPr>
-                </a:tc>
-                <a:tc>
-                  <a:txBody>
-                    <a:bodyPr/>
-                    <a:lstStyle/>
-                    <a:p>
-                      <a:pPr marL="0" lvl="0" indent="0" algn="ctr" rtl="0">
-                        <a:lnSpc>
-                          <a:spcPct val="115000"/>
-                        </a:lnSpc>
-                        <a:spcBef>
-                          <a:spcPts val="0"/>
-                        </a:spcBef>
-                        <a:spcAft>
-                          <a:spcPts val="0"/>
-                        </a:spcAft>
-                        <a:buNone/>
-                      </a:pPr>
-                      <a:r>
-                        <a:rPr lang="en"/>
-                        <a:t>Novice Dangerous Environment</a:t>
-                      </a:r>
-                      <a:endParaRPr/>
-                    </a:p>
-                  </a:txBody>
-                  <a:tcPr marL="68575" marR="68575" marT="91425" marB="91425">
-                    <a:lnL w="12650" cap="flat" cmpd="sng">
-                      <a:solidFill>
-                        <a:srgbClr val="000000"/>
-                      </a:solidFill>
-                      <a:prstDash val="solid"/>
-                      <a:round/>
-                      <a:headEnd type="none" w="sm" len="sm"/>
-                      <a:tailEnd type="none" w="sm" len="sm"/>
-                    </a:lnL>
-                    <a:lnR w="12650" cap="flat" cmpd="sng">
-                      <a:solidFill>
-                        <a:srgbClr val="000000"/>
-                      </a:solidFill>
-                      <a:prstDash val="solid"/>
-                      <a:round/>
-                      <a:headEnd type="none" w="sm" len="sm"/>
-                      <a:tailEnd type="none" w="sm" len="sm"/>
-                    </a:lnR>
-                    <a:lnT w="12650" cap="flat" cmpd="sng">
-                      <a:solidFill>
-                        <a:srgbClr val="000000"/>
-                      </a:solidFill>
-                      <a:prstDash val="solid"/>
-                      <a:round/>
-                      <a:headEnd type="none" w="sm" len="sm"/>
-                      <a:tailEnd type="none" w="sm" len="sm"/>
-                    </a:lnT>
-                    <a:lnB w="12650" cap="flat" cmpd="sng">
-                      <a:solidFill>
-                        <a:srgbClr val="000000"/>
-                      </a:solidFill>
-                      <a:prstDash val="solid"/>
-                      <a:round/>
-                      <a:headEnd type="none" w="sm" len="sm"/>
-                      <a:tailEnd type="none" w="sm" len="sm"/>
-                    </a:lnB>
-                  </a:tcPr>
-                </a:tc>
-                <a:tc>
-                  <a:txBody>
-                    <a:bodyPr/>
-                    <a:lstStyle/>
-                    <a:p>
-                      <a:pPr marL="0" lvl="0" indent="0" algn="ctr" rtl="0">
-                        <a:lnSpc>
-                          <a:spcPct val="115000"/>
-                        </a:lnSpc>
-                        <a:spcBef>
-                          <a:spcPts val="0"/>
-                        </a:spcBef>
-                        <a:spcAft>
-                          <a:spcPts val="0"/>
-                        </a:spcAft>
-                        <a:buNone/>
-                      </a:pPr>
-                      <a:r>
-                        <a:rPr lang="en"/>
-                        <a:t>Novice Safe Environment</a:t>
-                      </a:r>
-                      <a:endParaRPr/>
-                    </a:p>
-                  </a:txBody>
-                  <a:tcPr marL="68575" marR="68575" marT="91425" marB="91425">
-                    <a:lnL w="12650" cap="flat" cmpd="sng">
-                      <a:solidFill>
-                        <a:srgbClr val="000000"/>
-                      </a:solidFill>
-                      <a:prstDash val="solid"/>
-                      <a:round/>
-                      <a:headEnd type="none" w="sm" len="sm"/>
-                      <a:tailEnd type="none" w="sm" len="sm"/>
-                    </a:lnL>
-                    <a:lnR w="12650" cap="flat" cmpd="sng">
-                      <a:solidFill>
-                        <a:srgbClr val="000000"/>
-                      </a:solidFill>
-                      <a:prstDash val="solid"/>
-                      <a:round/>
-                      <a:headEnd type="none" w="sm" len="sm"/>
-                      <a:tailEnd type="none" w="sm" len="sm"/>
-                    </a:lnR>
-                    <a:lnT w="12650" cap="flat" cmpd="sng">
-                      <a:solidFill>
-                        <a:srgbClr val="000000"/>
-                      </a:solidFill>
-                      <a:prstDash val="solid"/>
-                      <a:round/>
-                      <a:headEnd type="none" w="sm" len="sm"/>
-                      <a:tailEnd type="none" w="sm" len="sm"/>
-                    </a:lnT>
-                    <a:lnB w="12650" cap="flat" cmpd="sng">
-                      <a:solidFill>
-                        <a:srgbClr val="000000"/>
-                      </a:solidFill>
-                      <a:prstDash val="solid"/>
-                      <a:round/>
-                      <a:headEnd type="none" w="sm" len="sm"/>
-                      <a:tailEnd type="none" w="sm" len="sm"/>
-                    </a:lnB>
-                  </a:tcPr>
-                </a:tc>
-                <a:extLst>
-                  <a:ext uri="{0D108BD9-81ED-4DB2-BD59-A6C34878D82A}">
-                    <a16:rowId xmlns:a16="http://schemas.microsoft.com/office/drawing/2014/main" val="10001"/>
-                  </a:ext>
-                </a:extLst>
-              </a:tr>
-              <a:tr h="1177375">
-                <a:tc>
-                  <a:txBody>
-                    <a:bodyPr/>
-                    <a:lstStyle/>
-                    <a:p>
-                      <a:pPr marL="0" lvl="0" indent="0" algn="ctr" rtl="0">
-                        <a:lnSpc>
-                          <a:spcPct val="115000"/>
-                        </a:lnSpc>
-                        <a:spcBef>
-                          <a:spcPts val="0"/>
-                        </a:spcBef>
-                        <a:spcAft>
-                          <a:spcPts val="0"/>
-                        </a:spcAft>
-                        <a:buNone/>
-                      </a:pPr>
-                      <a:r>
-                        <a:rPr lang="en" sz="1200" b="1"/>
-                        <a:t>Expert</a:t>
-                      </a:r>
-                      <a:endParaRPr sz="1200" b="1"/>
-                    </a:p>
-                  </a:txBody>
-                  <a:tcPr marL="68575" marR="68575" marT="91425" marB="91425">
-                    <a:lnR w="12650" cap="flat" cmpd="sng">
-                      <a:solidFill>
-                        <a:srgbClr val="000000"/>
-                      </a:solidFill>
-                      <a:prstDash val="solid"/>
-                      <a:round/>
-                      <a:headEnd type="none" w="sm" len="sm"/>
-                      <a:tailEnd type="none" w="sm" len="sm"/>
-                    </a:lnR>
-                  </a:tcPr>
-                </a:tc>
-                <a:tc>
-                  <a:txBody>
-                    <a:bodyPr/>
-                    <a:lstStyle/>
-                    <a:p>
-                      <a:pPr marL="0" lvl="0" indent="0" algn="ctr" rtl="0">
-                        <a:lnSpc>
-                          <a:spcPct val="115000"/>
-                        </a:lnSpc>
-                        <a:spcBef>
-                          <a:spcPts val="0"/>
-                        </a:spcBef>
-                        <a:spcAft>
-                          <a:spcPts val="0"/>
-                        </a:spcAft>
-                        <a:buNone/>
-                      </a:pPr>
-                      <a:r>
-                        <a:rPr lang="en"/>
-                        <a:t>Expert Dangerous Environment</a:t>
-                      </a:r>
-                      <a:endParaRPr/>
-                    </a:p>
-                  </a:txBody>
-                  <a:tcPr marL="68575" marR="68575" marT="91425" marB="91425">
-                    <a:lnL w="12650" cap="flat" cmpd="sng">
-                      <a:solidFill>
-                        <a:srgbClr val="000000"/>
-                      </a:solidFill>
-                      <a:prstDash val="solid"/>
-                      <a:round/>
-                      <a:headEnd type="none" w="sm" len="sm"/>
-                      <a:tailEnd type="none" w="sm" len="sm"/>
-                    </a:lnL>
-                    <a:lnR w="12650" cap="flat" cmpd="sng">
-                      <a:solidFill>
-                        <a:srgbClr val="000000"/>
-                      </a:solidFill>
-                      <a:prstDash val="solid"/>
-                      <a:round/>
-                      <a:headEnd type="none" w="sm" len="sm"/>
-                      <a:tailEnd type="none" w="sm" len="sm"/>
-                    </a:lnR>
-                    <a:lnT w="12650" cap="flat" cmpd="sng">
-                      <a:solidFill>
-                        <a:srgbClr val="000000"/>
-                      </a:solidFill>
-                      <a:prstDash val="solid"/>
-                      <a:round/>
-                      <a:headEnd type="none" w="sm" len="sm"/>
-                      <a:tailEnd type="none" w="sm" len="sm"/>
-                    </a:lnT>
-                    <a:lnB w="12650" cap="flat" cmpd="sng">
-                      <a:solidFill>
-                        <a:srgbClr val="000000"/>
-                      </a:solidFill>
-                      <a:prstDash val="solid"/>
-                      <a:round/>
-                      <a:headEnd type="none" w="sm" len="sm"/>
-                      <a:tailEnd type="none" w="sm" len="sm"/>
-                    </a:lnB>
-                  </a:tcPr>
-                </a:tc>
-                <a:tc>
-                  <a:txBody>
-                    <a:bodyPr/>
-                    <a:lstStyle/>
-                    <a:p>
-                      <a:pPr marL="0" lvl="0" indent="0" algn="ctr" rtl="0">
-                        <a:lnSpc>
-                          <a:spcPct val="115000"/>
-                        </a:lnSpc>
-                        <a:spcBef>
-                          <a:spcPts val="0"/>
-                        </a:spcBef>
-                        <a:spcAft>
-                          <a:spcPts val="0"/>
-                        </a:spcAft>
-                        <a:buNone/>
-                      </a:pPr>
-                      <a:r>
-                        <a:rPr lang="en"/>
-                        <a:t>Expert Safe Environment</a:t>
-                      </a:r>
-                      <a:endParaRPr/>
-                    </a:p>
-                  </a:txBody>
-                  <a:tcPr marL="68575" marR="68575" marT="91425" marB="91425">
-                    <a:lnL w="12650" cap="flat" cmpd="sng">
-                      <a:solidFill>
-                        <a:srgbClr val="000000"/>
-                      </a:solidFill>
-                      <a:prstDash val="solid"/>
-                      <a:round/>
-                      <a:headEnd type="none" w="sm" len="sm"/>
-                      <a:tailEnd type="none" w="sm" len="sm"/>
-                    </a:lnL>
-                    <a:lnR w="12650" cap="flat" cmpd="sng">
-                      <a:solidFill>
-                        <a:srgbClr val="000000"/>
-                      </a:solidFill>
-                      <a:prstDash val="solid"/>
-                      <a:round/>
-                      <a:headEnd type="none" w="sm" len="sm"/>
-                      <a:tailEnd type="none" w="sm" len="sm"/>
-                    </a:lnR>
-                    <a:lnT w="12650" cap="flat" cmpd="sng">
-                      <a:solidFill>
-                        <a:srgbClr val="000000"/>
-                      </a:solidFill>
-                      <a:prstDash val="solid"/>
-                      <a:round/>
-                      <a:headEnd type="none" w="sm" len="sm"/>
-                      <a:tailEnd type="none" w="sm" len="sm"/>
-                    </a:lnT>
-                    <a:lnB w="12650" cap="flat" cmpd="sng">
-                      <a:solidFill>
-                        <a:srgbClr val="000000"/>
-                      </a:solidFill>
-                      <a:prstDash val="solid"/>
-                      <a:round/>
-                      <a:headEnd type="none" w="sm" len="sm"/>
-                      <a:tailEnd type="none" w="sm" len="sm"/>
-                    </a:lnB>
-                  </a:tcPr>
-                </a:tc>
-                <a:extLst>
-                  <a:ext uri="{0D108BD9-81ED-4DB2-BD59-A6C34878D82A}">
-                    <a16:rowId xmlns:a16="http://schemas.microsoft.com/office/drawing/2014/main" val="10002"/>
-                  </a:ext>
-                </a:extLst>
-              </a:tr>
-            </a:tbl>
-          </a:graphicData>
-        </a:graphic>
-      </p:graphicFrame>
-      <p:sp>
-        <p:nvSpPr>
-          <p:cNvPr id="100" name="Google Shape;100;p20"/>
-          <p:cNvSpPr txBox="1"/>
-          <p:nvPr/>
-        </p:nvSpPr>
-        <p:spPr>
-          <a:xfrm>
-            <a:off x="1973075" y="4384625"/>
-            <a:ext cx="5548200" cy="455400"/>
-          </a:xfrm>
-          <a:prstGeom prst="rect">
-            <a:avLst/>
-          </a:prstGeom>
-          <a:noFill/>
-          <a:ln>
-            <a:noFill/>
-          </a:ln>
-        </p:spPr>
-        <p:txBody>
-          <a:bodyPr spcFirstLastPara="1" wrap="square" lIns="91425" tIns="91425" rIns="91425" bIns="91425" anchor="t" anchorCtr="0">
-            <a:noAutofit/>
-          </a:bodyPr>
-          <a:lstStyle/>
-          <a:p>
-            <a:pPr marL="0" lvl="0" indent="0" algn="l" rtl="0">
-              <a:spcBef>
-                <a:spcPts val="0"/>
-              </a:spcBef>
-              <a:spcAft>
-                <a:spcPts val="0"/>
-              </a:spcAft>
-              <a:buNone/>
-            </a:pPr>
-            <a:endParaRPr/>
-          </a:p>
-        </p:txBody>
-      </p:sp>
-    </p:spTree>
-  </p:cSld>
-  <p:clrMapOvr>
-    <a:masterClrMapping/>
-  </p:clrMapOvr>
-</p:sld>
-</file>
-
-<file path=ppt/slides/slide9.xml><?xml version="1.0" encoding="utf-8"?>
-<p:sld xmlns:a="http://schemas.openxmlformats.org/drawingml/2006/main" xmlns:r="http://schemas.openxmlformats.org/officeDocument/2006/relationships" xmlns:p="http://schemas.openxmlformats.org/presentationml/2006/main">
-  <p:cSld>
-    <p:spTree>
-      <p:nvGrpSpPr>
-        <p:cNvPr id="1" name="Shape 104"/>
-        <p:cNvGrpSpPr/>
-        <p:nvPr/>
-      </p:nvGrpSpPr>
-      <p:grpSpPr>
-        <a:xfrm>
-          <a:off x="0" y="0"/>
-          <a:ext cx="0" cy="0"/>
-          <a:chOff x="0" y="0"/>
-          <a:chExt cx="0" cy="0"/>
-        </a:xfrm>
-      </p:grpSpPr>
-      <p:sp>
-        <p:nvSpPr>
-          <p:cNvPr id="105" name="Google Shape;105;p21"/>
-          <p:cNvSpPr txBox="1">
-            <a:spLocks noGrp="1"/>
-          </p:cNvSpPr>
-          <p:nvPr>
-            <p:ph type="title"/>
-          </p:nvPr>
-        </p:nvSpPr>
-        <p:spPr>
-          <a:xfrm>
-            <a:off x="311700" y="445025"/>
-            <a:ext cx="8520600" cy="572700"/>
-          </a:xfrm>
-          <a:prstGeom prst="rect">
-            <a:avLst/>
-          </a:prstGeom>
-        </p:spPr>
-        <p:txBody>
-          <a:bodyPr spcFirstLastPara="1" wrap="square" lIns="91425" tIns="91425" rIns="91425" bIns="91425" anchor="t" anchorCtr="0">
-            <a:noAutofit/>
-          </a:bodyPr>
-          <a:lstStyle/>
-          <a:p>
-            <a:pPr marL="0" lvl="0" indent="0" algn="l" rtl="0">
-              <a:spcBef>
-                <a:spcPts val="0"/>
-              </a:spcBef>
-              <a:spcAft>
-                <a:spcPts val="0"/>
-              </a:spcAft>
-              <a:buNone/>
-            </a:pPr>
-            <a:r>
-              <a:rPr lang="en" sz="3600">
-                <a:latin typeface="Times New Roman"/>
-                <a:ea typeface="Times New Roman"/>
-                <a:cs typeface="Times New Roman"/>
-                <a:sym typeface="Times New Roman"/>
-              </a:rPr>
-              <a:t>Study Design Information</a:t>
-            </a:r>
-            <a:endParaRPr sz="3600">
-              <a:latin typeface="Times New Roman"/>
-              <a:ea typeface="Times New Roman"/>
-              <a:cs typeface="Times New Roman"/>
-              <a:sym typeface="Times New Roman"/>
-            </a:endParaRPr>
-          </a:p>
-        </p:txBody>
-      </p:sp>
-      <p:sp>
-        <p:nvSpPr>
-          <p:cNvPr id="106" name="Google Shape;106;p21"/>
-          <p:cNvSpPr txBox="1">
-            <a:spLocks noGrp="1"/>
-          </p:cNvSpPr>
-          <p:nvPr>
-            <p:ph type="body" idx="1"/>
-          </p:nvPr>
-        </p:nvSpPr>
-        <p:spPr>
-          <a:xfrm>
-            <a:off x="235500" y="658625"/>
-            <a:ext cx="8520600" cy="3416400"/>
-          </a:xfrm>
-          <a:prstGeom prst="rect">
-            <a:avLst/>
-          </a:prstGeom>
-        </p:spPr>
-        <p:txBody>
-          <a:bodyPr spcFirstLastPara="1" wrap="square" lIns="91425" tIns="91425" rIns="91425" bIns="91425" anchor="t" anchorCtr="0">
-            <a:noAutofit/>
-          </a:bodyPr>
-          <a:lstStyle/>
-          <a:p>
-            <a:pPr marL="0" lvl="0" indent="0" algn="l" rtl="0">
-              <a:spcBef>
-                <a:spcPts val="0"/>
-              </a:spcBef>
-              <a:spcAft>
-                <a:spcPts val="0"/>
-              </a:spcAft>
-              <a:buNone/>
-            </a:pPr>
-            <a:endParaRPr sz="2000">
+            <a:endParaRPr>
               <a:solidFill>
                 <a:srgbClr val="000000"/>
               </a:solidFill>
@@ -9943,9 +12276,9 @@
             </a:endParaRPr>
           </a:p>
           <a:p>
-            <a:pPr marL="457200" lvl="0" indent="-355600" algn="l" rtl="0">
-              <a:spcBef>
-                <a:spcPts val="1600"/>
+            <a:pPr marL="457200" lvl="0" indent="-342900" algn="l" rtl="0">
+              <a:spcBef>
+                <a:spcPts val="0"/>
               </a:spcBef>
               <a:spcAft>
                 <a:spcPts val="0"/>
@@ -9953,12 +12286,12 @@
               <a:buClr>
                 <a:srgbClr val="000000"/>
               </a:buClr>
-              <a:buSzPts val="2000"/>
-              <a:buFont typeface="Times New Roman"/>
-              <a:buChar char="●"/>
+              <a:buSzPts val="1800"/>
+              <a:buFont typeface="Noto Sans Symbols"/>
+              <a:buAutoNum type="arabicPeriod"/>
             </a:pPr>
             <a:r>
-              <a:rPr lang="en" sz="2000">
+              <a:rPr lang="en" b="1">
                 <a:solidFill>
                   <a:srgbClr val="000000"/>
                 </a:solidFill>
@@ -9967,9 +12300,45 @@
                 <a:cs typeface="Times New Roman"/>
                 <a:sym typeface="Times New Roman"/>
               </a:rPr>
-              <a:t>Quasi IV: Level of Expertise (Novice vs. Expert)</a:t>
+              <a:t>H</a:t>
             </a:r>
-            <a:endParaRPr sz="2000">
+            <a:r>
+              <a:rPr lang="en" b="1" baseline="-25000">
+                <a:solidFill>
+                  <a:srgbClr val="000000"/>
+                </a:solidFill>
+                <a:latin typeface="Times New Roman"/>
+                <a:ea typeface="Times New Roman"/>
+                <a:cs typeface="Times New Roman"/>
+                <a:sym typeface="Times New Roman"/>
+              </a:rPr>
+              <a:t>2</a:t>
+            </a:r>
+            <a:r>
+              <a:rPr lang="en" b="1">
+                <a:solidFill>
+                  <a:srgbClr val="000000"/>
+                </a:solidFill>
+                <a:latin typeface="Times New Roman"/>
+                <a:ea typeface="Times New Roman"/>
+                <a:cs typeface="Times New Roman"/>
+                <a:sym typeface="Times New Roman"/>
+              </a:rPr>
+              <a:t>:</a:t>
+            </a:r>
+            <a:r>
+              <a:rPr lang="en">
+                <a:solidFill>
+                  <a:srgbClr val="000000"/>
+                </a:solidFill>
+                <a:latin typeface="Times New Roman"/>
+                <a:ea typeface="Times New Roman"/>
+                <a:cs typeface="Times New Roman"/>
+                <a:sym typeface="Times New Roman"/>
+              </a:rPr>
+              <a:t> It is hypothesized that novice participants in both the safe and dangerous environments will have lower levels of trust in an autonomous robot than expert participants.</a:t>
+            </a:r>
+            <a:endParaRPr>
               <a:solidFill>
                 <a:srgbClr val="000000"/>
               </a:solidFill>
@@ -9980,7 +12349,7 @@
             </a:endParaRPr>
           </a:p>
           <a:p>
-            <a:pPr marL="457200" lvl="0" indent="-355600" algn="l" rtl="0">
+            <a:pPr marL="457200" lvl="0" indent="-342900" algn="l" rtl="0">
               <a:spcBef>
                 <a:spcPts val="0"/>
               </a:spcBef>
@@ -9990,12 +12359,12 @@
               <a:buClr>
                 <a:srgbClr val="000000"/>
               </a:buClr>
-              <a:buSzPts val="2000"/>
-              <a:buFont typeface="Times New Roman"/>
-              <a:buChar char="●"/>
+              <a:buSzPts val="1800"/>
+              <a:buFont typeface="Noto Sans Symbols"/>
+              <a:buAutoNum type="arabicPeriod"/>
             </a:pPr>
             <a:r>
-              <a:rPr lang="en" sz="2000">
+              <a:rPr lang="en" b="1">
                 <a:solidFill>
                   <a:srgbClr val="000000"/>
                 </a:solidFill>
@@ -10004,9 +12373,45 @@
                 <a:cs typeface="Times New Roman"/>
                 <a:sym typeface="Times New Roman"/>
               </a:rPr>
-              <a:t>IV: Environment (Dangerous vs. Safe)</a:t>
+              <a:t>H</a:t>
             </a:r>
-            <a:endParaRPr sz="2000">
+            <a:r>
+              <a:rPr lang="en" b="1" baseline="-25000">
+                <a:solidFill>
+                  <a:srgbClr val="000000"/>
+                </a:solidFill>
+                <a:latin typeface="Times New Roman"/>
+                <a:ea typeface="Times New Roman"/>
+                <a:cs typeface="Times New Roman"/>
+                <a:sym typeface="Times New Roman"/>
+              </a:rPr>
+              <a:t>3</a:t>
+            </a:r>
+            <a:r>
+              <a:rPr lang="en" b="1">
+                <a:solidFill>
+                  <a:srgbClr val="000000"/>
+                </a:solidFill>
+                <a:latin typeface="Times New Roman"/>
+                <a:ea typeface="Times New Roman"/>
+                <a:cs typeface="Times New Roman"/>
+                <a:sym typeface="Times New Roman"/>
+              </a:rPr>
+              <a:t>:</a:t>
+            </a:r>
+            <a:r>
+              <a:rPr lang="en">
+                <a:solidFill>
+                  <a:srgbClr val="000000"/>
+                </a:solidFill>
+                <a:latin typeface="Times New Roman"/>
+                <a:ea typeface="Times New Roman"/>
+                <a:cs typeface="Times New Roman"/>
+                <a:sym typeface="Times New Roman"/>
+              </a:rPr>
+              <a:t> It is hypothesized that expert participants in the 50% reliability condition and safe environment will have lower levels of trust in an autonomous robot similar to novice participants.</a:t>
+            </a:r>
+            <a:endParaRPr>
               <a:solidFill>
                 <a:srgbClr val="000000"/>
               </a:solidFill>
@@ -10017,7 +12422,7 @@
             </a:endParaRPr>
           </a:p>
           <a:p>
-            <a:pPr marL="457200" lvl="0" indent="-355600" algn="l" rtl="0">
+            <a:pPr marL="457200" lvl="0" indent="-342900" algn="l" rtl="0">
               <a:spcBef>
                 <a:spcPts val="0"/>
               </a:spcBef>
@@ -10027,12 +12432,12 @@
               <a:buClr>
                 <a:srgbClr val="000000"/>
               </a:buClr>
-              <a:buSzPts val="2000"/>
-              <a:buFont typeface="Times New Roman"/>
-              <a:buChar char="●"/>
+              <a:buSzPts val="1800"/>
+              <a:buFont typeface="Noto Sans Symbols"/>
+              <a:buAutoNum type="arabicPeriod"/>
             </a:pPr>
             <a:r>
-              <a:rPr lang="en" sz="2000">
+              <a:rPr lang="en" b="1">
                 <a:solidFill>
                   <a:srgbClr val="000000"/>
                 </a:solidFill>
@@ -10041,9 +12446,45 @@
                 <a:cs typeface="Times New Roman"/>
                 <a:sym typeface="Times New Roman"/>
               </a:rPr>
-              <a:t>DV: Participants’ level of trust on robot’s feedback</a:t>
+              <a:t>H</a:t>
             </a:r>
-            <a:endParaRPr sz="2000">
+            <a:r>
+              <a:rPr lang="en" b="1" baseline="-25000">
+                <a:solidFill>
+                  <a:srgbClr val="000000"/>
+                </a:solidFill>
+                <a:latin typeface="Times New Roman"/>
+                <a:ea typeface="Times New Roman"/>
+                <a:cs typeface="Times New Roman"/>
+                <a:sym typeface="Times New Roman"/>
+              </a:rPr>
+              <a:t>4</a:t>
+            </a:r>
+            <a:r>
+              <a:rPr lang="en" b="1">
+                <a:solidFill>
+                  <a:srgbClr val="000000"/>
+                </a:solidFill>
+                <a:latin typeface="Times New Roman"/>
+                <a:ea typeface="Times New Roman"/>
+                <a:cs typeface="Times New Roman"/>
+                <a:sym typeface="Times New Roman"/>
+              </a:rPr>
+              <a:t>:</a:t>
+            </a:r>
+            <a:r>
+              <a:rPr lang="en">
+                <a:solidFill>
+                  <a:srgbClr val="000000"/>
+                </a:solidFill>
+                <a:latin typeface="Times New Roman"/>
+                <a:ea typeface="Times New Roman"/>
+                <a:cs typeface="Times New Roman"/>
+                <a:sym typeface="Times New Roman"/>
+              </a:rPr>
+              <a:t> It is hypothesized that expert participants in the 50% reliability condition and dangerous environment will have higher levels of trust in an autonomous robot dissimilar to novice participants.</a:t>
+            </a:r>
+            <a:endParaRPr>
               <a:solidFill>
                 <a:srgbClr val="000000"/>
               </a:solidFill>
@@ -10056,104 +12497,7 @@
           <a:p>
             <a:pPr marL="0" lvl="0" indent="0" algn="l" rtl="0">
               <a:spcBef>
-                <a:spcPts val="1600"/>
-              </a:spcBef>
-              <a:spcAft>
-                <a:spcPts val="0"/>
-              </a:spcAft>
-              <a:buNone/>
-            </a:pPr>
-            <a:endParaRPr sz="2000">
-              <a:solidFill>
-                <a:srgbClr val="000000"/>
-              </a:solidFill>
-              <a:latin typeface="Times New Roman"/>
-              <a:ea typeface="Times New Roman"/>
-              <a:cs typeface="Times New Roman"/>
-              <a:sym typeface="Times New Roman"/>
-            </a:endParaRPr>
-          </a:p>
-          <a:p>
-            <a:pPr marL="0" lvl="0" indent="0" algn="l" rtl="0">
-              <a:spcBef>
-                <a:spcPts val="1600"/>
-              </a:spcBef>
-              <a:spcAft>
-                <a:spcPts val="0"/>
-              </a:spcAft>
-              <a:buNone/>
-            </a:pPr>
-            <a:endParaRPr sz="2000">
-              <a:solidFill>
-                <a:srgbClr val="000000"/>
-              </a:solidFill>
-              <a:latin typeface="Times New Roman"/>
-              <a:ea typeface="Times New Roman"/>
-              <a:cs typeface="Times New Roman"/>
-              <a:sym typeface="Times New Roman"/>
-            </a:endParaRPr>
-          </a:p>
-          <a:p>
-            <a:pPr marL="0" lvl="0" indent="0" algn="l" rtl="0">
-              <a:spcBef>
-                <a:spcPts val="1600"/>
-              </a:spcBef>
-              <a:spcAft>
-                <a:spcPts val="0"/>
-              </a:spcAft>
-              <a:buNone/>
-            </a:pPr>
-            <a:endParaRPr sz="2000">
-              <a:solidFill>
-                <a:srgbClr val="000000"/>
-              </a:solidFill>
-              <a:latin typeface="Times New Roman"/>
-              <a:ea typeface="Times New Roman"/>
-              <a:cs typeface="Times New Roman"/>
-              <a:sym typeface="Times New Roman"/>
-            </a:endParaRPr>
-          </a:p>
-          <a:p>
-            <a:pPr marL="0" lvl="0" indent="0" algn="l" rtl="0">
-              <a:spcBef>
-                <a:spcPts val="1600"/>
-              </a:spcBef>
-              <a:spcAft>
-                <a:spcPts val="0"/>
-              </a:spcAft>
-              <a:buClr>
-                <a:schemeClr val="dk1"/>
-              </a:buClr>
-              <a:buSzPts val="1100"/>
-              <a:buFont typeface="Arial"/>
-              <a:buNone/>
-            </a:pPr>
-            <a:r>
-              <a:rPr lang="en" sz="2000">
-                <a:solidFill>
-                  <a:srgbClr val="000000"/>
-                </a:solidFill>
-                <a:latin typeface="Times New Roman"/>
-                <a:ea typeface="Times New Roman"/>
-                <a:cs typeface="Times New Roman"/>
-                <a:sym typeface="Times New Roman"/>
-              </a:rPr>
-              <a:t>*Reliability rate is not part of the design because its kept constant at 50%.</a:t>
-            </a:r>
-            <a:endParaRPr sz="2000">
-              <a:solidFill>
-                <a:srgbClr val="000000"/>
-              </a:solidFill>
-              <a:latin typeface="Times New Roman"/>
-              <a:ea typeface="Times New Roman"/>
-              <a:cs typeface="Times New Roman"/>
-              <a:sym typeface="Times New Roman"/>
-            </a:endParaRPr>
-          </a:p>
-          <a:p>
-            <a:pPr marL="0" lvl="0" indent="0" algn="l" rtl="0">
-              <a:spcBef>
-                <a:spcPts val="1600"/>
+                <a:spcPts val="0"/>
               </a:spcBef>
               <a:spcAft>
                 <a:spcPts val="1600"/>
@@ -10164,35 +12508,12 @@
           </a:p>
         </p:txBody>
       </p:sp>
-      <p:pic>
-        <p:nvPicPr>
-          <p:cNvPr id="107" name="Google Shape;107;p21"/>
-          <p:cNvPicPr preferRelativeResize="0"/>
-          <p:nvPr/>
-        </p:nvPicPr>
-        <p:blipFill>
-          <a:blip r:embed="rId3">
-            <a:alphaModFix/>
-          </a:blip>
-          <a:stretch>
-            <a:fillRect/>
-          </a:stretch>
-        </p:blipFill>
-        <p:spPr>
-          <a:xfrm>
-            <a:off x="5758975" y="990325"/>
-            <a:ext cx="3389501" cy="3389501"/>
-          </a:xfrm>
-          <a:prstGeom prst="rect">
-            <a:avLst/>
-          </a:prstGeom>
-          <a:noFill/>
-          <a:ln>
-            <a:noFill/>
-          </a:ln>
-        </p:spPr>
-      </p:pic>
     </p:spTree>
+    <p:extLst>
+      <p:ext uri="{BB962C8B-B14F-4D97-AF65-F5344CB8AC3E}">
+        <p14:creationId xmlns:p14="http://schemas.microsoft.com/office/powerpoint/2010/main" val="760104933"/>
+      </p:ext>
+    </p:extLst>
   </p:cSld>
   <p:clrMapOvr>
     <a:masterClrMapping/>
